--- a/explication.pptx
+++ b/explication.pptx
@@ -6,15 +6,14 @@
   </p:sldMasterIdLst>
   <p:sldIdLst>
     <p:sldId id="256" r:id="rId2"/>
-    <p:sldId id="257" r:id="rId3"/>
+    <p:sldId id="272" r:id="rId3"/>
     <p:sldId id="260" r:id="rId4"/>
     <p:sldId id="258" r:id="rId5"/>
-    <p:sldId id="268" r:id="rId6"/>
-    <p:sldId id="266" r:id="rId7"/>
-    <p:sldId id="269" r:id="rId8"/>
-    <p:sldId id="259" r:id="rId9"/>
-    <p:sldId id="263" r:id="rId10"/>
-    <p:sldId id="265" r:id="rId11"/>
+    <p:sldId id="269" r:id="rId6"/>
+    <p:sldId id="271" r:id="rId7"/>
+    <p:sldId id="270" r:id="rId8"/>
+    <p:sldId id="263" r:id="rId9"/>
+    <p:sldId id="265" r:id="rId10"/>
   </p:sldIdLst>
   <p:sldSz cx="12192000" cy="6858000"/>
   <p:notesSz cx="6858000" cy="9144000"/>
@@ -113,6 +112,11 @@
       </a:defRPr>
     </a:lvl9pPr>
   </p:defaultTextStyle>
+  <p:extLst>
+    <p:ext uri="{EFAFB233-063F-42B5-8137-9DF3F51BA10A}">
+      <p15:sldGuideLst xmlns:p15="http://schemas.microsoft.com/office/powerpoint/2012/main"/>
+    </p:ext>
+  </p:extLst>
 </p:presentation>
 </file>
 
@@ -265,7 +269,7 @@
           <a:p>
             <a:fld id="{18BB5025-7FC1-46CC-90E2-219E7AA89971}" type="datetimeFigureOut">
               <a:rPr lang="fr-FR" smtClean="0"/>
-              <a:t>21/11/2022</a:t>
+              <a:t>22/11/2022</a:t>
             </a:fld>
             <a:endParaRPr lang="fr-FR"/>
           </a:p>
@@ -465,7 +469,7 @@
           <a:p>
             <a:fld id="{18BB5025-7FC1-46CC-90E2-219E7AA89971}" type="datetimeFigureOut">
               <a:rPr lang="fr-FR" smtClean="0"/>
-              <a:t>21/11/2022</a:t>
+              <a:t>22/11/2022</a:t>
             </a:fld>
             <a:endParaRPr lang="fr-FR"/>
           </a:p>
@@ -675,7 +679,7 @@
           <a:p>
             <a:fld id="{18BB5025-7FC1-46CC-90E2-219E7AA89971}" type="datetimeFigureOut">
               <a:rPr lang="fr-FR" smtClean="0"/>
-              <a:t>21/11/2022</a:t>
+              <a:t>22/11/2022</a:t>
             </a:fld>
             <a:endParaRPr lang="fr-FR"/>
           </a:p>
@@ -875,7 +879,7 @@
           <a:p>
             <a:fld id="{18BB5025-7FC1-46CC-90E2-219E7AA89971}" type="datetimeFigureOut">
               <a:rPr lang="fr-FR" smtClean="0"/>
-              <a:t>21/11/2022</a:t>
+              <a:t>22/11/2022</a:t>
             </a:fld>
             <a:endParaRPr lang="fr-FR"/>
           </a:p>
@@ -1151,7 +1155,7 @@
           <a:p>
             <a:fld id="{18BB5025-7FC1-46CC-90E2-219E7AA89971}" type="datetimeFigureOut">
               <a:rPr lang="fr-FR" smtClean="0"/>
-              <a:t>21/11/2022</a:t>
+              <a:t>22/11/2022</a:t>
             </a:fld>
             <a:endParaRPr lang="fr-FR"/>
           </a:p>
@@ -1419,7 +1423,7 @@
           <a:p>
             <a:fld id="{18BB5025-7FC1-46CC-90E2-219E7AA89971}" type="datetimeFigureOut">
               <a:rPr lang="fr-FR" smtClean="0"/>
-              <a:t>21/11/2022</a:t>
+              <a:t>22/11/2022</a:t>
             </a:fld>
             <a:endParaRPr lang="fr-FR"/>
           </a:p>
@@ -1834,7 +1838,7 @@
           <a:p>
             <a:fld id="{18BB5025-7FC1-46CC-90E2-219E7AA89971}" type="datetimeFigureOut">
               <a:rPr lang="fr-FR" smtClean="0"/>
-              <a:t>21/11/2022</a:t>
+              <a:t>22/11/2022</a:t>
             </a:fld>
             <a:endParaRPr lang="fr-FR"/>
           </a:p>
@@ -1976,7 +1980,7 @@
           <a:p>
             <a:fld id="{18BB5025-7FC1-46CC-90E2-219E7AA89971}" type="datetimeFigureOut">
               <a:rPr lang="fr-FR" smtClean="0"/>
-              <a:t>21/11/2022</a:t>
+              <a:t>22/11/2022</a:t>
             </a:fld>
             <a:endParaRPr lang="fr-FR"/>
           </a:p>
@@ -2089,7 +2093,7 @@
           <a:p>
             <a:fld id="{18BB5025-7FC1-46CC-90E2-219E7AA89971}" type="datetimeFigureOut">
               <a:rPr lang="fr-FR" smtClean="0"/>
-              <a:t>21/11/2022</a:t>
+              <a:t>22/11/2022</a:t>
             </a:fld>
             <a:endParaRPr lang="fr-FR"/>
           </a:p>
@@ -2402,7 +2406,7 @@
           <a:p>
             <a:fld id="{18BB5025-7FC1-46CC-90E2-219E7AA89971}" type="datetimeFigureOut">
               <a:rPr lang="fr-FR" smtClean="0"/>
-              <a:t>21/11/2022</a:t>
+              <a:t>22/11/2022</a:t>
             </a:fld>
             <a:endParaRPr lang="fr-FR"/>
           </a:p>
@@ -2691,7 +2695,7 @@
           <a:p>
             <a:fld id="{18BB5025-7FC1-46CC-90E2-219E7AA89971}" type="datetimeFigureOut">
               <a:rPr lang="fr-FR" smtClean="0"/>
-              <a:t>21/11/2022</a:t>
+              <a:t>22/11/2022</a:t>
             </a:fld>
             <a:endParaRPr lang="fr-FR"/>
           </a:p>
@@ -2934,7 +2938,7 @@
           <a:p>
             <a:fld id="{18BB5025-7FC1-46CC-90E2-219E7AA89971}" type="datetimeFigureOut">
               <a:rPr lang="fr-FR" smtClean="0"/>
-              <a:t>21/11/2022</a:t>
+              <a:t>22/11/2022</a:t>
             </a:fld>
             <a:endParaRPr lang="fr-FR"/>
           </a:p>
@@ -3414,154 +3418,6 @@
 </p:sld>
 </file>
 
-<file path=ppt/slides/slide10.xml><?xml version="1.0" encoding="utf-8"?>
-<p:sld xmlns:a="http://schemas.openxmlformats.org/drawingml/2006/main" xmlns:r="http://schemas.openxmlformats.org/officeDocument/2006/relationships" xmlns:p="http://schemas.openxmlformats.org/presentationml/2006/main">
-  <p:cSld>
-    <p:spTree>
-      <p:nvGrpSpPr>
-        <p:cNvPr id="1" name=""/>
-        <p:cNvGrpSpPr/>
-        <p:nvPr/>
-      </p:nvGrpSpPr>
-      <p:grpSpPr>
-        <a:xfrm>
-          <a:off x="0" y="0"/>
-          <a:ext cx="0" cy="0"/>
-          <a:chOff x="0" y="0"/>
-          <a:chExt cx="0" cy="0"/>
-        </a:xfrm>
-      </p:grpSpPr>
-      <p:sp>
-        <p:nvSpPr>
-          <p:cNvPr id="2" name="Title 1">
-            <a:extLst>
-              <a:ext uri="{FF2B5EF4-FFF2-40B4-BE49-F238E27FC236}">
-                <a16:creationId xmlns:a16="http://schemas.microsoft.com/office/drawing/2014/main" id="{FFC86E49-9559-5AAE-BC5C-4F6AD5D9985C}"/>
-              </a:ext>
-            </a:extLst>
-          </p:cNvPr>
-          <p:cNvSpPr>
-            <a:spLocks noGrp="1"/>
-          </p:cNvSpPr>
-          <p:nvPr>
-            <p:ph type="title"/>
-          </p:nvPr>
-        </p:nvSpPr>
-        <p:spPr/>
-        <p:txBody>
-          <a:bodyPr/>
-          <a:lstStyle/>
-          <a:p>
-            <a:r>
-              <a:rPr lang="fr-FR" dirty="0"/>
-              <a:t>Stratégie 1 vs 2</a:t>
-            </a:r>
-          </a:p>
-        </p:txBody>
-      </p:sp>
-      <p:pic>
-        <p:nvPicPr>
-          <p:cNvPr id="11" name="Picture 10">
-            <a:extLst>
-              <a:ext uri="{FF2B5EF4-FFF2-40B4-BE49-F238E27FC236}">
-                <a16:creationId xmlns:a16="http://schemas.microsoft.com/office/drawing/2014/main" id="{846DEDC8-5447-34CA-6E05-0E5E43F46380}"/>
-              </a:ext>
-            </a:extLst>
-          </p:cNvPr>
-          <p:cNvPicPr>
-            <a:picLocks noChangeAspect="1"/>
-          </p:cNvPicPr>
-          <p:nvPr/>
-        </p:nvPicPr>
-        <p:blipFill>
-          <a:blip r:embed="rId2"/>
-          <a:stretch>
-            <a:fillRect/>
-          </a:stretch>
-        </p:blipFill>
-        <p:spPr>
-          <a:xfrm>
-            <a:off x="6224158" y="1310950"/>
-            <a:ext cx="5129642" cy="3215011"/>
-          </a:xfrm>
-          <a:prstGeom prst="rect">
-            <a:avLst/>
-          </a:prstGeom>
-        </p:spPr>
-      </p:pic>
-      <p:pic>
-        <p:nvPicPr>
-          <p:cNvPr id="15" name="Picture 14">
-            <a:extLst>
-              <a:ext uri="{FF2B5EF4-FFF2-40B4-BE49-F238E27FC236}">
-                <a16:creationId xmlns:a16="http://schemas.microsoft.com/office/drawing/2014/main" id="{8AC7B6B2-E8CF-15EA-7AAF-46D2CA70D457}"/>
-              </a:ext>
-            </a:extLst>
-          </p:cNvPr>
-          <p:cNvPicPr>
-            <a:picLocks noChangeAspect="1"/>
-          </p:cNvPicPr>
-          <p:nvPr/>
-        </p:nvPicPr>
-        <p:blipFill>
-          <a:blip r:embed="rId3"/>
-          <a:stretch>
-            <a:fillRect/>
-          </a:stretch>
-        </p:blipFill>
-        <p:spPr>
-          <a:xfrm>
-            <a:off x="682803" y="1310949"/>
-            <a:ext cx="5285040" cy="3215012"/>
-          </a:xfrm>
-          <a:prstGeom prst="rect">
-            <a:avLst/>
-          </a:prstGeom>
-        </p:spPr>
-      </p:pic>
-      <p:pic>
-        <p:nvPicPr>
-          <p:cNvPr id="18" name="Picture 17">
-            <a:extLst>
-              <a:ext uri="{FF2B5EF4-FFF2-40B4-BE49-F238E27FC236}">
-                <a16:creationId xmlns:a16="http://schemas.microsoft.com/office/drawing/2014/main" id="{58F957EC-FE8E-E792-0537-0B2F71B54A05}"/>
-              </a:ext>
-            </a:extLst>
-          </p:cNvPr>
-          <p:cNvPicPr>
-            <a:picLocks noChangeAspect="1"/>
-          </p:cNvPicPr>
-          <p:nvPr/>
-        </p:nvPicPr>
-        <p:blipFill>
-          <a:blip r:embed="rId4"/>
-          <a:stretch>
-            <a:fillRect/>
-          </a:stretch>
-        </p:blipFill>
-        <p:spPr>
-          <a:xfrm>
-            <a:off x="3869762" y="4608258"/>
-            <a:ext cx="4196162" cy="2080149"/>
-          </a:xfrm>
-          <a:prstGeom prst="rect">
-            <a:avLst/>
-          </a:prstGeom>
-        </p:spPr>
-      </p:pic>
-    </p:spTree>
-    <p:extLst>
-      <p:ext uri="{BB962C8B-B14F-4D97-AF65-F5344CB8AC3E}">
-        <p14:creationId xmlns:p14="http://schemas.microsoft.com/office/powerpoint/2010/main" val="255853770"/>
-      </p:ext>
-    </p:extLst>
-  </p:cSld>
-  <p:clrMapOvr>
-    <a:masterClrMapping/>
-  </p:clrMapOvr>
-</p:sld>
-</file>
-
 <file path=ppt/slides/slide2.xml><?xml version="1.0" encoding="utf-8"?>
 <p:sld xmlns:a="http://schemas.openxmlformats.org/drawingml/2006/main" xmlns:r="http://schemas.openxmlformats.org/officeDocument/2006/relationships" xmlns:p="http://schemas.openxmlformats.org/presentationml/2006/main">
   <p:cSld>
@@ -3621,11 +3477,6 @@
           </p:cNvGraphicFramePr>
           <p:nvPr>
             <p:ph idx="1"/>
-            <p:extLst>
-              <p:ext uri="{D42A27DB-BD31-4B8C-83A1-F6EECF244321}">
-                <p14:modId xmlns:p14="http://schemas.microsoft.com/office/powerpoint/2010/main" val="1934565383"/>
-              </p:ext>
-            </p:extLst>
           </p:nvPr>
         </p:nvGraphicFramePr>
         <p:xfrm>
@@ -4512,10 +4363,53 @@
           </a:p>
         </p:txBody>
       </p:sp>
+      <p:sp>
+        <p:nvSpPr>
+          <p:cNvPr id="3" name="TextBox 2">
+            <a:extLst>
+              <a:ext uri="{FF2B5EF4-FFF2-40B4-BE49-F238E27FC236}">
+                <a16:creationId xmlns:a16="http://schemas.microsoft.com/office/drawing/2014/main" id="{D1D9F4D8-FFED-1447-2572-00FF9082A7CF}"/>
+              </a:ext>
+            </a:extLst>
+          </p:cNvPr>
+          <p:cNvSpPr txBox="1"/>
+          <p:nvPr/>
+        </p:nvSpPr>
+        <p:spPr>
+          <a:xfrm>
+            <a:off x="838200" y="1500473"/>
+            <a:ext cx="6931065" cy="369332"/>
+          </a:xfrm>
+          <a:prstGeom prst="rect">
+            <a:avLst/>
+          </a:prstGeom>
+          <a:noFill/>
+        </p:spPr>
+        <p:txBody>
+          <a:bodyPr wrap="none" rtlCol="0">
+            <a:spAutoFit/>
+          </a:bodyPr>
+          <a:lstStyle/>
+          <a:p>
+            <a:r>
+              <a:rPr lang="fr-FR" dirty="0"/>
+              <a:t>On représente les connexions entre </a:t>
+            </a:r>
+            <a:r>
+              <a:rPr lang="fr-FR" dirty="0" err="1"/>
+              <a:t>ugas</a:t>
+            </a:r>
+            <a:r>
+              <a:rPr lang="fr-FR" dirty="0"/>
+              <a:t> par une matrice de connexion</a:t>
+            </a:r>
+          </a:p>
+        </p:txBody>
+      </p:sp>
     </p:spTree>
     <p:extLst>
       <p:ext uri="{BB962C8B-B14F-4D97-AF65-F5344CB8AC3E}">
-        <p14:creationId xmlns:p14="http://schemas.microsoft.com/office/powerpoint/2010/main" val="575474392"/>
+        <p14:creationId xmlns:p14="http://schemas.microsoft.com/office/powerpoint/2010/main" val="2006506106"/>
       </p:ext>
     </p:extLst>
   </p:cSld>
@@ -4565,7 +4459,23 @@
           <a:p>
             <a:r>
               <a:rPr lang="fr-FR" dirty="0"/>
-              <a:t>Calcul de la perte (</a:t>
+              <a:t>Pour converger vers un </a:t>
+            </a:r>
+            <a:r>
+              <a:rPr lang="fr-FR" dirty="0" err="1"/>
+              <a:t>target</a:t>
+            </a:r>
+            <a:r>
+              <a:rPr lang="fr-FR" dirty="0"/>
+              <a:t> </a:t>
+            </a:r>
+            <a:r>
+              <a:rPr lang="fr-FR" dirty="0" err="1"/>
+              <a:t>nbcall</a:t>
+            </a:r>
+            <a:r>
+              <a:rPr lang="fr-FR" dirty="0"/>
+              <a:t> on met en place une mesure de performance (</a:t>
             </a:r>
             <a:r>
               <a:rPr lang="fr-FR" dirty="0" err="1"/>
@@ -5265,7 +5175,19 @@
                           <a:rPr lang="fr-FR" b="0" i="1" smtClean="0">
                             <a:latin typeface="Cambria Math" panose="02040503050406030204" pitchFamily="18" charset="0"/>
                           </a:rPr>
-                          <m:t>𝑛𝑏𝑐𝑎𝑙𝑙𝑢𝑔𝑎</m:t>
+                          <m:t>𝑛𝑏𝑐𝑎𝑙𝑙</m:t>
+                        </m:r>
+                        <m:r>
+                          <a:rPr lang="fr-FR" b="0" i="1" smtClean="0">
+                            <a:latin typeface="Cambria Math" panose="02040503050406030204" pitchFamily="18" charset="0"/>
+                          </a:rPr>
+                          <m:t> </m:t>
+                        </m:r>
+                        <m:r>
+                          <a:rPr lang="fr-FR" b="0" i="1" smtClean="0">
+                            <a:latin typeface="Cambria Math" panose="02040503050406030204" pitchFamily="18" charset="0"/>
+                          </a:rPr>
+                          <m:t>𝑢𝑔𝑎</m:t>
                         </m:r>
                       </m:e>
                     </m:nary>
@@ -5375,13 +5297,7 @@
                           <a:rPr lang="fr-FR" b="0" i="1" smtClean="0">
                             <a:latin typeface="Cambria Math" panose="02040503050406030204" pitchFamily="18" charset="0"/>
                           </a:rPr>
-                          <m:t>3</m:t>
-                        </m:r>
-                        <m:r>
-                          <a:rPr lang="fr-FR" b="0" i="1" smtClean="0">
-                            <a:latin typeface="Cambria Math" panose="02040503050406030204" pitchFamily="18" charset="0"/>
-                          </a:rPr>
-                          <m:t>−10</m:t>
+                          <m:t>3−10</m:t>
                         </m:r>
                       </m:e>
                     </m:d>
@@ -5484,13 +5400,7 @@
                           <a:rPr lang="fr-FR" b="0" i="1" smtClean="0">
                             <a:latin typeface="Cambria Math" panose="02040503050406030204" pitchFamily="18" charset="0"/>
                           </a:rPr>
-                          <m:t>−</m:t>
-                        </m:r>
-                        <m:r>
-                          <a:rPr lang="fr-FR" b="0" i="1" smtClean="0">
-                            <a:latin typeface="Cambria Math" panose="02040503050406030204" pitchFamily="18" charset="0"/>
-                          </a:rPr>
-                          <m:t>7</m:t>
+                          <m:t>−7</m:t>
                         </m:r>
                       </m:e>
                     </m:d>
@@ -5504,19 +5414,7 @@
                       <a:rPr lang="fr-FR" b="0" i="1" smtClean="0">
                         <a:latin typeface="Cambria Math" panose="02040503050406030204" pitchFamily="18" charset="0"/>
                       </a:rPr>
-                      <m:t>+(</m:t>
-                    </m:r>
-                    <m:r>
-                      <a:rPr lang="fr-FR" b="0" i="1" smtClean="0">
-                        <a:latin typeface="Cambria Math" panose="02040503050406030204" pitchFamily="18" charset="0"/>
-                      </a:rPr>
-                      <m:t>−3</m:t>
-                    </m:r>
-                    <m:r>
-                      <a:rPr lang="fr-FR" b="0" i="1" smtClean="0">
-                        <a:latin typeface="Cambria Math" panose="02040503050406030204" pitchFamily="18" charset="0"/>
-                      </a:rPr>
-                      <m:t>)</m:t>
+                      <m:t>+(−3)</m:t>
                     </m:r>
                     <m:r>
                       <a:rPr lang="fr-FR" b="0" i="1" baseline="30000" smtClean="0">
@@ -5536,19 +5434,7 @@
                       <a:rPr lang="fr-FR" b="0" i="1" smtClean="0">
                         <a:latin typeface="Cambria Math" panose="02040503050406030204" pitchFamily="18" charset="0"/>
                       </a:rPr>
-                      <m:t>(</m:t>
-                    </m:r>
-                    <m:r>
-                      <a:rPr lang="fr-FR" b="0" i="1" smtClean="0">
-                        <a:latin typeface="Cambria Math" panose="02040503050406030204" pitchFamily="18" charset="0"/>
-                      </a:rPr>
-                      <m:t>−8</m:t>
-                    </m:r>
-                    <m:r>
-                      <a:rPr lang="fr-FR" b="0" i="1" smtClean="0">
-                        <a:latin typeface="Cambria Math" panose="02040503050406030204" pitchFamily="18" charset="0"/>
-                      </a:rPr>
-                      <m:t>)</m:t>
+                      <m:t>(−8)</m:t>
                     </m:r>
                     <m:r>
                       <a:rPr lang="fr-FR" b="0" i="1" baseline="30000" smtClean="0">
@@ -5742,7 +5628,7 @@
           <a:p>
             <a:r>
               <a:rPr lang="fr-FR" dirty="0"/>
-              <a:t>Stratégie 1</a:t>
+              <a:t>Plusieurs stratégies sont testées</a:t>
             </a:r>
           </a:p>
         </p:txBody>
@@ -5762,7 +5648,7 @@
         <p:spPr>
           <a:xfrm>
             <a:off x="836834" y="1451202"/>
-            <a:ext cx="5702074" cy="646331"/>
+            <a:ext cx="9911431" cy="2031325"/>
           </a:xfrm>
           <a:prstGeom prst="rect">
             <a:avLst/>
@@ -5774,6 +5660,13 @@
             <a:spAutoFit/>
           </a:bodyPr>
           <a:lstStyle/>
+          <a:p>
+            <a:r>
+              <a:rPr lang="fr-FR" dirty="0"/>
+              <a:t>Stratégie 1</a:t>
+            </a:r>
+            <a:endParaRPr lang="fr-FR" b="1" dirty="0"/>
+          </a:p>
           <a:p>
             <a:pPr marL="285750" indent="-285750">
               <a:buFont typeface="Arial" panose="020B0604020202020204" pitchFamily="34" charset="0"/>
@@ -5810,621 +5703,65 @@
               <a:t> et lister tous les groupements possibles</a:t>
             </a:r>
           </a:p>
-        </p:txBody>
-      </p:sp>
-      <p:pic>
-        <p:nvPicPr>
-          <p:cNvPr id="6" name="Picture 5">
-            <a:extLst>
-              <a:ext uri="{FF2B5EF4-FFF2-40B4-BE49-F238E27FC236}">
-                <a16:creationId xmlns:a16="http://schemas.microsoft.com/office/drawing/2014/main" id="{54A0B36F-E3C8-59AE-B5FE-69E4D54B9B43}"/>
-              </a:ext>
-            </a:extLst>
-          </p:cNvPr>
-          <p:cNvPicPr>
-            <a:picLocks noChangeAspect="1"/>
-          </p:cNvPicPr>
-          <p:nvPr/>
-        </p:nvPicPr>
-        <p:blipFill>
-          <a:blip r:embed="rId2"/>
-          <a:stretch>
-            <a:fillRect/>
-          </a:stretch>
-        </p:blipFill>
-        <p:spPr>
-          <a:xfrm>
-            <a:off x="283567" y="3869118"/>
-            <a:ext cx="1743777" cy="977843"/>
-          </a:xfrm>
-          <a:prstGeom prst="rect">
-            <a:avLst/>
-          </a:prstGeom>
-        </p:spPr>
-      </p:pic>
-      <p:pic>
-        <p:nvPicPr>
-          <p:cNvPr id="14" name="Picture 13">
-            <a:extLst>
-              <a:ext uri="{FF2B5EF4-FFF2-40B4-BE49-F238E27FC236}">
-                <a16:creationId xmlns:a16="http://schemas.microsoft.com/office/drawing/2014/main" id="{02A1F845-3731-2B54-8009-0DA97972BA1E}"/>
-              </a:ext>
-            </a:extLst>
-          </p:cNvPr>
-          <p:cNvPicPr>
-            <a:picLocks noChangeAspect="1"/>
-          </p:cNvPicPr>
-          <p:nvPr/>
-        </p:nvPicPr>
-        <p:blipFill>
-          <a:blip r:embed="rId3"/>
-          <a:stretch>
-            <a:fillRect/>
-          </a:stretch>
-        </p:blipFill>
-        <p:spPr>
-          <a:xfrm>
-            <a:off x="2896086" y="5617277"/>
-            <a:ext cx="1656203" cy="794238"/>
-          </a:xfrm>
-          <a:prstGeom prst="rect">
-            <a:avLst/>
-          </a:prstGeom>
-        </p:spPr>
-      </p:pic>
-      <p:pic>
-        <p:nvPicPr>
-          <p:cNvPr id="18" name="Picture 17">
-            <a:extLst>
-              <a:ext uri="{FF2B5EF4-FFF2-40B4-BE49-F238E27FC236}">
-                <a16:creationId xmlns:a16="http://schemas.microsoft.com/office/drawing/2014/main" id="{B29DEB74-4FA1-1553-77FF-A68D5F919614}"/>
-              </a:ext>
-            </a:extLst>
-          </p:cNvPr>
-          <p:cNvPicPr>
-            <a:picLocks noChangeAspect="1"/>
-          </p:cNvPicPr>
-          <p:nvPr/>
-        </p:nvPicPr>
-        <p:blipFill>
-          <a:blip r:embed="rId4"/>
-          <a:stretch>
-            <a:fillRect/>
-          </a:stretch>
-        </p:blipFill>
-        <p:spPr>
-          <a:xfrm>
-            <a:off x="2889929" y="2443284"/>
-            <a:ext cx="1662360" cy="822971"/>
-          </a:xfrm>
-          <a:prstGeom prst="rect">
-            <a:avLst/>
-          </a:prstGeom>
-        </p:spPr>
-      </p:pic>
-      <p:pic>
-        <p:nvPicPr>
-          <p:cNvPr id="20" name="Picture 19">
-            <a:extLst>
-              <a:ext uri="{FF2B5EF4-FFF2-40B4-BE49-F238E27FC236}">
-                <a16:creationId xmlns:a16="http://schemas.microsoft.com/office/drawing/2014/main" id="{04D1E34E-6FB5-CCA1-0DD7-6D6C208BE042}"/>
-              </a:ext>
-            </a:extLst>
-          </p:cNvPr>
-          <p:cNvPicPr>
-            <a:picLocks noChangeAspect="1"/>
-          </p:cNvPicPr>
-          <p:nvPr/>
-        </p:nvPicPr>
-        <p:blipFill>
-          <a:blip r:embed="rId5"/>
-          <a:stretch>
-            <a:fillRect/>
-          </a:stretch>
-        </p:blipFill>
-        <p:spPr>
-          <a:xfrm>
-            <a:off x="2801546" y="3464815"/>
-            <a:ext cx="1672621" cy="808605"/>
-          </a:xfrm>
-          <a:prstGeom prst="rect">
-            <a:avLst/>
-          </a:prstGeom>
-        </p:spPr>
-      </p:pic>
-      <p:pic>
-        <p:nvPicPr>
-          <p:cNvPr id="22" name="Picture 21">
-            <a:extLst>
-              <a:ext uri="{FF2B5EF4-FFF2-40B4-BE49-F238E27FC236}">
-                <a16:creationId xmlns:a16="http://schemas.microsoft.com/office/drawing/2014/main" id="{6163B421-6107-FA84-FA59-B3BF6BC415D2}"/>
-              </a:ext>
-            </a:extLst>
-          </p:cNvPr>
-          <p:cNvPicPr>
-            <a:picLocks noChangeAspect="1"/>
-          </p:cNvPicPr>
-          <p:nvPr/>
-        </p:nvPicPr>
-        <p:blipFill>
-          <a:blip r:embed="rId6"/>
-          <a:stretch>
-            <a:fillRect/>
-          </a:stretch>
-        </p:blipFill>
-        <p:spPr>
-          <a:xfrm>
-            <a:off x="2795916" y="4562706"/>
-            <a:ext cx="1662360" cy="796291"/>
-          </a:xfrm>
-          <a:prstGeom prst="rect">
-            <a:avLst/>
-          </a:prstGeom>
-        </p:spPr>
-      </p:pic>
-      <p:cxnSp>
-        <p:nvCxnSpPr>
-          <p:cNvPr id="23" name="Straight Arrow Connector 22">
-            <a:extLst>
-              <a:ext uri="{FF2B5EF4-FFF2-40B4-BE49-F238E27FC236}">
-                <a16:creationId xmlns:a16="http://schemas.microsoft.com/office/drawing/2014/main" id="{05C8681C-B085-D7FB-32EE-3504B56BA3BB}"/>
-              </a:ext>
-            </a:extLst>
-          </p:cNvPr>
-          <p:cNvCxnSpPr>
-            <a:cxnSpLocks/>
-            <a:stCxn id="6" idx="3"/>
-            <a:endCxn id="22" idx="1"/>
-          </p:cNvCxnSpPr>
-          <p:nvPr/>
-        </p:nvCxnSpPr>
-        <p:spPr>
-          <a:xfrm>
-            <a:off x="2027344" y="4358040"/>
-            <a:ext cx="768572" cy="602812"/>
-          </a:xfrm>
-          <a:prstGeom prst="straightConnector1">
-            <a:avLst/>
-          </a:prstGeom>
-          <a:ln>
-            <a:tailEnd type="triangle"/>
-          </a:ln>
-        </p:spPr>
-        <p:style>
-          <a:lnRef idx="1">
-            <a:schemeClr val="accent1"/>
-          </a:lnRef>
-          <a:fillRef idx="0">
-            <a:schemeClr val="accent1"/>
-          </a:fillRef>
-          <a:effectRef idx="0">
-            <a:schemeClr val="accent1"/>
-          </a:effectRef>
-          <a:fontRef idx="minor">
-            <a:schemeClr val="tx1"/>
-          </a:fontRef>
-        </p:style>
-      </p:cxnSp>
-      <p:cxnSp>
-        <p:nvCxnSpPr>
-          <p:cNvPr id="26" name="Straight Arrow Connector 25">
-            <a:extLst>
-              <a:ext uri="{FF2B5EF4-FFF2-40B4-BE49-F238E27FC236}">
-                <a16:creationId xmlns:a16="http://schemas.microsoft.com/office/drawing/2014/main" id="{14E22498-432A-0BB8-83A7-C937FE1CE4B7}"/>
-              </a:ext>
-            </a:extLst>
-          </p:cNvPr>
-          <p:cNvCxnSpPr>
-            <a:cxnSpLocks/>
-            <a:stCxn id="6" idx="3"/>
-            <a:endCxn id="20" idx="1"/>
-          </p:cNvCxnSpPr>
-          <p:nvPr/>
-        </p:nvCxnSpPr>
-        <p:spPr>
-          <a:xfrm flipV="1">
-            <a:off x="2027344" y="3869118"/>
-            <a:ext cx="774202" cy="488922"/>
-          </a:xfrm>
-          <a:prstGeom prst="straightConnector1">
-            <a:avLst/>
-          </a:prstGeom>
-          <a:ln>
-            <a:tailEnd type="triangle"/>
-          </a:ln>
-        </p:spPr>
-        <p:style>
-          <a:lnRef idx="1">
-            <a:schemeClr val="accent1"/>
-          </a:lnRef>
-          <a:fillRef idx="0">
-            <a:schemeClr val="accent1"/>
-          </a:fillRef>
-          <a:effectRef idx="0">
-            <a:schemeClr val="accent1"/>
-          </a:effectRef>
-          <a:fontRef idx="minor">
-            <a:schemeClr val="tx1"/>
-          </a:fontRef>
-        </p:style>
-      </p:cxnSp>
-      <p:cxnSp>
-        <p:nvCxnSpPr>
-          <p:cNvPr id="29" name="Straight Arrow Connector 28">
-            <a:extLst>
-              <a:ext uri="{FF2B5EF4-FFF2-40B4-BE49-F238E27FC236}">
-                <a16:creationId xmlns:a16="http://schemas.microsoft.com/office/drawing/2014/main" id="{7778A858-735F-D4E5-4B68-5C426C85104D}"/>
-              </a:ext>
-            </a:extLst>
-          </p:cNvPr>
-          <p:cNvCxnSpPr>
-            <a:cxnSpLocks/>
-            <a:stCxn id="6" idx="3"/>
-            <a:endCxn id="18" idx="1"/>
-          </p:cNvCxnSpPr>
-          <p:nvPr/>
-        </p:nvCxnSpPr>
-        <p:spPr>
-          <a:xfrm flipV="1">
-            <a:off x="2027344" y="2854770"/>
-            <a:ext cx="862585" cy="1503270"/>
-          </a:xfrm>
-          <a:prstGeom prst="straightConnector1">
-            <a:avLst/>
-          </a:prstGeom>
-          <a:ln>
-            <a:tailEnd type="triangle"/>
-          </a:ln>
-        </p:spPr>
-        <p:style>
-          <a:lnRef idx="1">
-            <a:schemeClr val="accent1"/>
-          </a:lnRef>
-          <a:fillRef idx="0">
-            <a:schemeClr val="accent1"/>
-          </a:fillRef>
-          <a:effectRef idx="0">
-            <a:schemeClr val="accent1"/>
-          </a:effectRef>
-          <a:fontRef idx="minor">
-            <a:schemeClr val="tx1"/>
-          </a:fontRef>
-        </p:style>
-      </p:cxnSp>
-      <p:cxnSp>
-        <p:nvCxnSpPr>
-          <p:cNvPr id="32" name="Straight Arrow Connector 31">
-            <a:extLst>
-              <a:ext uri="{FF2B5EF4-FFF2-40B4-BE49-F238E27FC236}">
-                <a16:creationId xmlns:a16="http://schemas.microsoft.com/office/drawing/2014/main" id="{EE76674E-3928-BB7A-7D1C-18249692F345}"/>
-              </a:ext>
-            </a:extLst>
-          </p:cNvPr>
-          <p:cNvCxnSpPr>
-            <a:cxnSpLocks/>
-            <a:stCxn id="6" idx="3"/>
-            <a:endCxn id="14" idx="1"/>
-          </p:cNvCxnSpPr>
-          <p:nvPr/>
-        </p:nvCxnSpPr>
-        <p:spPr>
-          <a:xfrm>
-            <a:off x="2027344" y="4358040"/>
-            <a:ext cx="868742" cy="1656356"/>
-          </a:xfrm>
-          <a:prstGeom prst="straightConnector1">
-            <a:avLst/>
-          </a:prstGeom>
-          <a:ln>
-            <a:tailEnd type="triangle"/>
-          </a:ln>
-        </p:spPr>
-        <p:style>
-          <a:lnRef idx="1">
-            <a:schemeClr val="accent1"/>
-          </a:lnRef>
-          <a:fillRef idx="0">
-            <a:schemeClr val="accent1"/>
-          </a:fillRef>
-          <a:effectRef idx="0">
-            <a:schemeClr val="accent1"/>
-          </a:effectRef>
-          <a:fontRef idx="minor">
-            <a:schemeClr val="tx1"/>
-          </a:fontRef>
-        </p:style>
-      </p:cxnSp>
-      <p:pic>
-        <p:nvPicPr>
-          <p:cNvPr id="44" name="Picture 43">
-            <a:extLst>
-              <a:ext uri="{FF2B5EF4-FFF2-40B4-BE49-F238E27FC236}">
-                <a16:creationId xmlns:a16="http://schemas.microsoft.com/office/drawing/2014/main" id="{6933AA21-CA13-8886-1B10-93CD47C3EA3F}"/>
-              </a:ext>
-            </a:extLst>
-          </p:cNvPr>
-          <p:cNvPicPr>
-            <a:picLocks noChangeAspect="1"/>
-          </p:cNvPicPr>
-          <p:nvPr/>
-        </p:nvPicPr>
-        <p:blipFill>
-          <a:blip r:embed="rId3"/>
-          <a:stretch>
-            <a:fillRect/>
-          </a:stretch>
-        </p:blipFill>
-        <p:spPr>
-          <a:xfrm>
-            <a:off x="4646829" y="5617277"/>
-            <a:ext cx="1656203" cy="794238"/>
-          </a:xfrm>
-          <a:prstGeom prst="rect">
-            <a:avLst/>
-          </a:prstGeom>
-        </p:spPr>
-      </p:pic>
-      <p:pic>
-        <p:nvPicPr>
-          <p:cNvPr id="45" name="Picture 44">
-            <a:extLst>
-              <a:ext uri="{FF2B5EF4-FFF2-40B4-BE49-F238E27FC236}">
-                <a16:creationId xmlns:a16="http://schemas.microsoft.com/office/drawing/2014/main" id="{607F920E-1379-6DE1-F1B5-8B307941910C}"/>
-              </a:ext>
-            </a:extLst>
-          </p:cNvPr>
-          <p:cNvPicPr>
-            <a:picLocks noChangeAspect="1"/>
-          </p:cNvPicPr>
-          <p:nvPr/>
-        </p:nvPicPr>
-        <p:blipFill>
-          <a:blip r:embed="rId4"/>
-          <a:stretch>
-            <a:fillRect/>
-          </a:stretch>
-        </p:blipFill>
-        <p:spPr>
-          <a:xfrm>
-            <a:off x="4640672" y="2443284"/>
-            <a:ext cx="1662360" cy="822971"/>
-          </a:xfrm>
-          <a:prstGeom prst="rect">
-            <a:avLst/>
-          </a:prstGeom>
-        </p:spPr>
-      </p:pic>
-      <p:pic>
-        <p:nvPicPr>
-          <p:cNvPr id="46" name="Picture 45">
-            <a:extLst>
-              <a:ext uri="{FF2B5EF4-FFF2-40B4-BE49-F238E27FC236}">
-                <a16:creationId xmlns:a16="http://schemas.microsoft.com/office/drawing/2014/main" id="{BFA2AE37-E4E8-42C7-FBD6-71F6E08BEA6A}"/>
-              </a:ext>
-            </a:extLst>
-          </p:cNvPr>
-          <p:cNvPicPr>
-            <a:picLocks noChangeAspect="1"/>
-          </p:cNvPicPr>
-          <p:nvPr/>
-        </p:nvPicPr>
-        <p:blipFill>
-          <a:blip r:embed="rId5"/>
-          <a:stretch>
-            <a:fillRect/>
-          </a:stretch>
-        </p:blipFill>
-        <p:spPr>
-          <a:xfrm>
-            <a:off x="4552289" y="3464815"/>
-            <a:ext cx="1672621" cy="808605"/>
-          </a:xfrm>
-          <a:prstGeom prst="rect">
-            <a:avLst/>
-          </a:prstGeom>
-        </p:spPr>
-      </p:pic>
-      <p:pic>
-        <p:nvPicPr>
-          <p:cNvPr id="47" name="Picture 46">
-            <a:extLst>
-              <a:ext uri="{FF2B5EF4-FFF2-40B4-BE49-F238E27FC236}">
-                <a16:creationId xmlns:a16="http://schemas.microsoft.com/office/drawing/2014/main" id="{76A36125-15F6-9505-1A46-9927C8F4FA80}"/>
-              </a:ext>
-            </a:extLst>
-          </p:cNvPr>
-          <p:cNvPicPr>
-            <a:picLocks noChangeAspect="1"/>
-          </p:cNvPicPr>
-          <p:nvPr/>
-        </p:nvPicPr>
-        <p:blipFill>
-          <a:blip r:embed="rId6"/>
-          <a:stretch>
-            <a:fillRect/>
-          </a:stretch>
-        </p:blipFill>
-        <p:spPr>
-          <a:xfrm>
-            <a:off x="4546659" y="4562706"/>
-            <a:ext cx="1662360" cy="796291"/>
-          </a:xfrm>
-          <a:prstGeom prst="rect">
-            <a:avLst/>
-          </a:prstGeom>
-        </p:spPr>
-      </p:pic>
-      <p:sp>
-        <p:nvSpPr>
-          <p:cNvPr id="87" name="TextBox 86">
-            <a:extLst>
-              <a:ext uri="{FF2B5EF4-FFF2-40B4-BE49-F238E27FC236}">
-                <a16:creationId xmlns:a16="http://schemas.microsoft.com/office/drawing/2014/main" id="{8E7017FC-0313-1BFF-DDFE-42A2140C190C}"/>
-              </a:ext>
-            </a:extLst>
-          </p:cNvPr>
-          <p:cNvSpPr txBox="1"/>
-          <p:nvPr/>
-        </p:nvSpPr>
-        <p:spPr>
-          <a:xfrm>
-            <a:off x="3174053" y="2248319"/>
-            <a:ext cx="341760" cy="276999"/>
-          </a:xfrm>
-          <a:prstGeom prst="rect">
-            <a:avLst/>
-          </a:prstGeom>
-          <a:noFill/>
-        </p:spPr>
-        <p:txBody>
-          <a:bodyPr wrap="none" rtlCol="0">
-            <a:spAutoFit/>
-          </a:bodyPr>
-          <a:lstStyle/>
-          <a:p>
-            <a:r>
-              <a:rPr lang="fr-FR" sz="1200" dirty="0"/>
-              <a:t>51</a:t>
-            </a:r>
-          </a:p>
-        </p:txBody>
-      </p:sp>
-      <p:sp>
-        <p:nvSpPr>
-          <p:cNvPr id="88" name="TextBox 87">
-            <a:extLst>
-              <a:ext uri="{FF2B5EF4-FFF2-40B4-BE49-F238E27FC236}">
-                <a16:creationId xmlns:a16="http://schemas.microsoft.com/office/drawing/2014/main" id="{03C8F8E9-B0C2-4377-A5D0-60E1C67A45DB}"/>
-              </a:ext>
-            </a:extLst>
-          </p:cNvPr>
-          <p:cNvSpPr txBox="1"/>
-          <p:nvPr/>
-        </p:nvSpPr>
-        <p:spPr>
-          <a:xfrm>
-            <a:off x="3174053" y="3342977"/>
-            <a:ext cx="341760" cy="276999"/>
-          </a:xfrm>
-          <a:prstGeom prst="rect">
-            <a:avLst/>
-          </a:prstGeom>
-          <a:noFill/>
-        </p:spPr>
-        <p:txBody>
-          <a:bodyPr wrap="none" rtlCol="0">
-            <a:spAutoFit/>
-          </a:bodyPr>
-          <a:lstStyle/>
-          <a:p>
-            <a:r>
-              <a:rPr lang="fr-FR" sz="1200" dirty="0"/>
-              <a:t>65</a:t>
-            </a:r>
-          </a:p>
-        </p:txBody>
-      </p:sp>
-      <p:sp>
-        <p:nvSpPr>
-          <p:cNvPr id="89" name="TextBox 88">
-            <a:extLst>
-              <a:ext uri="{FF2B5EF4-FFF2-40B4-BE49-F238E27FC236}">
-                <a16:creationId xmlns:a16="http://schemas.microsoft.com/office/drawing/2014/main" id="{1F35E1A1-8E5B-1B90-8886-7E821099CD54}"/>
-              </a:ext>
-            </a:extLst>
-          </p:cNvPr>
-          <p:cNvSpPr txBox="1"/>
-          <p:nvPr/>
-        </p:nvSpPr>
-        <p:spPr>
-          <a:xfrm>
-            <a:off x="3174053" y="4437635"/>
-            <a:ext cx="341760" cy="276999"/>
-          </a:xfrm>
-          <a:prstGeom prst="rect">
-            <a:avLst/>
-          </a:prstGeom>
-          <a:noFill/>
-        </p:spPr>
-        <p:txBody>
-          <a:bodyPr wrap="none" rtlCol="0">
-            <a:spAutoFit/>
-          </a:bodyPr>
-          <a:lstStyle/>
-          <a:p>
-            <a:r>
-              <a:rPr lang="fr-FR" sz="1200" dirty="0"/>
-              <a:t>59</a:t>
-            </a:r>
-          </a:p>
-        </p:txBody>
-      </p:sp>
-      <p:sp>
-        <p:nvSpPr>
-          <p:cNvPr id="90" name="TextBox 89">
-            <a:extLst>
-              <a:ext uri="{FF2B5EF4-FFF2-40B4-BE49-F238E27FC236}">
-                <a16:creationId xmlns:a16="http://schemas.microsoft.com/office/drawing/2014/main" id="{2B7C0319-25DB-547D-7455-C9189053AA71}"/>
-              </a:ext>
-            </a:extLst>
-          </p:cNvPr>
-          <p:cNvSpPr txBox="1"/>
-          <p:nvPr/>
-        </p:nvSpPr>
-        <p:spPr>
-          <a:xfrm>
-            <a:off x="3174053" y="5532293"/>
-            <a:ext cx="341760" cy="276999"/>
-          </a:xfrm>
-          <a:prstGeom prst="rect">
-            <a:avLst/>
-          </a:prstGeom>
-          <a:noFill/>
-        </p:spPr>
-        <p:txBody>
-          <a:bodyPr wrap="none" rtlCol="0">
-            <a:spAutoFit/>
-          </a:bodyPr>
-          <a:lstStyle/>
-          <a:p>
-            <a:r>
-              <a:rPr lang="fr-FR" sz="1200" dirty="0"/>
-              <a:t>35</a:t>
-            </a:r>
-          </a:p>
-        </p:txBody>
-      </p:sp>
-      <p:sp>
-        <p:nvSpPr>
-          <p:cNvPr id="91" name="TextBox 90">
-            <a:extLst>
-              <a:ext uri="{FF2B5EF4-FFF2-40B4-BE49-F238E27FC236}">
-                <a16:creationId xmlns:a16="http://schemas.microsoft.com/office/drawing/2014/main" id="{9B2FD009-95E9-8135-4C58-985B73038098}"/>
-              </a:ext>
-            </a:extLst>
-          </p:cNvPr>
-          <p:cNvSpPr txBox="1"/>
-          <p:nvPr/>
-        </p:nvSpPr>
-        <p:spPr>
-          <a:xfrm>
-            <a:off x="735148" y="3730617"/>
-            <a:ext cx="420308" cy="276999"/>
-          </a:xfrm>
-          <a:prstGeom prst="rect">
-            <a:avLst/>
-          </a:prstGeom>
-          <a:noFill/>
-        </p:spPr>
-        <p:txBody>
-          <a:bodyPr wrap="none" rtlCol="0">
-            <a:spAutoFit/>
-          </a:bodyPr>
-          <a:lstStyle/>
-          <a:p>
-            <a:r>
-              <a:rPr lang="fr-FR" sz="1200" dirty="0"/>
-              <a:t>123</a:t>
+          <a:p>
+            <a:endParaRPr lang="fr-FR" dirty="0"/>
+          </a:p>
+          <a:p>
+            <a:r>
+              <a:rPr lang="fr-FR" dirty="0"/>
+              <a:t>Stratégie 2</a:t>
+            </a:r>
+          </a:p>
+          <a:p>
+            <a:pPr marL="285750" indent="-285750">
+              <a:buFont typeface="Arial" panose="020B0604020202020204" pitchFamily="34" charset="0"/>
+              <a:buChar char="•"/>
+            </a:pPr>
+            <a:r>
+              <a:rPr lang="fr-FR" dirty="0"/>
+              <a:t>Prioriser l’étape avec un </a:t>
+            </a:r>
+            <a:r>
+              <a:rPr lang="fr-FR" dirty="0" err="1"/>
+              <a:t>loss</a:t>
+            </a:r>
+            <a:r>
+              <a:rPr lang="fr-FR" dirty="0"/>
+              <a:t> le plus faible</a:t>
+            </a:r>
+          </a:p>
+          <a:p>
+            <a:pPr marL="285750" indent="-285750">
+              <a:buFont typeface="Arial" panose="020B0604020202020204" pitchFamily="34" charset="0"/>
+              <a:buChar char="•"/>
+            </a:pPr>
+            <a:r>
+              <a:rPr lang="fr-FR" dirty="0"/>
+              <a:t>Balayer les </a:t>
+            </a:r>
+            <a:r>
+              <a:rPr lang="fr-FR" dirty="0" err="1"/>
+              <a:t>ugas</a:t>
+            </a:r>
+            <a:r>
+              <a:rPr lang="fr-FR" dirty="0"/>
+              <a:t> et grouper avec l’</a:t>
+            </a:r>
+            <a:r>
+              <a:rPr lang="fr-FR" dirty="0" err="1"/>
+              <a:t>uga</a:t>
+            </a:r>
+            <a:r>
+              <a:rPr lang="fr-FR" dirty="0"/>
+              <a:t> voisin qui aura un </a:t>
+            </a:r>
+            <a:r>
+              <a:rPr lang="fr-FR" dirty="0" err="1"/>
+              <a:t>nbcall</a:t>
+            </a:r>
+            <a:r>
+              <a:rPr lang="fr-FR" dirty="0"/>
+              <a:t> groupé le plus proche de l’objectif fixé</a:t>
             </a:r>
           </a:p>
         </p:txBody>
@@ -6461,10 +5798,10 @@
       </p:grpSpPr>
       <p:pic>
         <p:nvPicPr>
-          <p:cNvPr id="61" name="Picture 60">
-            <a:extLst>
-              <a:ext uri="{FF2B5EF4-FFF2-40B4-BE49-F238E27FC236}">
-                <a16:creationId xmlns:a16="http://schemas.microsoft.com/office/drawing/2014/main" id="{8056A2AF-C805-4DB9-C70F-2BC0CBC1335A}"/>
+          <p:cNvPr id="33" name="Picture 32">
+            <a:extLst>
+              <a:ext uri="{FF2B5EF4-FFF2-40B4-BE49-F238E27FC236}">
+                <a16:creationId xmlns:a16="http://schemas.microsoft.com/office/drawing/2014/main" id="{9677E7EE-ED69-78D2-A835-B97ADF07931D}"/>
               </a:ext>
             </a:extLst>
           </p:cNvPr>
@@ -6481,8 +5818,8 @@
         </p:blipFill>
         <p:spPr>
           <a:xfrm>
-            <a:off x="5907470" y="4775639"/>
-            <a:ext cx="1886774" cy="928376"/>
+            <a:off x="7887792" y="5707479"/>
+            <a:ext cx="1509958" cy="928376"/>
           </a:xfrm>
           <a:prstGeom prst="rect">
             <a:avLst/>
@@ -6491,10 +5828,10 @@
       </p:pic>
       <p:pic>
         <p:nvPicPr>
-          <p:cNvPr id="52" name="Picture 51">
-            <a:extLst>
-              <a:ext uri="{FF2B5EF4-FFF2-40B4-BE49-F238E27FC236}">
-                <a16:creationId xmlns:a16="http://schemas.microsoft.com/office/drawing/2014/main" id="{F95C9B94-7424-D01D-1F94-0C96FA86F026}"/>
+          <p:cNvPr id="31" name="Picture 30">
+            <a:extLst>
+              <a:ext uri="{FF2B5EF4-FFF2-40B4-BE49-F238E27FC236}">
+                <a16:creationId xmlns:a16="http://schemas.microsoft.com/office/drawing/2014/main" id="{241EE166-CDF6-C09F-60E9-242BC8FDDD0D}"/>
               </a:ext>
             </a:extLst>
           </p:cNvPr>
@@ -6511,113 +5848,20 @@
         </p:blipFill>
         <p:spPr>
           <a:xfrm>
-            <a:off x="5899088" y="5670793"/>
-            <a:ext cx="1851482" cy="918850"/>
+            <a:off x="7827652" y="4751937"/>
+            <a:ext cx="1551246" cy="943384"/>
           </a:xfrm>
           <a:prstGeom prst="rect">
             <a:avLst/>
           </a:prstGeom>
         </p:spPr>
       </p:pic>
-      <p:sp>
-        <p:nvSpPr>
-          <p:cNvPr id="2" name="Title 1">
-            <a:extLst>
-              <a:ext uri="{FF2B5EF4-FFF2-40B4-BE49-F238E27FC236}">
-                <a16:creationId xmlns:a16="http://schemas.microsoft.com/office/drawing/2014/main" id="{FFC86E49-9559-5AAE-BC5C-4F6AD5D9985C}"/>
-              </a:ext>
-            </a:extLst>
-          </p:cNvPr>
-          <p:cNvSpPr>
-            <a:spLocks noGrp="1"/>
-          </p:cNvSpPr>
-          <p:nvPr>
-            <p:ph type="title"/>
-          </p:nvPr>
-        </p:nvSpPr>
-        <p:spPr/>
-        <p:txBody>
-          <a:bodyPr/>
-          <a:lstStyle/>
-          <a:p>
-            <a:r>
-              <a:rPr lang="fr-FR" dirty="0"/>
-              <a:t>Stratégie 1</a:t>
-            </a:r>
-          </a:p>
-        </p:txBody>
-      </p:sp>
-      <p:sp>
-        <p:nvSpPr>
-          <p:cNvPr id="5" name="TextBox 4">
-            <a:extLst>
-              <a:ext uri="{FF2B5EF4-FFF2-40B4-BE49-F238E27FC236}">
-                <a16:creationId xmlns:a16="http://schemas.microsoft.com/office/drawing/2014/main" id="{7E1A9C36-827B-FA33-1E35-8BB23E9549DC}"/>
-              </a:ext>
-            </a:extLst>
-          </p:cNvPr>
-          <p:cNvSpPr txBox="1"/>
-          <p:nvPr/>
-        </p:nvSpPr>
-        <p:spPr>
-          <a:xfrm>
-            <a:off x="836834" y="1451202"/>
-            <a:ext cx="5702074" cy="646331"/>
-          </a:xfrm>
-          <a:prstGeom prst="rect">
-            <a:avLst/>
-          </a:prstGeom>
-          <a:noFill/>
-        </p:spPr>
-        <p:txBody>
-          <a:bodyPr wrap="none" rtlCol="0">
-            <a:spAutoFit/>
-          </a:bodyPr>
-          <a:lstStyle/>
-          <a:p>
-            <a:pPr marL="285750" indent="-285750">
-              <a:buFont typeface="Arial" panose="020B0604020202020204" pitchFamily="34" charset="0"/>
-              <a:buChar char="•"/>
-            </a:pPr>
-            <a:r>
-              <a:rPr lang="fr-FR" dirty="0"/>
-              <a:t>Prioriser l’étape avec un </a:t>
-            </a:r>
-            <a:r>
-              <a:rPr lang="fr-FR" dirty="0" err="1"/>
-              <a:t>loss</a:t>
-            </a:r>
-            <a:r>
-              <a:rPr lang="fr-FR" dirty="0"/>
-              <a:t> le plus faible</a:t>
-            </a:r>
-          </a:p>
-          <a:p>
-            <a:pPr marL="285750" indent="-285750">
-              <a:buFont typeface="Arial" panose="020B0604020202020204" pitchFamily="34" charset="0"/>
-              <a:buChar char="•"/>
-            </a:pPr>
-            <a:r>
-              <a:rPr lang="fr-FR" dirty="0"/>
-              <a:t>Balayer les </a:t>
-            </a:r>
-            <a:r>
-              <a:rPr lang="fr-FR" dirty="0" err="1"/>
-              <a:t>ugas</a:t>
-            </a:r>
-            <a:r>
-              <a:rPr lang="fr-FR" dirty="0"/>
-              <a:t> et lister tous les groupements possibles</a:t>
-            </a:r>
-          </a:p>
-        </p:txBody>
-      </p:sp>
       <p:pic>
         <p:nvPicPr>
-          <p:cNvPr id="6" name="Picture 5">
-            <a:extLst>
-              <a:ext uri="{FF2B5EF4-FFF2-40B4-BE49-F238E27FC236}">
-                <a16:creationId xmlns:a16="http://schemas.microsoft.com/office/drawing/2014/main" id="{54A0B36F-E3C8-59AE-B5FE-69E4D54B9B43}"/>
+          <p:cNvPr id="71" name="Picture 70">
+            <a:extLst>
+              <a:ext uri="{FF2B5EF4-FFF2-40B4-BE49-F238E27FC236}">
+                <a16:creationId xmlns:a16="http://schemas.microsoft.com/office/drawing/2014/main" id="{E72DF40F-D036-B716-3012-6A399B669515}"/>
               </a:ext>
             </a:extLst>
           </p:cNvPr>
@@ -6634,8 +5878,8 @@
         </p:blipFill>
         <p:spPr>
           <a:xfrm>
-            <a:off x="283567" y="3869118"/>
-            <a:ext cx="1743777" cy="977843"/>
+            <a:off x="2938277" y="5670792"/>
+            <a:ext cx="1572615" cy="894188"/>
           </a:xfrm>
           <a:prstGeom prst="rect">
             <a:avLst/>
@@ -6644,10 +5888,10 @@
       </p:pic>
       <p:pic>
         <p:nvPicPr>
-          <p:cNvPr id="14" name="Picture 13">
-            <a:extLst>
-              <a:ext uri="{FF2B5EF4-FFF2-40B4-BE49-F238E27FC236}">
-                <a16:creationId xmlns:a16="http://schemas.microsoft.com/office/drawing/2014/main" id="{02A1F845-3731-2B54-8009-0DA97972BA1E}"/>
+          <p:cNvPr id="28" name="Picture 27">
+            <a:extLst>
+              <a:ext uri="{FF2B5EF4-FFF2-40B4-BE49-F238E27FC236}">
+                <a16:creationId xmlns:a16="http://schemas.microsoft.com/office/drawing/2014/main" id="{46A8FC67-B226-DB86-005F-9E5089F4F095}"/>
               </a:ext>
             </a:extLst>
           </p:cNvPr>
@@ -6664,8 +5908,8 @@
         </p:blipFill>
         <p:spPr>
           <a:xfrm>
-            <a:off x="2896086" y="5617277"/>
-            <a:ext cx="1656203" cy="794238"/>
+            <a:off x="2833269" y="4502398"/>
+            <a:ext cx="1602950" cy="889512"/>
           </a:xfrm>
           <a:prstGeom prst="rect">
             <a:avLst/>
@@ -6674,10 +5918,10 @@
       </p:pic>
       <p:pic>
         <p:nvPicPr>
-          <p:cNvPr id="18" name="Picture 17">
-            <a:extLst>
-              <a:ext uri="{FF2B5EF4-FFF2-40B4-BE49-F238E27FC236}">
-                <a16:creationId xmlns:a16="http://schemas.microsoft.com/office/drawing/2014/main" id="{B29DEB74-4FA1-1553-77FF-A68D5F919614}"/>
+          <p:cNvPr id="35" name="Picture 34">
+            <a:extLst>
+              <a:ext uri="{FF2B5EF4-FFF2-40B4-BE49-F238E27FC236}">
+                <a16:creationId xmlns:a16="http://schemas.microsoft.com/office/drawing/2014/main" id="{7277556C-1F86-412F-855C-C7991908ADB6}"/>
               </a:ext>
             </a:extLst>
           </p:cNvPr>
@@ -6694,20 +5938,118 @@
         </p:blipFill>
         <p:spPr>
           <a:xfrm>
-            <a:off x="2889929" y="2443284"/>
-            <a:ext cx="1662360" cy="822971"/>
+            <a:off x="2815823" y="3481476"/>
+            <a:ext cx="1521075" cy="873576"/>
           </a:xfrm>
           <a:prstGeom prst="rect">
             <a:avLst/>
           </a:prstGeom>
         </p:spPr>
       </p:pic>
+      <p:sp>
+        <p:nvSpPr>
+          <p:cNvPr id="2" name="Title 1">
+            <a:extLst>
+              <a:ext uri="{FF2B5EF4-FFF2-40B4-BE49-F238E27FC236}">
+                <a16:creationId xmlns:a16="http://schemas.microsoft.com/office/drawing/2014/main" id="{FFC86E49-9559-5AAE-BC5C-4F6AD5D9985C}"/>
+              </a:ext>
+            </a:extLst>
+          </p:cNvPr>
+          <p:cNvSpPr>
+            <a:spLocks noGrp="1"/>
+          </p:cNvSpPr>
+          <p:nvPr>
+            <p:ph type="title"/>
+          </p:nvPr>
+        </p:nvSpPr>
+        <p:spPr/>
+        <p:txBody>
+          <a:bodyPr/>
+          <a:lstStyle/>
+          <a:p>
+            <a:r>
+              <a:rPr lang="fr-FR" dirty="0"/>
+              <a:t>Stratégie 1</a:t>
+            </a:r>
+          </a:p>
+        </p:txBody>
+      </p:sp>
+      <p:sp>
+        <p:nvSpPr>
+          <p:cNvPr id="5" name="TextBox 4">
+            <a:extLst>
+              <a:ext uri="{FF2B5EF4-FFF2-40B4-BE49-F238E27FC236}">
+                <a16:creationId xmlns:a16="http://schemas.microsoft.com/office/drawing/2014/main" id="{7E1A9C36-827B-FA33-1E35-8BB23E9549DC}"/>
+              </a:ext>
+            </a:extLst>
+          </p:cNvPr>
+          <p:cNvSpPr txBox="1"/>
+          <p:nvPr/>
+        </p:nvSpPr>
+        <p:spPr>
+          <a:xfrm>
+            <a:off x="836834" y="1451202"/>
+            <a:ext cx="7404015" cy="646331"/>
+          </a:xfrm>
+          <a:prstGeom prst="rect">
+            <a:avLst/>
+          </a:prstGeom>
+          <a:noFill/>
+        </p:spPr>
+        <p:txBody>
+          <a:bodyPr wrap="none" rtlCol="0">
+            <a:spAutoFit/>
+          </a:bodyPr>
+          <a:lstStyle/>
+          <a:p>
+            <a:pPr marL="285750" indent="-285750">
+              <a:buFont typeface="Arial" panose="020B0604020202020204" pitchFamily="34" charset="0"/>
+              <a:buChar char="•"/>
+            </a:pPr>
+            <a:r>
+              <a:rPr lang="fr-FR" dirty="0"/>
+              <a:t>Prioriser l’étape avec un </a:t>
+            </a:r>
+            <a:r>
+              <a:rPr lang="fr-FR" dirty="0" err="1"/>
+              <a:t>loss</a:t>
+            </a:r>
+            <a:r>
+              <a:rPr lang="fr-FR" dirty="0"/>
+              <a:t> le plus faible</a:t>
+            </a:r>
+          </a:p>
+          <a:p>
+            <a:pPr marL="285750" indent="-285750">
+              <a:buFont typeface="Arial" panose="020B0604020202020204" pitchFamily="34" charset="0"/>
+              <a:buChar char="•"/>
+            </a:pPr>
+            <a:r>
+              <a:rPr lang="fr-FR" dirty="0"/>
+              <a:t>Balayer les </a:t>
+            </a:r>
+            <a:r>
+              <a:rPr lang="fr-FR" dirty="0" err="1"/>
+              <a:t>ugas</a:t>
+            </a:r>
+            <a:r>
+              <a:rPr lang="fr-FR" dirty="0"/>
+              <a:t> et lister tous les groupements possibles améliorant le </a:t>
+            </a:r>
+            <a:r>
+              <a:rPr lang="fr-FR" dirty="0" err="1"/>
+              <a:t>loss</a:t>
+            </a:r>
+            <a:endParaRPr lang="fr-FR" dirty="0"/>
+          </a:p>
+        </p:txBody>
+      </p:sp>
       <p:pic>
         <p:nvPicPr>
-          <p:cNvPr id="20" name="Picture 19">
-            <a:extLst>
-              <a:ext uri="{FF2B5EF4-FFF2-40B4-BE49-F238E27FC236}">
-                <a16:creationId xmlns:a16="http://schemas.microsoft.com/office/drawing/2014/main" id="{04D1E34E-6FB5-CCA1-0DD7-6D6C208BE042}"/>
+          <p:cNvPr id="6" name="Picture 5">
+            <a:extLst>
+              <a:ext uri="{FF2B5EF4-FFF2-40B4-BE49-F238E27FC236}">
+                <a16:creationId xmlns:a16="http://schemas.microsoft.com/office/drawing/2014/main" id="{54A0B36F-E3C8-59AE-B5FE-69E4D54B9B43}"/>
               </a:ext>
             </a:extLst>
           </p:cNvPr>
@@ -6724,38 +6066,8 @@
         </p:blipFill>
         <p:spPr>
           <a:xfrm>
-            <a:off x="2801546" y="3464815"/>
-            <a:ext cx="1672621" cy="808605"/>
-          </a:xfrm>
-          <a:prstGeom prst="rect">
-            <a:avLst/>
-          </a:prstGeom>
-        </p:spPr>
-      </p:pic>
-      <p:pic>
-        <p:nvPicPr>
-          <p:cNvPr id="22" name="Picture 21">
-            <a:extLst>
-              <a:ext uri="{FF2B5EF4-FFF2-40B4-BE49-F238E27FC236}">
-                <a16:creationId xmlns:a16="http://schemas.microsoft.com/office/drawing/2014/main" id="{6163B421-6107-FA84-FA59-B3BF6BC415D2}"/>
-              </a:ext>
-            </a:extLst>
-          </p:cNvPr>
-          <p:cNvPicPr>
-            <a:picLocks noChangeAspect="1"/>
-          </p:cNvPicPr>
-          <p:nvPr/>
-        </p:nvPicPr>
-        <p:blipFill>
-          <a:blip r:embed="rId8"/>
-          <a:stretch>
-            <a:fillRect/>
-          </a:stretch>
-        </p:blipFill>
-        <p:spPr>
-          <a:xfrm>
-            <a:off x="2795916" y="4562706"/>
-            <a:ext cx="1662360" cy="796291"/>
+            <a:off x="283567" y="3869118"/>
+            <a:ext cx="1743777" cy="977843"/>
           </a:xfrm>
           <a:prstGeom prst="rect">
             <a:avLst/>
@@ -6774,14 +6086,14 @@
           <p:cNvCxnSpPr>
             <a:cxnSpLocks/>
             <a:stCxn id="6" idx="3"/>
-            <a:endCxn id="22" idx="1"/>
+            <a:endCxn id="28" idx="1"/>
           </p:cNvCxnSpPr>
           <p:nvPr/>
         </p:nvCxnSpPr>
         <p:spPr>
           <a:xfrm>
             <a:off x="2027344" y="4358040"/>
-            <a:ext cx="768572" cy="602812"/>
+            <a:ext cx="805925" cy="589114"/>
           </a:xfrm>
           <a:prstGeom prst="straightConnector1">
             <a:avLst/>
@@ -6817,14 +6129,14 @@
           <p:cNvCxnSpPr>
             <a:cxnSpLocks/>
             <a:stCxn id="6" idx="3"/>
-            <a:endCxn id="20" idx="1"/>
+            <a:endCxn id="35" idx="1"/>
           </p:cNvCxnSpPr>
           <p:nvPr/>
         </p:nvCxnSpPr>
         <p:spPr>
           <a:xfrm flipV="1">
-            <a:off x="2027344" y="3869118"/>
-            <a:ext cx="774202" cy="488922"/>
+            <a:off x="2027344" y="3918264"/>
+            <a:ext cx="788479" cy="439776"/>
           </a:xfrm>
           <a:prstGeom prst="straightConnector1">
             <a:avLst/>
@@ -6860,14 +6172,14 @@
           <p:cNvCxnSpPr>
             <a:cxnSpLocks/>
             <a:stCxn id="6" idx="3"/>
-            <a:endCxn id="18" idx="1"/>
+            <a:endCxn id="53" idx="1"/>
           </p:cNvCxnSpPr>
           <p:nvPr/>
         </p:nvCxnSpPr>
         <p:spPr>
           <a:xfrm flipV="1">
-            <a:off x="2027344" y="2854770"/>
-            <a:ext cx="862585" cy="1503270"/>
+            <a:off x="2027344" y="2932182"/>
+            <a:ext cx="805925" cy="1425858"/>
           </a:xfrm>
           <a:prstGeom prst="straightConnector1">
             <a:avLst/>
@@ -6903,14 +6215,14 @@
           <p:cNvCxnSpPr>
             <a:cxnSpLocks/>
             <a:stCxn id="6" idx="3"/>
-            <a:endCxn id="14" idx="1"/>
+            <a:endCxn id="71" idx="1"/>
           </p:cNvCxnSpPr>
           <p:nvPr/>
         </p:nvCxnSpPr>
         <p:spPr>
           <a:xfrm>
             <a:off x="2027344" y="4358040"/>
-            <a:ext cx="868742" cy="1656356"/>
+            <a:ext cx="910933" cy="1759846"/>
           </a:xfrm>
           <a:prstGeom prst="straightConnector1">
             <a:avLst/>
@@ -6946,14 +6258,13 @@
           <p:cNvCxnSpPr>
             <a:cxnSpLocks/>
             <a:stCxn id="7" idx="3"/>
-            <a:endCxn id="52" idx="1"/>
           </p:cNvCxnSpPr>
           <p:nvPr/>
         </p:nvCxnSpPr>
         <p:spPr>
-          <a:xfrm flipV="1">
-            <a:off x="4667438" y="6130218"/>
-            <a:ext cx="1231650" cy="22678"/>
+          <a:xfrm>
+            <a:off x="4667438" y="6152896"/>
+            <a:ext cx="3139603" cy="14008"/>
           </a:xfrm>
           <a:prstGeom prst="straightConnector1">
             <a:avLst/>
@@ -6989,14 +6300,13 @@
           <p:cNvCxnSpPr>
             <a:cxnSpLocks/>
             <a:stCxn id="7" idx="3"/>
-            <a:endCxn id="61" idx="1"/>
           </p:cNvCxnSpPr>
           <p:nvPr/>
         </p:nvCxnSpPr>
         <p:spPr>
           <a:xfrm flipV="1">
-            <a:off x="4667438" y="5239827"/>
-            <a:ext cx="1240032" cy="913069"/>
+            <a:off x="4667438" y="5276513"/>
+            <a:ext cx="3147985" cy="876383"/>
           </a:xfrm>
           <a:prstGeom prst="straightConnector1">
             <a:avLst/>
@@ -7174,7 +6484,7 @@
         </p:nvSpPr>
         <p:spPr>
           <a:xfrm>
-            <a:off x="7548818" y="5270644"/>
+            <a:off x="9420719" y="5276513"/>
             <a:ext cx="330540" cy="276999"/>
           </a:xfrm>
           <a:prstGeom prst="rect">
@@ -7209,7 +6519,7 @@
         </p:nvSpPr>
         <p:spPr>
           <a:xfrm>
-            <a:off x="7548818" y="6229837"/>
+            <a:off x="9420719" y="6235706"/>
             <a:ext cx="330540" cy="276999"/>
           </a:xfrm>
           <a:prstGeom prst="rect">
@@ -7232,10 +6542,80 @@
       </p:sp>
       <p:sp>
         <p:nvSpPr>
-          <p:cNvPr id="9" name="TextBox 8">
-            <a:extLst>
-              <a:ext uri="{FF2B5EF4-FFF2-40B4-BE49-F238E27FC236}">
-                <a16:creationId xmlns:a16="http://schemas.microsoft.com/office/drawing/2014/main" id="{8F91DDA2-808B-A341-0B1E-D699954F51CB}"/>
+          <p:cNvPr id="50" name="TextBox 49">
+            <a:extLst>
+              <a:ext uri="{FF2B5EF4-FFF2-40B4-BE49-F238E27FC236}">
+                <a16:creationId xmlns:a16="http://schemas.microsoft.com/office/drawing/2014/main" id="{FCA6BBA4-8FDA-533A-D00F-0BD453ABF912}"/>
+              </a:ext>
+            </a:extLst>
+          </p:cNvPr>
+          <p:cNvSpPr txBox="1"/>
+          <p:nvPr/>
+        </p:nvSpPr>
+        <p:spPr>
+          <a:xfrm>
+            <a:off x="8246170" y="4712170"/>
+            <a:ext cx="341760" cy="276999"/>
+          </a:xfrm>
+          <a:prstGeom prst="rect">
+            <a:avLst/>
+          </a:prstGeom>
+          <a:noFill/>
+        </p:spPr>
+        <p:txBody>
+          <a:bodyPr wrap="square" rtlCol="0">
+            <a:spAutoFit/>
+          </a:bodyPr>
+          <a:lstStyle/>
+          <a:p>
+            <a:r>
+              <a:rPr lang="fr-FR" sz="1200" dirty="0"/>
+              <a:t>25</a:t>
+            </a:r>
+          </a:p>
+        </p:txBody>
+      </p:sp>
+      <p:sp>
+        <p:nvSpPr>
+          <p:cNvPr id="51" name="TextBox 50">
+            <a:extLst>
+              <a:ext uri="{FF2B5EF4-FFF2-40B4-BE49-F238E27FC236}">
+                <a16:creationId xmlns:a16="http://schemas.microsoft.com/office/drawing/2014/main" id="{397D90F3-B279-7709-F569-7FFE1C950F18}"/>
+              </a:ext>
+            </a:extLst>
+          </p:cNvPr>
+          <p:cNvSpPr txBox="1"/>
+          <p:nvPr/>
+        </p:nvSpPr>
+        <p:spPr>
+          <a:xfrm>
+            <a:off x="8246170" y="5707479"/>
+            <a:ext cx="341760" cy="276999"/>
+          </a:xfrm>
+          <a:prstGeom prst="rect">
+            <a:avLst/>
+          </a:prstGeom>
+          <a:noFill/>
+        </p:spPr>
+        <p:txBody>
+          <a:bodyPr wrap="square" rtlCol="0">
+            <a:spAutoFit/>
+          </a:bodyPr>
+          <a:lstStyle/>
+          <a:p>
+            <a:r>
+              <a:rPr lang="fr-FR" sz="1200" dirty="0"/>
+              <a:t>5</a:t>
+            </a:r>
+          </a:p>
+        </p:txBody>
+      </p:sp>
+      <p:sp>
+        <p:nvSpPr>
+          <p:cNvPr id="59" name="TextBox 58">
+            <a:extLst>
+              <a:ext uri="{FF2B5EF4-FFF2-40B4-BE49-F238E27FC236}">
+                <a16:creationId xmlns:a16="http://schemas.microsoft.com/office/drawing/2014/main" id="{FC103996-31DF-8D8D-8809-B12AE954BFD5}"/>
               </a:ext>
             </a:extLst>
           </p:cNvPr>
@@ -7267,10 +6647,10 @@
       </p:sp>
       <p:sp>
         <p:nvSpPr>
-          <p:cNvPr id="10" name="TextBox 9">
-            <a:extLst>
-              <a:ext uri="{FF2B5EF4-FFF2-40B4-BE49-F238E27FC236}">
-                <a16:creationId xmlns:a16="http://schemas.microsoft.com/office/drawing/2014/main" id="{1F57787E-08D0-22E8-5CCA-2CA118836626}"/>
+          <p:cNvPr id="60" name="TextBox 59">
+            <a:extLst>
+              <a:ext uri="{FF2B5EF4-FFF2-40B4-BE49-F238E27FC236}">
+                <a16:creationId xmlns:a16="http://schemas.microsoft.com/office/drawing/2014/main" id="{D99EEC82-DD94-3C8C-5CB0-6F3B85009EF0}"/>
               </a:ext>
             </a:extLst>
           </p:cNvPr>
@@ -7302,10 +6682,10 @@
       </p:sp>
       <p:sp>
         <p:nvSpPr>
-          <p:cNvPr id="11" name="TextBox 10">
-            <a:extLst>
-              <a:ext uri="{FF2B5EF4-FFF2-40B4-BE49-F238E27FC236}">
-                <a16:creationId xmlns:a16="http://schemas.microsoft.com/office/drawing/2014/main" id="{C6366AB7-CB9E-2450-A0CA-92191AFFC64D}"/>
+          <p:cNvPr id="62" name="TextBox 61">
+            <a:extLst>
+              <a:ext uri="{FF2B5EF4-FFF2-40B4-BE49-F238E27FC236}">
+                <a16:creationId xmlns:a16="http://schemas.microsoft.com/office/drawing/2014/main" id="{2FDE46A0-B170-0F8A-31D9-427CED0E9481}"/>
               </a:ext>
             </a:extLst>
           </p:cNvPr>
@@ -7337,10 +6717,10 @@
       </p:sp>
       <p:sp>
         <p:nvSpPr>
-          <p:cNvPr id="12" name="TextBox 11">
-            <a:extLst>
-              <a:ext uri="{FF2B5EF4-FFF2-40B4-BE49-F238E27FC236}">
-                <a16:creationId xmlns:a16="http://schemas.microsoft.com/office/drawing/2014/main" id="{9DE486B8-04F8-0D8F-0077-3BA5AA8C2C8B}"/>
+          <p:cNvPr id="63" name="TextBox 62">
+            <a:extLst>
+              <a:ext uri="{FF2B5EF4-FFF2-40B4-BE49-F238E27FC236}">
+                <a16:creationId xmlns:a16="http://schemas.microsoft.com/office/drawing/2014/main" id="{010F7876-5B06-BA24-9A5D-D0E7BEB3AE94}"/>
               </a:ext>
             </a:extLst>
           </p:cNvPr>
@@ -7349,7 +6729,7 @@
         </p:nvSpPr>
         <p:spPr>
           <a:xfrm>
-            <a:off x="3174053" y="5532293"/>
+            <a:off x="3302693" y="5532292"/>
             <a:ext cx="341760" cy="276999"/>
           </a:xfrm>
           <a:prstGeom prst="rect">
@@ -7370,12 +6750,42 @@
           </a:p>
         </p:txBody>
       </p:sp>
-      <p:sp>
-        <p:nvSpPr>
-          <p:cNvPr id="13" name="TextBox 12">
-            <a:extLst>
-              <a:ext uri="{FF2B5EF4-FFF2-40B4-BE49-F238E27FC236}">
-                <a16:creationId xmlns:a16="http://schemas.microsoft.com/office/drawing/2014/main" id="{144CEB17-B8E9-63E7-48E8-D9E56AE3F15B}"/>
+      <p:pic>
+        <p:nvPicPr>
+          <p:cNvPr id="53" name="Picture 52">
+            <a:extLst>
+              <a:ext uri="{FF2B5EF4-FFF2-40B4-BE49-F238E27FC236}">
+                <a16:creationId xmlns:a16="http://schemas.microsoft.com/office/drawing/2014/main" id="{F6708CBE-7BE1-4C75-F6C2-5B31D45F648A}"/>
+              </a:ext>
+            </a:extLst>
+          </p:cNvPr>
+          <p:cNvPicPr>
+            <a:picLocks noChangeAspect="1"/>
+          </p:cNvPicPr>
+          <p:nvPr/>
+        </p:nvPicPr>
+        <p:blipFill>
+          <a:blip r:embed="rId8"/>
+          <a:stretch>
+            <a:fillRect/>
+          </a:stretch>
+        </p:blipFill>
+        <p:spPr>
+          <a:xfrm>
+            <a:off x="2833269" y="2474196"/>
+            <a:ext cx="1602950" cy="915971"/>
+          </a:xfrm>
+          <a:prstGeom prst="rect">
+            <a:avLst/>
+          </a:prstGeom>
+        </p:spPr>
+      </p:pic>
+      <p:sp>
+        <p:nvSpPr>
+          <p:cNvPr id="73" name="TextBox 72">
+            <a:extLst>
+              <a:ext uri="{FF2B5EF4-FFF2-40B4-BE49-F238E27FC236}">
+                <a16:creationId xmlns:a16="http://schemas.microsoft.com/office/drawing/2014/main" id="{0163B569-4F9A-2036-69B8-E311C4523644}"/>
               </a:ext>
             </a:extLst>
           </p:cNvPr>
@@ -7384,8 +6794,8 @@
         </p:nvSpPr>
         <p:spPr>
           <a:xfrm>
-            <a:off x="6284532" y="4621968"/>
-            <a:ext cx="341760" cy="276999"/>
+            <a:off x="762890" y="3730618"/>
+            <a:ext cx="420308" cy="276999"/>
           </a:xfrm>
           <a:prstGeom prst="rect">
             <a:avLst/>
@@ -7393,49 +6803,18 @@
           <a:noFill/>
         </p:spPr>
         <p:txBody>
-          <a:bodyPr wrap="square" rtlCol="0">
+          <a:bodyPr wrap="none" rtlCol="0">
             <a:spAutoFit/>
           </a:bodyPr>
           <a:lstStyle/>
           <a:p>
             <a:r>
+              <a:rPr lang="fr-FR" sz="1200"/>
+              <a:t>12</a:t>
+            </a:r>
+            <a:r>
               <a:rPr lang="fr-FR" sz="1200" dirty="0"/>
-              <a:t>25</a:t>
-            </a:r>
-          </a:p>
-        </p:txBody>
-      </p:sp>
-      <p:sp>
-        <p:nvSpPr>
-          <p:cNvPr id="17" name="TextBox 16">
-            <a:extLst>
-              <a:ext uri="{FF2B5EF4-FFF2-40B4-BE49-F238E27FC236}">
-                <a16:creationId xmlns:a16="http://schemas.microsoft.com/office/drawing/2014/main" id="{5B07E27A-C6CD-DB63-A908-63075C5C2CC7}"/>
-              </a:ext>
-            </a:extLst>
-          </p:cNvPr>
-          <p:cNvSpPr txBox="1"/>
-          <p:nvPr/>
-        </p:nvSpPr>
-        <p:spPr>
-          <a:xfrm>
-            <a:off x="6284532" y="5617277"/>
-            <a:ext cx="341760" cy="276999"/>
-          </a:xfrm>
-          <a:prstGeom prst="rect">
-            <a:avLst/>
-          </a:prstGeom>
-          <a:noFill/>
-        </p:spPr>
-        <p:txBody>
-          <a:bodyPr wrap="square" rtlCol="0">
-            <a:spAutoFit/>
-          </a:bodyPr>
-          <a:lstStyle/>
-          <a:p>
-            <a:r>
-              <a:rPr lang="fr-FR" sz="1200" dirty="0"/>
-              <a:t>5</a:t>
+              <a:t>3</a:t>
             </a:r>
           </a:p>
         </p:txBody>
@@ -7443,7 +6822,7 @@
     </p:spTree>
     <p:extLst>
       <p:ext uri="{BB962C8B-B14F-4D97-AF65-F5344CB8AC3E}">
-        <p14:creationId xmlns:p14="http://schemas.microsoft.com/office/powerpoint/2010/main" val="1377984430"/>
+        <p14:creationId xmlns:p14="http://schemas.microsoft.com/office/powerpoint/2010/main" val="1390923226"/>
       </p:ext>
     </p:extLst>
   </p:cSld>
@@ -7470,105 +6849,12 @@
           <a:chExt cx="0" cy="0"/>
         </a:xfrm>
       </p:grpSpPr>
-      <p:sp>
-        <p:nvSpPr>
-          <p:cNvPr id="2" name="Title 1">
-            <a:extLst>
-              <a:ext uri="{FF2B5EF4-FFF2-40B4-BE49-F238E27FC236}">
-                <a16:creationId xmlns:a16="http://schemas.microsoft.com/office/drawing/2014/main" id="{FFC86E49-9559-5AAE-BC5C-4F6AD5D9985C}"/>
-              </a:ext>
-            </a:extLst>
-          </p:cNvPr>
-          <p:cNvSpPr>
-            <a:spLocks noGrp="1"/>
-          </p:cNvSpPr>
-          <p:nvPr>
-            <p:ph type="title"/>
-          </p:nvPr>
-        </p:nvSpPr>
-        <p:spPr/>
-        <p:txBody>
-          <a:bodyPr/>
-          <a:lstStyle/>
-          <a:p>
-            <a:r>
-              <a:rPr lang="fr-FR" dirty="0"/>
-              <a:t>Stratégie 1</a:t>
-            </a:r>
-          </a:p>
-        </p:txBody>
-      </p:sp>
-      <p:sp>
-        <p:nvSpPr>
-          <p:cNvPr id="5" name="TextBox 4">
-            <a:extLst>
-              <a:ext uri="{FF2B5EF4-FFF2-40B4-BE49-F238E27FC236}">
-                <a16:creationId xmlns:a16="http://schemas.microsoft.com/office/drawing/2014/main" id="{7E1A9C36-827B-FA33-1E35-8BB23E9549DC}"/>
-              </a:ext>
-            </a:extLst>
-          </p:cNvPr>
-          <p:cNvSpPr txBox="1"/>
-          <p:nvPr/>
-        </p:nvSpPr>
-        <p:spPr>
-          <a:xfrm>
-            <a:off x="836834" y="1451202"/>
-            <a:ext cx="5702074" cy="646331"/>
-          </a:xfrm>
-          <a:prstGeom prst="rect">
-            <a:avLst/>
-          </a:prstGeom>
-          <a:noFill/>
-        </p:spPr>
-        <p:txBody>
-          <a:bodyPr wrap="none" rtlCol="0">
-            <a:spAutoFit/>
-          </a:bodyPr>
-          <a:lstStyle/>
-          <a:p>
-            <a:pPr marL="285750" indent="-285750">
-              <a:buFont typeface="Arial" panose="020B0604020202020204" pitchFamily="34" charset="0"/>
-              <a:buChar char="•"/>
-            </a:pPr>
-            <a:r>
-              <a:rPr lang="fr-FR" dirty="0"/>
-              <a:t>Prioriser l’étape avec un </a:t>
-            </a:r>
-            <a:r>
-              <a:rPr lang="fr-FR" dirty="0" err="1"/>
-              <a:t>loss</a:t>
-            </a:r>
-            <a:r>
-              <a:rPr lang="fr-FR" dirty="0"/>
-              <a:t> le plus faible</a:t>
-            </a:r>
-          </a:p>
-          <a:p>
-            <a:pPr marL="285750" indent="-285750">
-              <a:buFont typeface="Arial" panose="020B0604020202020204" pitchFamily="34" charset="0"/>
-              <a:buChar char="•"/>
-            </a:pPr>
-            <a:r>
-              <a:rPr lang="fr-FR" dirty="0"/>
-              <a:t>Balayer les </a:t>
-            </a:r>
-            <a:r>
-              <a:rPr lang="fr-FR" dirty="0" err="1"/>
-              <a:t>ugas</a:t>
-            </a:r>
-            <a:r>
-              <a:rPr lang="fr-FR" dirty="0"/>
-              <a:t> et lister tous les groupements possibles</a:t>
-            </a:r>
-          </a:p>
-        </p:txBody>
-      </p:sp>
       <p:pic>
         <p:nvPicPr>
-          <p:cNvPr id="6" name="Picture 5">
-            <a:extLst>
-              <a:ext uri="{FF2B5EF4-FFF2-40B4-BE49-F238E27FC236}">
-                <a16:creationId xmlns:a16="http://schemas.microsoft.com/office/drawing/2014/main" id="{54A0B36F-E3C8-59AE-B5FE-69E4D54B9B43}"/>
+          <p:cNvPr id="33" name="Picture 32">
+            <a:extLst>
+              <a:ext uri="{FF2B5EF4-FFF2-40B4-BE49-F238E27FC236}">
+                <a16:creationId xmlns:a16="http://schemas.microsoft.com/office/drawing/2014/main" id="{9677E7EE-ED69-78D2-A835-B97ADF07931D}"/>
               </a:ext>
             </a:extLst>
           </p:cNvPr>
@@ -7585,8 +6871,8 @@
         </p:blipFill>
         <p:spPr>
           <a:xfrm>
-            <a:off x="283567" y="3869118"/>
-            <a:ext cx="1743777" cy="977843"/>
+            <a:off x="7887792" y="5707479"/>
+            <a:ext cx="1509958" cy="928376"/>
           </a:xfrm>
           <a:prstGeom prst="rect">
             <a:avLst/>
@@ -7595,10 +6881,10 @@
       </p:pic>
       <p:pic>
         <p:nvPicPr>
-          <p:cNvPr id="14" name="Picture 13">
-            <a:extLst>
-              <a:ext uri="{FF2B5EF4-FFF2-40B4-BE49-F238E27FC236}">
-                <a16:creationId xmlns:a16="http://schemas.microsoft.com/office/drawing/2014/main" id="{02A1F845-3731-2B54-8009-0DA97972BA1E}"/>
+          <p:cNvPr id="31" name="Picture 30">
+            <a:extLst>
+              <a:ext uri="{FF2B5EF4-FFF2-40B4-BE49-F238E27FC236}">
+                <a16:creationId xmlns:a16="http://schemas.microsoft.com/office/drawing/2014/main" id="{241EE166-CDF6-C09F-60E9-242BC8FDDD0D}"/>
               </a:ext>
             </a:extLst>
           </p:cNvPr>
@@ -7615,8 +6901,8 @@
         </p:blipFill>
         <p:spPr>
           <a:xfrm>
-            <a:off x="2896086" y="5617277"/>
-            <a:ext cx="1656203" cy="794238"/>
+            <a:off x="7827652" y="4751937"/>
+            <a:ext cx="1551246" cy="943384"/>
           </a:xfrm>
           <a:prstGeom prst="rect">
             <a:avLst/>
@@ -7625,10 +6911,40 @@
       </p:pic>
       <p:pic>
         <p:nvPicPr>
-          <p:cNvPr id="18" name="Picture 17">
-            <a:extLst>
-              <a:ext uri="{FF2B5EF4-FFF2-40B4-BE49-F238E27FC236}">
-                <a16:creationId xmlns:a16="http://schemas.microsoft.com/office/drawing/2014/main" id="{B29DEB74-4FA1-1553-77FF-A68D5F919614}"/>
+          <p:cNvPr id="14" name="Picture 13">
+            <a:extLst>
+              <a:ext uri="{FF2B5EF4-FFF2-40B4-BE49-F238E27FC236}">
+                <a16:creationId xmlns:a16="http://schemas.microsoft.com/office/drawing/2014/main" id="{F149178F-A204-0004-11D1-F7A17F1CC89D}"/>
+              </a:ext>
+            </a:extLst>
+          </p:cNvPr>
+          <p:cNvPicPr>
+            <a:picLocks noChangeAspect="1"/>
+          </p:cNvPicPr>
+          <p:nvPr/>
+        </p:nvPicPr>
+        <p:blipFill>
+          <a:blip r:embed="rId2"/>
+          <a:stretch>
+            <a:fillRect/>
+          </a:stretch>
+        </p:blipFill>
+        <p:spPr>
+          <a:xfrm>
+            <a:off x="7910761" y="3064502"/>
+            <a:ext cx="1509958" cy="928376"/>
+          </a:xfrm>
+          <a:prstGeom prst="rect">
+            <a:avLst/>
+          </a:prstGeom>
+        </p:spPr>
+      </p:pic>
+      <p:pic>
+        <p:nvPicPr>
+          <p:cNvPr id="71" name="Picture 70">
+            <a:extLst>
+              <a:ext uri="{FF2B5EF4-FFF2-40B4-BE49-F238E27FC236}">
+                <a16:creationId xmlns:a16="http://schemas.microsoft.com/office/drawing/2014/main" id="{E72DF40F-D036-B716-3012-6A399B669515}"/>
               </a:ext>
             </a:extLst>
           </p:cNvPr>
@@ -7645,8 +6961,8 @@
         </p:blipFill>
         <p:spPr>
           <a:xfrm>
-            <a:off x="2889929" y="2443284"/>
-            <a:ext cx="1662360" cy="822971"/>
+            <a:off x="2938277" y="5670792"/>
+            <a:ext cx="1572615" cy="894188"/>
           </a:xfrm>
           <a:prstGeom prst="rect">
             <a:avLst/>
@@ -7655,10 +6971,10 @@
       </p:pic>
       <p:pic>
         <p:nvPicPr>
-          <p:cNvPr id="20" name="Picture 19">
-            <a:extLst>
-              <a:ext uri="{FF2B5EF4-FFF2-40B4-BE49-F238E27FC236}">
-                <a16:creationId xmlns:a16="http://schemas.microsoft.com/office/drawing/2014/main" id="{04D1E34E-6FB5-CCA1-0DD7-6D6C208BE042}"/>
+          <p:cNvPr id="28" name="Picture 27">
+            <a:extLst>
+              <a:ext uri="{FF2B5EF4-FFF2-40B4-BE49-F238E27FC236}">
+                <a16:creationId xmlns:a16="http://schemas.microsoft.com/office/drawing/2014/main" id="{46A8FC67-B226-DB86-005F-9E5089F4F095}"/>
               </a:ext>
             </a:extLst>
           </p:cNvPr>
@@ -7675,8 +6991,8 @@
         </p:blipFill>
         <p:spPr>
           <a:xfrm>
-            <a:off x="2801546" y="3464815"/>
-            <a:ext cx="1672621" cy="808605"/>
+            <a:off x="2833269" y="4502398"/>
+            <a:ext cx="1602950" cy="889512"/>
           </a:xfrm>
           <a:prstGeom prst="rect">
             <a:avLst/>
@@ -7685,10 +7001,10 @@
       </p:pic>
       <p:pic>
         <p:nvPicPr>
-          <p:cNvPr id="22" name="Picture 21">
-            <a:extLst>
-              <a:ext uri="{FF2B5EF4-FFF2-40B4-BE49-F238E27FC236}">
-                <a16:creationId xmlns:a16="http://schemas.microsoft.com/office/drawing/2014/main" id="{6163B421-6107-FA84-FA59-B3BF6BC415D2}"/>
+          <p:cNvPr id="35" name="Picture 34">
+            <a:extLst>
+              <a:ext uri="{FF2B5EF4-FFF2-40B4-BE49-F238E27FC236}">
+                <a16:creationId xmlns:a16="http://schemas.microsoft.com/office/drawing/2014/main" id="{7277556C-1F86-412F-855C-C7991908ADB6}"/>
               </a:ext>
             </a:extLst>
           </p:cNvPr>
@@ -7705,8 +7021,136 @@
         </p:blipFill>
         <p:spPr>
           <a:xfrm>
-            <a:off x="2795916" y="4562706"/>
-            <a:ext cx="1662360" cy="796291"/>
+            <a:off x="2815823" y="3481476"/>
+            <a:ext cx="1521075" cy="873576"/>
+          </a:xfrm>
+          <a:prstGeom prst="rect">
+            <a:avLst/>
+          </a:prstGeom>
+        </p:spPr>
+      </p:pic>
+      <p:sp>
+        <p:nvSpPr>
+          <p:cNvPr id="2" name="Title 1">
+            <a:extLst>
+              <a:ext uri="{FF2B5EF4-FFF2-40B4-BE49-F238E27FC236}">
+                <a16:creationId xmlns:a16="http://schemas.microsoft.com/office/drawing/2014/main" id="{FFC86E49-9559-5AAE-BC5C-4F6AD5D9985C}"/>
+              </a:ext>
+            </a:extLst>
+          </p:cNvPr>
+          <p:cNvSpPr>
+            <a:spLocks noGrp="1"/>
+          </p:cNvSpPr>
+          <p:nvPr>
+            <p:ph type="title"/>
+          </p:nvPr>
+        </p:nvSpPr>
+        <p:spPr/>
+        <p:txBody>
+          <a:bodyPr/>
+          <a:lstStyle/>
+          <a:p>
+            <a:r>
+              <a:rPr lang="fr-FR" dirty="0"/>
+              <a:t>Stratégie 1</a:t>
+            </a:r>
+          </a:p>
+        </p:txBody>
+      </p:sp>
+      <p:sp>
+        <p:nvSpPr>
+          <p:cNvPr id="5" name="TextBox 4">
+            <a:extLst>
+              <a:ext uri="{FF2B5EF4-FFF2-40B4-BE49-F238E27FC236}">
+                <a16:creationId xmlns:a16="http://schemas.microsoft.com/office/drawing/2014/main" id="{7E1A9C36-827B-FA33-1E35-8BB23E9549DC}"/>
+              </a:ext>
+            </a:extLst>
+          </p:cNvPr>
+          <p:cNvSpPr txBox="1"/>
+          <p:nvPr/>
+        </p:nvSpPr>
+        <p:spPr>
+          <a:xfrm>
+            <a:off x="836834" y="1451202"/>
+            <a:ext cx="7404015" cy="646331"/>
+          </a:xfrm>
+          <a:prstGeom prst="rect">
+            <a:avLst/>
+          </a:prstGeom>
+          <a:noFill/>
+        </p:spPr>
+        <p:txBody>
+          <a:bodyPr wrap="none" rtlCol="0">
+            <a:spAutoFit/>
+          </a:bodyPr>
+          <a:lstStyle/>
+          <a:p>
+            <a:pPr marL="285750" indent="-285750">
+              <a:buFont typeface="Arial" panose="020B0604020202020204" pitchFamily="34" charset="0"/>
+              <a:buChar char="•"/>
+            </a:pPr>
+            <a:r>
+              <a:rPr lang="fr-FR" dirty="0"/>
+              <a:t>Prioriser l’étape avec un </a:t>
+            </a:r>
+            <a:r>
+              <a:rPr lang="fr-FR" dirty="0" err="1"/>
+              <a:t>loss</a:t>
+            </a:r>
+            <a:r>
+              <a:rPr lang="fr-FR" dirty="0"/>
+              <a:t> le plus faible</a:t>
+            </a:r>
+          </a:p>
+          <a:p>
+            <a:pPr marL="285750" indent="-285750">
+              <a:buFont typeface="Arial" panose="020B0604020202020204" pitchFamily="34" charset="0"/>
+              <a:buChar char="•"/>
+            </a:pPr>
+            <a:r>
+              <a:rPr lang="fr-FR" dirty="0"/>
+              <a:t>Balayer les </a:t>
+            </a:r>
+            <a:r>
+              <a:rPr lang="fr-FR" dirty="0" err="1"/>
+              <a:t>ugas</a:t>
+            </a:r>
+            <a:r>
+              <a:rPr lang="fr-FR" dirty="0"/>
+              <a:t> et lister tous les groupements possibles améliorant le </a:t>
+            </a:r>
+            <a:r>
+              <a:rPr lang="fr-FR" dirty="0" err="1"/>
+              <a:t>loss</a:t>
+            </a:r>
+            <a:endParaRPr lang="fr-FR" dirty="0"/>
+          </a:p>
+        </p:txBody>
+      </p:sp>
+      <p:pic>
+        <p:nvPicPr>
+          <p:cNvPr id="6" name="Picture 5">
+            <a:extLst>
+              <a:ext uri="{FF2B5EF4-FFF2-40B4-BE49-F238E27FC236}">
+                <a16:creationId xmlns:a16="http://schemas.microsoft.com/office/drawing/2014/main" id="{54A0B36F-E3C8-59AE-B5FE-69E4D54B9B43}"/>
+              </a:ext>
+            </a:extLst>
+          </p:cNvPr>
+          <p:cNvPicPr>
+            <a:picLocks noChangeAspect="1"/>
+          </p:cNvPicPr>
+          <p:nvPr/>
+        </p:nvPicPr>
+        <p:blipFill>
+          <a:blip r:embed="rId7"/>
+          <a:stretch>
+            <a:fillRect/>
+          </a:stretch>
+        </p:blipFill>
+        <p:spPr>
+          <a:xfrm>
+            <a:off x="283567" y="3869118"/>
+            <a:ext cx="1743777" cy="977843"/>
           </a:xfrm>
           <a:prstGeom prst="rect">
             <a:avLst/>
@@ -7725,14 +7169,14 @@
           <p:cNvCxnSpPr>
             <a:cxnSpLocks/>
             <a:stCxn id="6" idx="3"/>
-            <a:endCxn id="22" idx="1"/>
+            <a:endCxn id="28" idx="1"/>
           </p:cNvCxnSpPr>
           <p:nvPr/>
         </p:nvCxnSpPr>
         <p:spPr>
           <a:xfrm>
             <a:off x="2027344" y="4358040"/>
-            <a:ext cx="768572" cy="602812"/>
+            <a:ext cx="805925" cy="589114"/>
           </a:xfrm>
           <a:prstGeom prst="straightConnector1">
             <a:avLst/>
@@ -7768,14 +7212,14 @@
           <p:cNvCxnSpPr>
             <a:cxnSpLocks/>
             <a:stCxn id="6" idx="3"/>
-            <a:endCxn id="20" idx="1"/>
+            <a:endCxn id="35" idx="1"/>
           </p:cNvCxnSpPr>
           <p:nvPr/>
         </p:nvCxnSpPr>
         <p:spPr>
           <a:xfrm flipV="1">
-            <a:off x="2027344" y="3869118"/>
-            <a:ext cx="774202" cy="488922"/>
+            <a:off x="2027344" y="3918264"/>
+            <a:ext cx="788479" cy="439776"/>
           </a:xfrm>
           <a:prstGeom prst="straightConnector1">
             <a:avLst/>
@@ -7811,14 +7255,14 @@
           <p:cNvCxnSpPr>
             <a:cxnSpLocks/>
             <a:stCxn id="6" idx="3"/>
-            <a:endCxn id="18" idx="1"/>
+            <a:endCxn id="53" idx="1"/>
           </p:cNvCxnSpPr>
           <p:nvPr/>
         </p:nvCxnSpPr>
         <p:spPr>
           <a:xfrm flipV="1">
-            <a:off x="2027344" y="2854770"/>
-            <a:ext cx="862585" cy="1503270"/>
+            <a:off x="2027344" y="2932182"/>
+            <a:ext cx="805925" cy="1425858"/>
           </a:xfrm>
           <a:prstGeom prst="straightConnector1">
             <a:avLst/>
@@ -7854,14 +7298,14 @@
           <p:cNvCxnSpPr>
             <a:cxnSpLocks/>
             <a:stCxn id="6" idx="3"/>
-            <a:endCxn id="14" idx="1"/>
+            <a:endCxn id="71" idx="1"/>
           </p:cNvCxnSpPr>
           <p:nvPr/>
         </p:nvCxnSpPr>
         <p:spPr>
           <a:xfrm>
             <a:off x="2027344" y="4358040"/>
-            <a:ext cx="868742" cy="1656356"/>
+            <a:ext cx="910933" cy="1759846"/>
           </a:xfrm>
           <a:prstGeom prst="straightConnector1">
             <a:avLst/>
@@ -7897,1104 +7341,13 @@
           <p:cNvCxnSpPr>
             <a:cxnSpLocks/>
             <a:stCxn id="7" idx="3"/>
-            <a:endCxn id="52" idx="1"/>
           </p:cNvCxnSpPr>
           <p:nvPr/>
         </p:nvCxnSpPr>
         <p:spPr>
           <a:xfrm>
             <a:off x="4667438" y="6152896"/>
-            <a:ext cx="1245316" cy="8139"/>
-          </a:xfrm>
-          <a:prstGeom prst="straightConnector1">
-            <a:avLst/>
-          </a:prstGeom>
-          <a:ln>
-            <a:tailEnd type="triangle"/>
-          </a:ln>
-        </p:spPr>
-        <p:style>
-          <a:lnRef idx="1">
-            <a:schemeClr val="accent1"/>
-          </a:lnRef>
-          <a:fillRef idx="0">
-            <a:schemeClr val="accent1"/>
-          </a:fillRef>
-          <a:effectRef idx="0">
-            <a:schemeClr val="accent1"/>
-          </a:effectRef>
-          <a:fontRef idx="minor">
-            <a:schemeClr val="tx1"/>
-          </a:fontRef>
-        </p:style>
-      </p:cxnSp>
-      <p:pic>
-        <p:nvPicPr>
-          <p:cNvPr id="52" name="Picture 51">
-            <a:extLst>
-              <a:ext uri="{FF2B5EF4-FFF2-40B4-BE49-F238E27FC236}">
-                <a16:creationId xmlns:a16="http://schemas.microsoft.com/office/drawing/2014/main" id="{F95C9B94-7424-D01D-1F94-0C96FA86F026}"/>
-              </a:ext>
-            </a:extLst>
-          </p:cNvPr>
-          <p:cNvPicPr>
-            <a:picLocks noChangeAspect="1"/>
-          </p:cNvPicPr>
-          <p:nvPr/>
-        </p:nvPicPr>
-        <p:blipFill>
-          <a:blip r:embed="rId7"/>
-          <a:stretch>
-            <a:fillRect/>
-          </a:stretch>
-        </p:blipFill>
-        <p:spPr>
-          <a:xfrm>
-            <a:off x="5912754" y="5701610"/>
-            <a:ext cx="1851482" cy="918850"/>
-          </a:xfrm>
-          <a:prstGeom prst="rect">
-            <a:avLst/>
-          </a:prstGeom>
-        </p:spPr>
-      </p:pic>
-      <p:pic>
-        <p:nvPicPr>
-          <p:cNvPr id="61" name="Picture 60">
-            <a:extLst>
-              <a:ext uri="{FF2B5EF4-FFF2-40B4-BE49-F238E27FC236}">
-                <a16:creationId xmlns:a16="http://schemas.microsoft.com/office/drawing/2014/main" id="{8056A2AF-C805-4DB9-C70F-2BC0CBC1335A}"/>
-              </a:ext>
-            </a:extLst>
-          </p:cNvPr>
-          <p:cNvPicPr>
-            <a:picLocks noChangeAspect="1"/>
-          </p:cNvPicPr>
-          <p:nvPr/>
-        </p:nvPicPr>
-        <p:blipFill>
-          <a:blip r:embed="rId8"/>
-          <a:stretch>
-            <a:fillRect/>
-          </a:stretch>
-        </p:blipFill>
-        <p:spPr>
-          <a:xfrm>
-            <a:off x="5921136" y="4806456"/>
-            <a:ext cx="1886774" cy="928376"/>
-          </a:xfrm>
-          <a:prstGeom prst="rect">
-            <a:avLst/>
-          </a:prstGeom>
-        </p:spPr>
-      </p:pic>
-      <p:cxnSp>
-        <p:nvCxnSpPr>
-          <p:cNvPr id="64" name="Straight Arrow Connector 63">
-            <a:extLst>
-              <a:ext uri="{FF2B5EF4-FFF2-40B4-BE49-F238E27FC236}">
-                <a16:creationId xmlns:a16="http://schemas.microsoft.com/office/drawing/2014/main" id="{FC4FB711-BD52-E193-18DA-2E050C777774}"/>
-              </a:ext>
-            </a:extLst>
-          </p:cNvPr>
-          <p:cNvCxnSpPr>
-            <a:cxnSpLocks/>
-            <a:stCxn id="7" idx="3"/>
-            <a:endCxn id="61" idx="1"/>
-          </p:cNvCxnSpPr>
-          <p:nvPr/>
-        </p:nvCxnSpPr>
-        <p:spPr>
-          <a:xfrm flipV="1">
-            <a:off x="4667438" y="5270644"/>
-            <a:ext cx="1253698" cy="882252"/>
-          </a:xfrm>
-          <a:prstGeom prst="straightConnector1">
-            <a:avLst/>
-          </a:prstGeom>
-          <a:ln>
-            <a:tailEnd type="triangle"/>
-          </a:ln>
-        </p:spPr>
-        <p:style>
-          <a:lnRef idx="1">
-            <a:schemeClr val="accent1"/>
-          </a:lnRef>
-          <a:fillRef idx="0">
-            <a:schemeClr val="accent1"/>
-          </a:fillRef>
-          <a:effectRef idx="0">
-            <a:schemeClr val="accent1"/>
-          </a:effectRef>
-          <a:fontRef idx="minor">
-            <a:schemeClr val="tx1"/>
-          </a:fontRef>
-        </p:style>
-      </p:cxnSp>
-      <p:sp>
-        <p:nvSpPr>
-          <p:cNvPr id="3" name="TextBox 2">
-            <a:extLst>
-              <a:ext uri="{FF2B5EF4-FFF2-40B4-BE49-F238E27FC236}">
-                <a16:creationId xmlns:a16="http://schemas.microsoft.com/office/drawing/2014/main" id="{79879AF9-4007-C42B-B9AE-C370DC79F71D}"/>
-              </a:ext>
-            </a:extLst>
-          </p:cNvPr>
-          <p:cNvSpPr txBox="1"/>
-          <p:nvPr/>
-        </p:nvSpPr>
-        <p:spPr>
-          <a:xfrm>
-            <a:off x="4336898" y="2856900"/>
-            <a:ext cx="330540" cy="276999"/>
-          </a:xfrm>
-          <a:prstGeom prst="rect">
-            <a:avLst/>
-          </a:prstGeom>
-          <a:noFill/>
-        </p:spPr>
-        <p:txBody>
-          <a:bodyPr wrap="none" rtlCol="0">
-            <a:spAutoFit/>
-          </a:bodyPr>
-          <a:lstStyle/>
-          <a:p>
-            <a:r>
-              <a:rPr lang="fr-FR" sz="1200" dirty="0"/>
-              <a:t>x2</a:t>
-            </a:r>
-          </a:p>
-        </p:txBody>
-      </p:sp>
-      <p:sp>
-        <p:nvSpPr>
-          <p:cNvPr id="4" name="TextBox 3">
-            <a:extLst>
-              <a:ext uri="{FF2B5EF4-FFF2-40B4-BE49-F238E27FC236}">
-                <a16:creationId xmlns:a16="http://schemas.microsoft.com/office/drawing/2014/main" id="{7012F1A1-E1C8-765A-7614-B7F4B20FE8B4}"/>
-              </a:ext>
-            </a:extLst>
-          </p:cNvPr>
-          <p:cNvSpPr txBox="1"/>
-          <p:nvPr/>
-        </p:nvSpPr>
-        <p:spPr>
-          <a:xfrm>
-            <a:off x="4336898" y="4961898"/>
-            <a:ext cx="330540" cy="276999"/>
-          </a:xfrm>
-          <a:prstGeom prst="rect">
-            <a:avLst/>
-          </a:prstGeom>
-          <a:noFill/>
-        </p:spPr>
-        <p:txBody>
-          <a:bodyPr wrap="none" rtlCol="0">
-            <a:spAutoFit/>
-          </a:bodyPr>
-          <a:lstStyle/>
-          <a:p>
-            <a:r>
-              <a:rPr lang="fr-FR" sz="1200" dirty="0"/>
-              <a:t>x2</a:t>
-            </a:r>
-          </a:p>
-        </p:txBody>
-      </p:sp>
-      <p:sp>
-        <p:nvSpPr>
-          <p:cNvPr id="7" name="TextBox 6">
-            <a:extLst>
-              <a:ext uri="{FF2B5EF4-FFF2-40B4-BE49-F238E27FC236}">
-                <a16:creationId xmlns:a16="http://schemas.microsoft.com/office/drawing/2014/main" id="{97DB0A49-4756-3A04-FDF8-391280A1C7FD}"/>
-              </a:ext>
-            </a:extLst>
-          </p:cNvPr>
-          <p:cNvSpPr txBox="1"/>
-          <p:nvPr/>
-        </p:nvSpPr>
-        <p:spPr>
-          <a:xfrm>
-            <a:off x="4336898" y="6014396"/>
-            <a:ext cx="330540" cy="276999"/>
-          </a:xfrm>
-          <a:prstGeom prst="rect">
-            <a:avLst/>
-          </a:prstGeom>
-          <a:noFill/>
-        </p:spPr>
-        <p:txBody>
-          <a:bodyPr wrap="none" rtlCol="0">
-            <a:spAutoFit/>
-          </a:bodyPr>
-          <a:lstStyle/>
-          <a:p>
-            <a:r>
-              <a:rPr lang="fr-FR" sz="1200" dirty="0"/>
-              <a:t>x2</a:t>
-            </a:r>
-          </a:p>
-        </p:txBody>
-      </p:sp>
-      <p:sp>
-        <p:nvSpPr>
-          <p:cNvPr id="8" name="TextBox 7">
-            <a:extLst>
-              <a:ext uri="{FF2B5EF4-FFF2-40B4-BE49-F238E27FC236}">
-                <a16:creationId xmlns:a16="http://schemas.microsoft.com/office/drawing/2014/main" id="{AAC96648-3E2D-B997-C150-3D5477A0E586}"/>
-              </a:ext>
-            </a:extLst>
-          </p:cNvPr>
-          <p:cNvSpPr txBox="1"/>
-          <p:nvPr/>
-        </p:nvSpPr>
-        <p:spPr>
-          <a:xfrm>
-            <a:off x="4336898" y="3909399"/>
-            <a:ext cx="330540" cy="276999"/>
-          </a:xfrm>
-          <a:prstGeom prst="rect">
-            <a:avLst/>
-          </a:prstGeom>
-          <a:noFill/>
-        </p:spPr>
-        <p:txBody>
-          <a:bodyPr wrap="none" rtlCol="0">
-            <a:spAutoFit/>
-          </a:bodyPr>
-          <a:lstStyle/>
-          <a:p>
-            <a:r>
-              <a:rPr lang="fr-FR" sz="1200" dirty="0"/>
-              <a:t>x2</a:t>
-            </a:r>
-          </a:p>
-        </p:txBody>
-      </p:sp>
-      <p:sp>
-        <p:nvSpPr>
-          <p:cNvPr id="15" name="TextBox 14">
-            <a:extLst>
-              <a:ext uri="{FF2B5EF4-FFF2-40B4-BE49-F238E27FC236}">
-                <a16:creationId xmlns:a16="http://schemas.microsoft.com/office/drawing/2014/main" id="{E7CBC9D7-2CBD-3D2D-4E41-81D9489885B7}"/>
-              </a:ext>
-            </a:extLst>
-          </p:cNvPr>
-          <p:cNvSpPr txBox="1"/>
-          <p:nvPr/>
-        </p:nvSpPr>
-        <p:spPr>
-          <a:xfrm>
-            <a:off x="7526432" y="5270644"/>
-            <a:ext cx="330540" cy="276999"/>
-          </a:xfrm>
-          <a:prstGeom prst="rect">
-            <a:avLst/>
-          </a:prstGeom>
-          <a:noFill/>
-        </p:spPr>
-        <p:txBody>
-          <a:bodyPr wrap="none" rtlCol="0">
-            <a:spAutoFit/>
-          </a:bodyPr>
-          <a:lstStyle/>
-          <a:p>
-            <a:r>
-              <a:rPr lang="fr-FR" sz="1200" dirty="0"/>
-              <a:t>x2</a:t>
-            </a:r>
-          </a:p>
-        </p:txBody>
-      </p:sp>
-      <p:sp>
-        <p:nvSpPr>
-          <p:cNvPr id="16" name="TextBox 15">
-            <a:extLst>
-              <a:ext uri="{FF2B5EF4-FFF2-40B4-BE49-F238E27FC236}">
-                <a16:creationId xmlns:a16="http://schemas.microsoft.com/office/drawing/2014/main" id="{AFB60ADB-0659-F019-F321-7EC8872E9779}"/>
-              </a:ext>
-            </a:extLst>
-          </p:cNvPr>
-          <p:cNvSpPr txBox="1"/>
-          <p:nvPr/>
-        </p:nvSpPr>
-        <p:spPr>
-          <a:xfrm>
-            <a:off x="7526432" y="6229837"/>
-            <a:ext cx="330540" cy="276999"/>
-          </a:xfrm>
-          <a:prstGeom prst="rect">
-            <a:avLst/>
-          </a:prstGeom>
-          <a:noFill/>
-        </p:spPr>
-        <p:txBody>
-          <a:bodyPr wrap="none" rtlCol="0">
-            <a:spAutoFit/>
-          </a:bodyPr>
-          <a:lstStyle/>
-          <a:p>
-            <a:r>
-              <a:rPr lang="fr-FR" sz="1200" dirty="0"/>
-              <a:t>x2</a:t>
-            </a:r>
-          </a:p>
-        </p:txBody>
-      </p:sp>
-      <p:cxnSp>
-        <p:nvCxnSpPr>
-          <p:cNvPr id="17" name="Straight Arrow Connector 16">
-            <a:extLst>
-              <a:ext uri="{FF2B5EF4-FFF2-40B4-BE49-F238E27FC236}">
-                <a16:creationId xmlns:a16="http://schemas.microsoft.com/office/drawing/2014/main" id="{E2B4E2A2-AB83-AE28-4983-CB1F3FC410C6}"/>
-              </a:ext>
-            </a:extLst>
-          </p:cNvPr>
-          <p:cNvCxnSpPr>
-            <a:cxnSpLocks/>
-            <a:stCxn id="3" idx="3"/>
-            <a:endCxn id="19" idx="1"/>
-          </p:cNvCxnSpPr>
-          <p:nvPr/>
-        </p:nvCxnSpPr>
-        <p:spPr>
-          <a:xfrm>
-            <a:off x="4667438" y="2995400"/>
-            <a:ext cx="1296503" cy="598263"/>
-          </a:xfrm>
-          <a:prstGeom prst="straightConnector1">
-            <a:avLst/>
-          </a:prstGeom>
-          <a:ln>
-            <a:tailEnd type="triangle"/>
-          </a:ln>
-        </p:spPr>
-        <p:style>
-          <a:lnRef idx="1">
-            <a:schemeClr val="accent1"/>
-          </a:lnRef>
-          <a:fillRef idx="0">
-            <a:schemeClr val="accent1"/>
-          </a:fillRef>
-          <a:effectRef idx="0">
-            <a:schemeClr val="accent1"/>
-          </a:effectRef>
-          <a:fontRef idx="minor">
-            <a:schemeClr val="tx1"/>
-          </a:fontRef>
-        </p:style>
-      </p:cxnSp>
-      <p:pic>
-        <p:nvPicPr>
-          <p:cNvPr id="19" name="Picture 18">
-            <a:extLst>
-              <a:ext uri="{FF2B5EF4-FFF2-40B4-BE49-F238E27FC236}">
-                <a16:creationId xmlns:a16="http://schemas.microsoft.com/office/drawing/2014/main" id="{76A021F0-2A20-33CF-B833-3CA084DB5F22}"/>
-              </a:ext>
-            </a:extLst>
-          </p:cNvPr>
-          <p:cNvPicPr>
-            <a:picLocks noChangeAspect="1"/>
-          </p:cNvPicPr>
-          <p:nvPr/>
-        </p:nvPicPr>
-        <p:blipFill>
-          <a:blip r:embed="rId9"/>
-          <a:stretch>
-            <a:fillRect/>
-          </a:stretch>
-        </p:blipFill>
-        <p:spPr>
-          <a:xfrm>
-            <a:off x="5963941" y="3139981"/>
-            <a:ext cx="1788491" cy="907364"/>
-          </a:xfrm>
-          <a:prstGeom prst="rect">
-            <a:avLst/>
-          </a:prstGeom>
-        </p:spPr>
-      </p:pic>
-      <p:pic>
-        <p:nvPicPr>
-          <p:cNvPr id="21" name="Picture 20">
-            <a:extLst>
-              <a:ext uri="{FF2B5EF4-FFF2-40B4-BE49-F238E27FC236}">
-                <a16:creationId xmlns:a16="http://schemas.microsoft.com/office/drawing/2014/main" id="{1D6D33FC-7F2A-6AC9-2000-3ECF04815309}"/>
-              </a:ext>
-            </a:extLst>
-          </p:cNvPr>
-          <p:cNvPicPr>
-            <a:picLocks noChangeAspect="1"/>
-          </p:cNvPicPr>
-          <p:nvPr/>
-        </p:nvPicPr>
-        <p:blipFill>
-          <a:blip r:embed="rId10"/>
-          <a:stretch>
-            <a:fillRect/>
-          </a:stretch>
-        </p:blipFill>
-        <p:spPr>
-          <a:xfrm>
-            <a:off x="5921136" y="2146378"/>
-            <a:ext cx="1805832" cy="907364"/>
-          </a:xfrm>
-          <a:prstGeom prst="rect">
-            <a:avLst/>
-          </a:prstGeom>
-        </p:spPr>
-      </p:pic>
-      <p:cxnSp>
-        <p:nvCxnSpPr>
-          <p:cNvPr id="24" name="Straight Arrow Connector 23">
-            <a:extLst>
-              <a:ext uri="{FF2B5EF4-FFF2-40B4-BE49-F238E27FC236}">
-                <a16:creationId xmlns:a16="http://schemas.microsoft.com/office/drawing/2014/main" id="{8CF02014-74A0-9F2F-7564-5C187787282B}"/>
-              </a:ext>
-            </a:extLst>
-          </p:cNvPr>
-          <p:cNvCxnSpPr>
-            <a:cxnSpLocks/>
-            <a:stCxn id="3" idx="3"/>
-            <a:endCxn id="21" idx="1"/>
-          </p:cNvCxnSpPr>
-          <p:nvPr/>
-        </p:nvCxnSpPr>
-        <p:spPr>
-          <a:xfrm flipV="1">
-            <a:off x="4667438" y="2600060"/>
-            <a:ext cx="1253698" cy="395340"/>
-          </a:xfrm>
-          <a:prstGeom prst="straightConnector1">
-            <a:avLst/>
-          </a:prstGeom>
-          <a:ln>
-            <a:tailEnd type="triangle"/>
-          </a:ln>
-        </p:spPr>
-        <p:style>
-          <a:lnRef idx="1">
-            <a:schemeClr val="accent1"/>
-          </a:lnRef>
-          <a:fillRef idx="0">
-            <a:schemeClr val="accent1"/>
-          </a:fillRef>
-          <a:effectRef idx="0">
-            <a:schemeClr val="accent1"/>
-          </a:effectRef>
-          <a:fontRef idx="minor">
-            <a:schemeClr val="tx1"/>
-          </a:fontRef>
-        </p:style>
-      </p:cxnSp>
-      <p:sp>
-        <p:nvSpPr>
-          <p:cNvPr id="30" name="TextBox 29">
-            <a:extLst>
-              <a:ext uri="{FF2B5EF4-FFF2-40B4-BE49-F238E27FC236}">
-                <a16:creationId xmlns:a16="http://schemas.microsoft.com/office/drawing/2014/main" id="{1500DEEC-D273-4E9A-3E15-C1D64A7CE835}"/>
-              </a:ext>
-            </a:extLst>
-          </p:cNvPr>
-          <p:cNvSpPr txBox="1"/>
-          <p:nvPr/>
-        </p:nvSpPr>
-        <p:spPr>
-          <a:xfrm>
-            <a:off x="7526432" y="3606405"/>
-            <a:ext cx="330540" cy="276999"/>
-          </a:xfrm>
-          <a:prstGeom prst="rect">
-            <a:avLst/>
-          </a:prstGeom>
-          <a:noFill/>
-        </p:spPr>
-        <p:txBody>
-          <a:bodyPr wrap="none" rtlCol="0">
-            <a:spAutoFit/>
-          </a:bodyPr>
-          <a:lstStyle/>
-          <a:p>
-            <a:r>
-              <a:rPr lang="fr-FR" sz="1200" dirty="0"/>
-              <a:t>x2</a:t>
-            </a:r>
-          </a:p>
-        </p:txBody>
-      </p:sp>
-      <p:sp>
-        <p:nvSpPr>
-          <p:cNvPr id="36" name="TextBox 35">
-            <a:extLst>
-              <a:ext uri="{FF2B5EF4-FFF2-40B4-BE49-F238E27FC236}">
-                <a16:creationId xmlns:a16="http://schemas.microsoft.com/office/drawing/2014/main" id="{6583C17F-799E-65C4-DE64-20BA2928A496}"/>
-              </a:ext>
-            </a:extLst>
-          </p:cNvPr>
-          <p:cNvSpPr txBox="1"/>
-          <p:nvPr/>
-        </p:nvSpPr>
-        <p:spPr>
-          <a:xfrm>
-            <a:off x="6354216" y="2035094"/>
-            <a:ext cx="460921" cy="276999"/>
-          </a:xfrm>
-          <a:prstGeom prst="rect">
-            <a:avLst/>
-          </a:prstGeom>
-          <a:noFill/>
-        </p:spPr>
-        <p:txBody>
-          <a:bodyPr wrap="square" rtlCol="0">
-            <a:spAutoFit/>
-          </a:bodyPr>
-          <a:lstStyle/>
-          <a:p>
-            <a:r>
-              <a:rPr lang="fr-FR" sz="1200" dirty="0"/>
-              <a:t>113</a:t>
-            </a:r>
-          </a:p>
-        </p:txBody>
-      </p:sp>
-      <p:sp>
-        <p:nvSpPr>
-          <p:cNvPr id="37" name="TextBox 36">
-            <a:extLst>
-              <a:ext uri="{FF2B5EF4-FFF2-40B4-BE49-F238E27FC236}">
-                <a16:creationId xmlns:a16="http://schemas.microsoft.com/office/drawing/2014/main" id="{3798E4B9-F90E-EEF0-79E7-73EACFD9C0E2}"/>
-              </a:ext>
-            </a:extLst>
-          </p:cNvPr>
-          <p:cNvSpPr txBox="1"/>
-          <p:nvPr/>
-        </p:nvSpPr>
-        <p:spPr>
-          <a:xfrm>
-            <a:off x="6354217" y="3030403"/>
-            <a:ext cx="341760" cy="276999"/>
-          </a:xfrm>
-          <a:prstGeom prst="rect">
-            <a:avLst/>
-          </a:prstGeom>
-          <a:noFill/>
-        </p:spPr>
-        <p:txBody>
-          <a:bodyPr wrap="square" rtlCol="0">
-            <a:spAutoFit/>
-          </a:bodyPr>
-          <a:lstStyle/>
-          <a:p>
-            <a:r>
-              <a:rPr lang="fr-FR" sz="1200" dirty="0"/>
-              <a:t>5</a:t>
-            </a:r>
-          </a:p>
-        </p:txBody>
-      </p:sp>
-      <p:sp>
-        <p:nvSpPr>
-          <p:cNvPr id="38" name="TextBox 37">
-            <a:extLst>
-              <a:ext uri="{FF2B5EF4-FFF2-40B4-BE49-F238E27FC236}">
-                <a16:creationId xmlns:a16="http://schemas.microsoft.com/office/drawing/2014/main" id="{64DAD0FC-B956-9977-8E56-71793BA2CE87}"/>
-              </a:ext>
-            </a:extLst>
-          </p:cNvPr>
-          <p:cNvSpPr txBox="1"/>
-          <p:nvPr/>
-        </p:nvSpPr>
-        <p:spPr>
-          <a:xfrm>
-            <a:off x="6284532" y="4621968"/>
-            <a:ext cx="341760" cy="276999"/>
-          </a:xfrm>
-          <a:prstGeom prst="rect">
-            <a:avLst/>
-          </a:prstGeom>
-          <a:noFill/>
-        </p:spPr>
-        <p:txBody>
-          <a:bodyPr wrap="square" rtlCol="0">
-            <a:spAutoFit/>
-          </a:bodyPr>
-          <a:lstStyle/>
-          <a:p>
-            <a:r>
-              <a:rPr lang="fr-FR" sz="1200" dirty="0"/>
-              <a:t>25</a:t>
-            </a:r>
-          </a:p>
-        </p:txBody>
-      </p:sp>
-      <p:sp>
-        <p:nvSpPr>
-          <p:cNvPr id="39" name="TextBox 38">
-            <a:extLst>
-              <a:ext uri="{FF2B5EF4-FFF2-40B4-BE49-F238E27FC236}">
-                <a16:creationId xmlns:a16="http://schemas.microsoft.com/office/drawing/2014/main" id="{11F8DF1F-F57B-C93D-BBBB-0D8D374AFE29}"/>
-              </a:ext>
-            </a:extLst>
-          </p:cNvPr>
-          <p:cNvSpPr txBox="1"/>
-          <p:nvPr/>
-        </p:nvSpPr>
-        <p:spPr>
-          <a:xfrm>
-            <a:off x="6284532" y="5617277"/>
-            <a:ext cx="341760" cy="276999"/>
-          </a:xfrm>
-          <a:prstGeom prst="rect">
-            <a:avLst/>
-          </a:prstGeom>
-          <a:noFill/>
-        </p:spPr>
-        <p:txBody>
-          <a:bodyPr wrap="square" rtlCol="0">
-            <a:spAutoFit/>
-          </a:bodyPr>
-          <a:lstStyle/>
-          <a:p>
-            <a:r>
-              <a:rPr lang="fr-FR" sz="1200" dirty="0"/>
-              <a:t>5</a:t>
-            </a:r>
-          </a:p>
-        </p:txBody>
-      </p:sp>
-      <p:sp>
-        <p:nvSpPr>
-          <p:cNvPr id="40" name="TextBox 39">
-            <a:extLst>
-              <a:ext uri="{FF2B5EF4-FFF2-40B4-BE49-F238E27FC236}">
-                <a16:creationId xmlns:a16="http://schemas.microsoft.com/office/drawing/2014/main" id="{1DFDD164-F136-CFAF-A010-DF76EFBB8EEA}"/>
-              </a:ext>
-            </a:extLst>
-          </p:cNvPr>
-          <p:cNvSpPr txBox="1"/>
-          <p:nvPr/>
-        </p:nvSpPr>
-        <p:spPr>
-          <a:xfrm>
-            <a:off x="3174053" y="2248319"/>
-            <a:ext cx="341760" cy="276999"/>
-          </a:xfrm>
-          <a:prstGeom prst="rect">
-            <a:avLst/>
-          </a:prstGeom>
-          <a:noFill/>
-        </p:spPr>
-        <p:txBody>
-          <a:bodyPr wrap="none" rtlCol="0">
-            <a:spAutoFit/>
-          </a:bodyPr>
-          <a:lstStyle/>
-          <a:p>
-            <a:r>
-              <a:rPr lang="fr-FR" sz="1200" dirty="0"/>
-              <a:t>51</a:t>
-            </a:r>
-          </a:p>
-        </p:txBody>
-      </p:sp>
-      <p:sp>
-        <p:nvSpPr>
-          <p:cNvPr id="41" name="TextBox 40">
-            <a:extLst>
-              <a:ext uri="{FF2B5EF4-FFF2-40B4-BE49-F238E27FC236}">
-                <a16:creationId xmlns:a16="http://schemas.microsoft.com/office/drawing/2014/main" id="{754B67E0-FF1B-15B5-2FA4-07DE675A48F9}"/>
-              </a:ext>
-            </a:extLst>
-          </p:cNvPr>
-          <p:cNvSpPr txBox="1"/>
-          <p:nvPr/>
-        </p:nvSpPr>
-        <p:spPr>
-          <a:xfrm>
-            <a:off x="3174053" y="3342977"/>
-            <a:ext cx="341760" cy="276999"/>
-          </a:xfrm>
-          <a:prstGeom prst="rect">
-            <a:avLst/>
-          </a:prstGeom>
-          <a:noFill/>
-        </p:spPr>
-        <p:txBody>
-          <a:bodyPr wrap="none" rtlCol="0">
-            <a:spAutoFit/>
-          </a:bodyPr>
-          <a:lstStyle/>
-          <a:p>
-            <a:r>
-              <a:rPr lang="fr-FR" sz="1200" dirty="0"/>
-              <a:t>65</a:t>
-            </a:r>
-          </a:p>
-        </p:txBody>
-      </p:sp>
-      <p:sp>
-        <p:nvSpPr>
-          <p:cNvPr id="42" name="TextBox 41">
-            <a:extLst>
-              <a:ext uri="{FF2B5EF4-FFF2-40B4-BE49-F238E27FC236}">
-                <a16:creationId xmlns:a16="http://schemas.microsoft.com/office/drawing/2014/main" id="{442FBC76-8A12-B06D-82E2-68EDF4E295CA}"/>
-              </a:ext>
-            </a:extLst>
-          </p:cNvPr>
-          <p:cNvSpPr txBox="1"/>
-          <p:nvPr/>
-        </p:nvSpPr>
-        <p:spPr>
-          <a:xfrm>
-            <a:off x="3174053" y="4437635"/>
-            <a:ext cx="341760" cy="276999"/>
-          </a:xfrm>
-          <a:prstGeom prst="rect">
-            <a:avLst/>
-          </a:prstGeom>
-          <a:noFill/>
-        </p:spPr>
-        <p:txBody>
-          <a:bodyPr wrap="none" rtlCol="0">
-            <a:spAutoFit/>
-          </a:bodyPr>
-          <a:lstStyle/>
-          <a:p>
-            <a:r>
-              <a:rPr lang="fr-FR" sz="1200" dirty="0"/>
-              <a:t>59</a:t>
-            </a:r>
-          </a:p>
-        </p:txBody>
-      </p:sp>
-      <p:sp>
-        <p:nvSpPr>
-          <p:cNvPr id="43" name="TextBox 42">
-            <a:extLst>
-              <a:ext uri="{FF2B5EF4-FFF2-40B4-BE49-F238E27FC236}">
-                <a16:creationId xmlns:a16="http://schemas.microsoft.com/office/drawing/2014/main" id="{86F4E2EA-6293-A1FA-B69F-A404048AF57E}"/>
-              </a:ext>
-            </a:extLst>
-          </p:cNvPr>
-          <p:cNvSpPr txBox="1"/>
-          <p:nvPr/>
-        </p:nvSpPr>
-        <p:spPr>
-          <a:xfrm>
-            <a:off x="3174053" y="5532293"/>
-            <a:ext cx="341760" cy="276999"/>
-          </a:xfrm>
-          <a:prstGeom prst="rect">
-            <a:avLst/>
-          </a:prstGeom>
-          <a:noFill/>
-        </p:spPr>
-        <p:txBody>
-          <a:bodyPr wrap="none" rtlCol="0">
-            <a:spAutoFit/>
-          </a:bodyPr>
-          <a:lstStyle/>
-          <a:p>
-            <a:r>
-              <a:rPr lang="fr-FR" sz="1200" dirty="0"/>
-              <a:t>35</a:t>
-            </a:r>
-          </a:p>
-        </p:txBody>
-      </p:sp>
-    </p:spTree>
-    <p:extLst>
-      <p:ext uri="{BB962C8B-B14F-4D97-AF65-F5344CB8AC3E}">
-        <p14:creationId xmlns:p14="http://schemas.microsoft.com/office/powerpoint/2010/main" val="1031411476"/>
-      </p:ext>
-    </p:extLst>
-  </p:cSld>
-  <p:clrMapOvr>
-    <a:masterClrMapping/>
-  </p:clrMapOvr>
-</p:sld>
-</file>
-
-<file path=ppt/slides/slide7.xml><?xml version="1.0" encoding="utf-8"?>
-<p:sld xmlns:a="http://schemas.openxmlformats.org/drawingml/2006/main" xmlns:r="http://schemas.openxmlformats.org/officeDocument/2006/relationships" xmlns:p="http://schemas.openxmlformats.org/presentationml/2006/main">
-  <p:cSld>
-    <p:spTree>
-      <p:nvGrpSpPr>
-        <p:cNvPr id="1" name=""/>
-        <p:cNvGrpSpPr/>
-        <p:nvPr/>
-      </p:nvGrpSpPr>
-      <p:grpSpPr>
-        <a:xfrm>
-          <a:off x="0" y="0"/>
-          <a:ext cx="0" cy="0"/>
-          <a:chOff x="0" y="0"/>
-          <a:chExt cx="0" cy="0"/>
-        </a:xfrm>
-      </p:grpSpPr>
-      <p:sp>
-        <p:nvSpPr>
-          <p:cNvPr id="2" name="Title 1">
-            <a:extLst>
-              <a:ext uri="{FF2B5EF4-FFF2-40B4-BE49-F238E27FC236}">
-                <a16:creationId xmlns:a16="http://schemas.microsoft.com/office/drawing/2014/main" id="{FFC86E49-9559-5AAE-BC5C-4F6AD5D9985C}"/>
-              </a:ext>
-            </a:extLst>
-          </p:cNvPr>
-          <p:cNvSpPr>
-            <a:spLocks noGrp="1"/>
-          </p:cNvSpPr>
-          <p:nvPr>
-            <p:ph type="title"/>
-          </p:nvPr>
-        </p:nvSpPr>
-        <p:spPr/>
-        <p:txBody>
-          <a:bodyPr/>
-          <a:lstStyle/>
-          <a:p>
-            <a:r>
-              <a:rPr lang="fr-FR" dirty="0"/>
-              <a:t>Stratégie 1</a:t>
-            </a:r>
-          </a:p>
-        </p:txBody>
-      </p:sp>
-      <p:sp>
-        <p:nvSpPr>
-          <p:cNvPr id="5" name="TextBox 4">
-            <a:extLst>
-              <a:ext uri="{FF2B5EF4-FFF2-40B4-BE49-F238E27FC236}">
-                <a16:creationId xmlns:a16="http://schemas.microsoft.com/office/drawing/2014/main" id="{7E1A9C36-827B-FA33-1E35-8BB23E9549DC}"/>
-              </a:ext>
-            </a:extLst>
-          </p:cNvPr>
-          <p:cNvSpPr txBox="1"/>
-          <p:nvPr/>
-        </p:nvSpPr>
-        <p:spPr>
-          <a:xfrm>
-            <a:off x="836834" y="1451202"/>
-            <a:ext cx="5702074" cy="646331"/>
-          </a:xfrm>
-          <a:prstGeom prst="rect">
-            <a:avLst/>
-          </a:prstGeom>
-          <a:noFill/>
-        </p:spPr>
-        <p:txBody>
-          <a:bodyPr wrap="none" rtlCol="0">
-            <a:spAutoFit/>
-          </a:bodyPr>
-          <a:lstStyle/>
-          <a:p>
-            <a:pPr marL="285750" indent="-285750">
-              <a:buFont typeface="Arial" panose="020B0604020202020204" pitchFamily="34" charset="0"/>
-              <a:buChar char="•"/>
-            </a:pPr>
-            <a:r>
-              <a:rPr lang="fr-FR" dirty="0"/>
-              <a:t>Prioriser l’étape avec un </a:t>
-            </a:r>
-            <a:r>
-              <a:rPr lang="fr-FR" dirty="0" err="1"/>
-              <a:t>loss</a:t>
-            </a:r>
-            <a:r>
-              <a:rPr lang="fr-FR" dirty="0"/>
-              <a:t> le plus faible</a:t>
-            </a:r>
-          </a:p>
-          <a:p>
-            <a:pPr marL="285750" indent="-285750">
-              <a:buFont typeface="Arial" panose="020B0604020202020204" pitchFamily="34" charset="0"/>
-              <a:buChar char="•"/>
-            </a:pPr>
-            <a:r>
-              <a:rPr lang="fr-FR" dirty="0"/>
-              <a:t>Balayer les </a:t>
-            </a:r>
-            <a:r>
-              <a:rPr lang="fr-FR" dirty="0" err="1"/>
-              <a:t>ugas</a:t>
-            </a:r>
-            <a:r>
-              <a:rPr lang="fr-FR" dirty="0"/>
-              <a:t> et lister tous les groupements possibles</a:t>
-            </a:r>
-          </a:p>
-        </p:txBody>
-      </p:sp>
-      <p:pic>
-        <p:nvPicPr>
-          <p:cNvPr id="6" name="Picture 5">
-            <a:extLst>
-              <a:ext uri="{FF2B5EF4-FFF2-40B4-BE49-F238E27FC236}">
-                <a16:creationId xmlns:a16="http://schemas.microsoft.com/office/drawing/2014/main" id="{54A0B36F-E3C8-59AE-B5FE-69E4D54B9B43}"/>
-              </a:ext>
-            </a:extLst>
-          </p:cNvPr>
-          <p:cNvPicPr>
-            <a:picLocks noChangeAspect="1"/>
-          </p:cNvPicPr>
-          <p:nvPr/>
-        </p:nvPicPr>
-        <p:blipFill>
-          <a:blip r:embed="rId2"/>
-          <a:stretch>
-            <a:fillRect/>
-          </a:stretch>
-        </p:blipFill>
-        <p:spPr>
-          <a:xfrm>
-            <a:off x="283567" y="3869118"/>
-            <a:ext cx="1743777" cy="977843"/>
-          </a:xfrm>
-          <a:prstGeom prst="rect">
-            <a:avLst/>
-          </a:prstGeom>
-        </p:spPr>
-      </p:pic>
-      <p:pic>
-        <p:nvPicPr>
-          <p:cNvPr id="14" name="Picture 13">
-            <a:extLst>
-              <a:ext uri="{FF2B5EF4-FFF2-40B4-BE49-F238E27FC236}">
-                <a16:creationId xmlns:a16="http://schemas.microsoft.com/office/drawing/2014/main" id="{02A1F845-3731-2B54-8009-0DA97972BA1E}"/>
-              </a:ext>
-            </a:extLst>
-          </p:cNvPr>
-          <p:cNvPicPr>
-            <a:picLocks noChangeAspect="1"/>
-          </p:cNvPicPr>
-          <p:nvPr/>
-        </p:nvPicPr>
-        <p:blipFill>
-          <a:blip r:embed="rId3"/>
-          <a:stretch>
-            <a:fillRect/>
-          </a:stretch>
-        </p:blipFill>
-        <p:spPr>
-          <a:xfrm>
-            <a:off x="2896086" y="5617277"/>
-            <a:ext cx="1656203" cy="794238"/>
-          </a:xfrm>
-          <a:prstGeom prst="rect">
-            <a:avLst/>
-          </a:prstGeom>
-        </p:spPr>
-      </p:pic>
-      <p:pic>
-        <p:nvPicPr>
-          <p:cNvPr id="18" name="Picture 17">
-            <a:extLst>
-              <a:ext uri="{FF2B5EF4-FFF2-40B4-BE49-F238E27FC236}">
-                <a16:creationId xmlns:a16="http://schemas.microsoft.com/office/drawing/2014/main" id="{B29DEB74-4FA1-1553-77FF-A68D5F919614}"/>
-              </a:ext>
-            </a:extLst>
-          </p:cNvPr>
-          <p:cNvPicPr>
-            <a:picLocks noChangeAspect="1"/>
-          </p:cNvPicPr>
-          <p:nvPr/>
-        </p:nvPicPr>
-        <p:blipFill>
-          <a:blip r:embed="rId4"/>
-          <a:stretch>
-            <a:fillRect/>
-          </a:stretch>
-        </p:blipFill>
-        <p:spPr>
-          <a:xfrm>
-            <a:off x="2889929" y="2443284"/>
-            <a:ext cx="1662360" cy="822971"/>
-          </a:xfrm>
-          <a:prstGeom prst="rect">
-            <a:avLst/>
-          </a:prstGeom>
-        </p:spPr>
-      </p:pic>
-      <p:pic>
-        <p:nvPicPr>
-          <p:cNvPr id="20" name="Picture 19">
-            <a:extLst>
-              <a:ext uri="{FF2B5EF4-FFF2-40B4-BE49-F238E27FC236}">
-                <a16:creationId xmlns:a16="http://schemas.microsoft.com/office/drawing/2014/main" id="{04D1E34E-6FB5-CCA1-0DD7-6D6C208BE042}"/>
-              </a:ext>
-            </a:extLst>
-          </p:cNvPr>
-          <p:cNvPicPr>
-            <a:picLocks noChangeAspect="1"/>
-          </p:cNvPicPr>
-          <p:nvPr/>
-        </p:nvPicPr>
-        <p:blipFill>
-          <a:blip r:embed="rId5"/>
-          <a:stretch>
-            <a:fillRect/>
-          </a:stretch>
-        </p:blipFill>
-        <p:spPr>
-          <a:xfrm>
-            <a:off x="2801546" y="3464815"/>
-            <a:ext cx="1672621" cy="808605"/>
-          </a:xfrm>
-          <a:prstGeom prst="rect">
-            <a:avLst/>
-          </a:prstGeom>
-        </p:spPr>
-      </p:pic>
-      <p:pic>
-        <p:nvPicPr>
-          <p:cNvPr id="22" name="Picture 21">
-            <a:extLst>
-              <a:ext uri="{FF2B5EF4-FFF2-40B4-BE49-F238E27FC236}">
-                <a16:creationId xmlns:a16="http://schemas.microsoft.com/office/drawing/2014/main" id="{6163B421-6107-FA84-FA59-B3BF6BC415D2}"/>
-              </a:ext>
-            </a:extLst>
-          </p:cNvPr>
-          <p:cNvPicPr>
-            <a:picLocks noChangeAspect="1"/>
-          </p:cNvPicPr>
-          <p:nvPr/>
-        </p:nvPicPr>
-        <p:blipFill>
-          <a:blip r:embed="rId6"/>
-          <a:stretch>
-            <a:fillRect/>
-          </a:stretch>
-        </p:blipFill>
-        <p:spPr>
-          <a:xfrm>
-            <a:off x="2795916" y="4562706"/>
-            <a:ext cx="1662360" cy="796291"/>
-          </a:xfrm>
-          <a:prstGeom prst="rect">
-            <a:avLst/>
-          </a:prstGeom>
-        </p:spPr>
-      </p:pic>
-      <p:cxnSp>
-        <p:nvCxnSpPr>
-          <p:cNvPr id="23" name="Straight Arrow Connector 22">
-            <a:extLst>
-              <a:ext uri="{FF2B5EF4-FFF2-40B4-BE49-F238E27FC236}">
-                <a16:creationId xmlns:a16="http://schemas.microsoft.com/office/drawing/2014/main" id="{05C8681C-B085-D7FB-32EE-3504B56BA3BB}"/>
-              </a:ext>
-            </a:extLst>
-          </p:cNvPr>
-          <p:cNvCxnSpPr>
-            <a:cxnSpLocks/>
-            <a:stCxn id="6" idx="3"/>
-            <a:endCxn id="22" idx="1"/>
-          </p:cNvCxnSpPr>
-          <p:nvPr/>
-        </p:nvCxnSpPr>
-        <p:spPr>
-          <a:xfrm>
-            <a:off x="2027344" y="4358040"/>
-            <a:ext cx="768572" cy="602812"/>
+            <a:ext cx="3139603" cy="14008"/>
           </a:xfrm>
           <a:prstGeom prst="straightConnector1">
             <a:avLst/>
@@ -9020,24 +7373,23 @@
       </p:cxnSp>
       <p:cxnSp>
         <p:nvCxnSpPr>
-          <p:cNvPr id="26" name="Straight Arrow Connector 25">
-            <a:extLst>
-              <a:ext uri="{FF2B5EF4-FFF2-40B4-BE49-F238E27FC236}">
-                <a16:creationId xmlns:a16="http://schemas.microsoft.com/office/drawing/2014/main" id="{14E22498-432A-0BB8-83A7-C937FE1CE4B7}"/>
+          <p:cNvPr id="64" name="Straight Arrow Connector 63">
+            <a:extLst>
+              <a:ext uri="{FF2B5EF4-FFF2-40B4-BE49-F238E27FC236}">
+                <a16:creationId xmlns:a16="http://schemas.microsoft.com/office/drawing/2014/main" id="{FC4FB711-BD52-E193-18DA-2E050C777774}"/>
               </a:ext>
             </a:extLst>
           </p:cNvPr>
           <p:cNvCxnSpPr>
             <a:cxnSpLocks/>
-            <a:stCxn id="6" idx="3"/>
-            <a:endCxn id="20" idx="1"/>
+            <a:stCxn id="7" idx="3"/>
           </p:cNvCxnSpPr>
           <p:nvPr/>
         </p:nvCxnSpPr>
         <p:spPr>
           <a:xfrm flipV="1">
-            <a:off x="2027344" y="3869118"/>
-            <a:ext cx="774202" cy="488922"/>
+            <a:off x="4667438" y="5276513"/>
+            <a:ext cx="3147985" cy="876383"/>
           </a:xfrm>
           <a:prstGeom prst="straightConnector1">
             <a:avLst/>
@@ -9061,238 +7413,6 @@
           </a:fontRef>
         </p:style>
       </p:cxnSp>
-      <p:cxnSp>
-        <p:nvCxnSpPr>
-          <p:cNvPr id="29" name="Straight Arrow Connector 28">
-            <a:extLst>
-              <a:ext uri="{FF2B5EF4-FFF2-40B4-BE49-F238E27FC236}">
-                <a16:creationId xmlns:a16="http://schemas.microsoft.com/office/drawing/2014/main" id="{7778A858-735F-D4E5-4B68-5C426C85104D}"/>
-              </a:ext>
-            </a:extLst>
-          </p:cNvPr>
-          <p:cNvCxnSpPr>
-            <a:cxnSpLocks/>
-            <a:stCxn id="6" idx="3"/>
-            <a:endCxn id="18" idx="1"/>
-          </p:cNvCxnSpPr>
-          <p:nvPr/>
-        </p:nvCxnSpPr>
-        <p:spPr>
-          <a:xfrm flipV="1">
-            <a:off x="2027344" y="2854770"/>
-            <a:ext cx="862585" cy="1503270"/>
-          </a:xfrm>
-          <a:prstGeom prst="straightConnector1">
-            <a:avLst/>
-          </a:prstGeom>
-          <a:ln>
-            <a:tailEnd type="triangle"/>
-          </a:ln>
-        </p:spPr>
-        <p:style>
-          <a:lnRef idx="1">
-            <a:schemeClr val="accent1"/>
-          </a:lnRef>
-          <a:fillRef idx="0">
-            <a:schemeClr val="accent1"/>
-          </a:fillRef>
-          <a:effectRef idx="0">
-            <a:schemeClr val="accent1"/>
-          </a:effectRef>
-          <a:fontRef idx="minor">
-            <a:schemeClr val="tx1"/>
-          </a:fontRef>
-        </p:style>
-      </p:cxnSp>
-      <p:cxnSp>
-        <p:nvCxnSpPr>
-          <p:cNvPr id="32" name="Straight Arrow Connector 31">
-            <a:extLst>
-              <a:ext uri="{FF2B5EF4-FFF2-40B4-BE49-F238E27FC236}">
-                <a16:creationId xmlns:a16="http://schemas.microsoft.com/office/drawing/2014/main" id="{EE76674E-3928-BB7A-7D1C-18249692F345}"/>
-              </a:ext>
-            </a:extLst>
-          </p:cNvPr>
-          <p:cNvCxnSpPr>
-            <a:cxnSpLocks/>
-            <a:stCxn id="6" idx="3"/>
-            <a:endCxn id="14" idx="1"/>
-          </p:cNvCxnSpPr>
-          <p:nvPr/>
-        </p:nvCxnSpPr>
-        <p:spPr>
-          <a:xfrm>
-            <a:off x="2027344" y="4358040"/>
-            <a:ext cx="868742" cy="1656356"/>
-          </a:xfrm>
-          <a:prstGeom prst="straightConnector1">
-            <a:avLst/>
-          </a:prstGeom>
-          <a:ln>
-            <a:tailEnd type="triangle"/>
-          </a:ln>
-        </p:spPr>
-        <p:style>
-          <a:lnRef idx="1">
-            <a:schemeClr val="accent1"/>
-          </a:lnRef>
-          <a:fillRef idx="0">
-            <a:schemeClr val="accent1"/>
-          </a:fillRef>
-          <a:effectRef idx="0">
-            <a:schemeClr val="accent1"/>
-          </a:effectRef>
-          <a:fontRef idx="minor">
-            <a:schemeClr val="tx1"/>
-          </a:fontRef>
-        </p:style>
-      </p:cxnSp>
-      <p:cxnSp>
-        <p:nvCxnSpPr>
-          <p:cNvPr id="48" name="Straight Arrow Connector 47">
-            <a:extLst>
-              <a:ext uri="{FF2B5EF4-FFF2-40B4-BE49-F238E27FC236}">
-                <a16:creationId xmlns:a16="http://schemas.microsoft.com/office/drawing/2014/main" id="{395F5A9B-D6E4-40EA-C4CA-B6A571B0783C}"/>
-              </a:ext>
-            </a:extLst>
-          </p:cNvPr>
-          <p:cNvCxnSpPr>
-            <a:cxnSpLocks/>
-            <a:stCxn id="7" idx="3"/>
-            <a:endCxn id="52" idx="1"/>
-          </p:cNvCxnSpPr>
-          <p:nvPr/>
-        </p:nvCxnSpPr>
-        <p:spPr>
-          <a:xfrm>
-            <a:off x="4667438" y="6152896"/>
-            <a:ext cx="3139603" cy="14008"/>
-          </a:xfrm>
-          <a:prstGeom prst="straightConnector1">
-            <a:avLst/>
-          </a:prstGeom>
-          <a:ln>
-            <a:tailEnd type="triangle"/>
-          </a:ln>
-        </p:spPr>
-        <p:style>
-          <a:lnRef idx="1">
-            <a:schemeClr val="accent1"/>
-          </a:lnRef>
-          <a:fillRef idx="0">
-            <a:schemeClr val="accent1"/>
-          </a:fillRef>
-          <a:effectRef idx="0">
-            <a:schemeClr val="accent1"/>
-          </a:effectRef>
-          <a:fontRef idx="minor">
-            <a:schemeClr val="tx1"/>
-          </a:fontRef>
-        </p:style>
-      </p:cxnSp>
-      <p:pic>
-        <p:nvPicPr>
-          <p:cNvPr id="52" name="Picture 51">
-            <a:extLst>
-              <a:ext uri="{FF2B5EF4-FFF2-40B4-BE49-F238E27FC236}">
-                <a16:creationId xmlns:a16="http://schemas.microsoft.com/office/drawing/2014/main" id="{F95C9B94-7424-D01D-1F94-0C96FA86F026}"/>
-              </a:ext>
-            </a:extLst>
-          </p:cNvPr>
-          <p:cNvPicPr>
-            <a:picLocks noChangeAspect="1"/>
-          </p:cNvPicPr>
-          <p:nvPr/>
-        </p:nvPicPr>
-        <p:blipFill>
-          <a:blip r:embed="rId7"/>
-          <a:stretch>
-            <a:fillRect/>
-          </a:stretch>
-        </p:blipFill>
-        <p:spPr>
-          <a:xfrm>
-            <a:off x="7807041" y="5707479"/>
-            <a:ext cx="1851482" cy="918850"/>
-          </a:xfrm>
-          <a:prstGeom prst="rect">
-            <a:avLst/>
-          </a:prstGeom>
-        </p:spPr>
-      </p:pic>
-      <p:pic>
-        <p:nvPicPr>
-          <p:cNvPr id="61" name="Picture 60">
-            <a:extLst>
-              <a:ext uri="{FF2B5EF4-FFF2-40B4-BE49-F238E27FC236}">
-                <a16:creationId xmlns:a16="http://schemas.microsoft.com/office/drawing/2014/main" id="{8056A2AF-C805-4DB9-C70F-2BC0CBC1335A}"/>
-              </a:ext>
-            </a:extLst>
-          </p:cNvPr>
-          <p:cNvPicPr>
-            <a:picLocks noChangeAspect="1"/>
-          </p:cNvPicPr>
-          <p:nvPr/>
-        </p:nvPicPr>
-        <p:blipFill>
-          <a:blip r:embed="rId8"/>
-          <a:stretch>
-            <a:fillRect/>
-          </a:stretch>
-        </p:blipFill>
-        <p:spPr>
-          <a:xfrm>
-            <a:off x="7815423" y="4812325"/>
-            <a:ext cx="1886774" cy="928376"/>
-          </a:xfrm>
-          <a:prstGeom prst="rect">
-            <a:avLst/>
-          </a:prstGeom>
-        </p:spPr>
-      </p:pic>
-      <p:cxnSp>
-        <p:nvCxnSpPr>
-          <p:cNvPr id="64" name="Straight Arrow Connector 63">
-            <a:extLst>
-              <a:ext uri="{FF2B5EF4-FFF2-40B4-BE49-F238E27FC236}">
-                <a16:creationId xmlns:a16="http://schemas.microsoft.com/office/drawing/2014/main" id="{FC4FB711-BD52-E193-18DA-2E050C777774}"/>
-              </a:ext>
-            </a:extLst>
-          </p:cNvPr>
-          <p:cNvCxnSpPr>
-            <a:cxnSpLocks/>
-            <a:stCxn id="7" idx="3"/>
-            <a:endCxn id="61" idx="1"/>
-          </p:cNvCxnSpPr>
-          <p:nvPr/>
-        </p:nvCxnSpPr>
-        <p:spPr>
-          <a:xfrm flipV="1">
-            <a:off x="4667438" y="5276513"/>
-            <a:ext cx="3147985" cy="876383"/>
-          </a:xfrm>
-          <a:prstGeom prst="straightConnector1">
-            <a:avLst/>
-          </a:prstGeom>
-          <a:ln>
-            <a:tailEnd type="triangle"/>
-          </a:ln>
-        </p:spPr>
-        <p:style>
-          <a:lnRef idx="1">
-            <a:schemeClr val="accent1"/>
-          </a:lnRef>
-          <a:fillRef idx="0">
-            <a:schemeClr val="accent1"/>
-          </a:fillRef>
-          <a:effectRef idx="0">
-            <a:schemeClr val="accent1"/>
-          </a:effectRef>
-          <a:fontRef idx="minor">
-            <a:schemeClr val="tx1"/>
-          </a:fontRef>
-        </p:style>
-      </p:cxnSp>
       <p:sp>
         <p:nvSpPr>
           <p:cNvPr id="3" name="TextBox 2">
@@ -9515,14 +7635,14 @@
           <p:cNvCxnSpPr>
             <a:cxnSpLocks/>
             <a:stCxn id="3" idx="3"/>
-            <a:endCxn id="19" idx="1"/>
+            <a:endCxn id="14" idx="1"/>
           </p:cNvCxnSpPr>
           <p:nvPr/>
         </p:nvCxnSpPr>
         <p:spPr>
           <a:xfrm>
             <a:off x="4667438" y="2995400"/>
-            <a:ext cx="3166259" cy="538505"/>
+            <a:ext cx="3243323" cy="533290"/>
           </a:xfrm>
           <a:prstGeom prst="straightConnector1">
             <a:avLst/>
@@ -9558,7 +7678,6 @@
           <p:cNvCxnSpPr>
             <a:cxnSpLocks/>
             <a:stCxn id="3" idx="3"/>
-            <a:endCxn id="21" idx="1"/>
           </p:cNvCxnSpPr>
           <p:nvPr/>
         </p:nvCxnSpPr>
@@ -9603,72 +7722,12 @@
         </p:nvGrpSpPr>
         <p:grpSpPr>
           <a:xfrm>
-            <a:off x="7790892" y="1975336"/>
-            <a:ext cx="1935836" cy="2012251"/>
-            <a:chOff x="7121268" y="1930373"/>
-            <a:chExt cx="1935836" cy="2012251"/>
+            <a:off x="8223972" y="1975336"/>
+            <a:ext cx="1502756" cy="1848310"/>
+            <a:chOff x="7554348" y="1930373"/>
+            <a:chExt cx="1502756" cy="1848310"/>
           </a:xfrm>
         </p:grpSpPr>
-        <p:pic>
-          <p:nvPicPr>
-            <p:cNvPr id="19" name="Picture 18">
-              <a:extLst>
-                <a:ext uri="{FF2B5EF4-FFF2-40B4-BE49-F238E27FC236}">
-                  <a16:creationId xmlns:a16="http://schemas.microsoft.com/office/drawing/2014/main" id="{76A021F0-2A20-33CF-B833-3CA084DB5F22}"/>
-                </a:ext>
-              </a:extLst>
-            </p:cNvPr>
-            <p:cNvPicPr>
-              <a:picLocks noChangeAspect="1"/>
-            </p:cNvPicPr>
-            <p:nvPr/>
-          </p:nvPicPr>
-          <p:blipFill>
-            <a:blip r:embed="rId9"/>
-            <a:stretch>
-              <a:fillRect/>
-            </a:stretch>
-          </p:blipFill>
-          <p:spPr>
-            <a:xfrm>
-              <a:off x="7164073" y="3035260"/>
-              <a:ext cx="1788491" cy="907364"/>
-            </a:xfrm>
-            <a:prstGeom prst="rect">
-              <a:avLst/>
-            </a:prstGeom>
-          </p:spPr>
-        </p:pic>
-        <p:pic>
-          <p:nvPicPr>
-            <p:cNvPr id="21" name="Picture 20">
-              <a:extLst>
-                <a:ext uri="{FF2B5EF4-FFF2-40B4-BE49-F238E27FC236}">
-                  <a16:creationId xmlns:a16="http://schemas.microsoft.com/office/drawing/2014/main" id="{1D6D33FC-7F2A-6AC9-2000-3ECF04815309}"/>
-                </a:ext>
-              </a:extLst>
-            </p:cNvPr>
-            <p:cNvPicPr>
-              <a:picLocks noChangeAspect="1"/>
-            </p:cNvPicPr>
-            <p:nvPr/>
-          </p:nvPicPr>
-          <p:blipFill>
-            <a:blip r:embed="rId10"/>
-            <a:stretch>
-              <a:fillRect/>
-            </a:stretch>
-          </p:blipFill>
-          <p:spPr>
-            <a:xfrm>
-              <a:off x="7121268" y="2041657"/>
-              <a:ext cx="1805832" cy="907364"/>
-            </a:xfrm>
-            <a:prstGeom prst="rect">
-              <a:avLst/>
-            </a:prstGeom>
-          </p:spPr>
-        </p:pic>
         <p:sp>
           <p:nvSpPr>
             <p:cNvPr id="30" name="TextBox 29">
@@ -9810,12 +7869,222 @@
           </p:txBody>
         </p:sp>
       </p:grpSp>
+      <p:sp>
+        <p:nvSpPr>
+          <p:cNvPr id="50" name="TextBox 49">
+            <a:extLst>
+              <a:ext uri="{FF2B5EF4-FFF2-40B4-BE49-F238E27FC236}">
+                <a16:creationId xmlns:a16="http://schemas.microsoft.com/office/drawing/2014/main" id="{FCA6BBA4-8FDA-533A-D00F-0BD453ABF912}"/>
+              </a:ext>
+            </a:extLst>
+          </p:cNvPr>
+          <p:cNvSpPr txBox="1"/>
+          <p:nvPr/>
+        </p:nvSpPr>
+        <p:spPr>
+          <a:xfrm>
+            <a:off x="8246170" y="4712170"/>
+            <a:ext cx="341760" cy="276999"/>
+          </a:xfrm>
+          <a:prstGeom prst="rect">
+            <a:avLst/>
+          </a:prstGeom>
+          <a:noFill/>
+        </p:spPr>
+        <p:txBody>
+          <a:bodyPr wrap="square" rtlCol="0">
+            <a:spAutoFit/>
+          </a:bodyPr>
+          <a:lstStyle/>
+          <a:p>
+            <a:r>
+              <a:rPr lang="fr-FR" sz="1200" dirty="0"/>
+              <a:t>25</a:t>
+            </a:r>
+          </a:p>
+        </p:txBody>
+      </p:sp>
+      <p:sp>
+        <p:nvSpPr>
+          <p:cNvPr id="51" name="TextBox 50">
+            <a:extLst>
+              <a:ext uri="{FF2B5EF4-FFF2-40B4-BE49-F238E27FC236}">
+                <a16:creationId xmlns:a16="http://schemas.microsoft.com/office/drawing/2014/main" id="{397D90F3-B279-7709-F569-7FFE1C950F18}"/>
+              </a:ext>
+            </a:extLst>
+          </p:cNvPr>
+          <p:cNvSpPr txBox="1"/>
+          <p:nvPr/>
+        </p:nvSpPr>
+        <p:spPr>
+          <a:xfrm>
+            <a:off x="8246170" y="5707479"/>
+            <a:ext cx="341760" cy="276999"/>
+          </a:xfrm>
+          <a:prstGeom prst="rect">
+            <a:avLst/>
+          </a:prstGeom>
+          <a:noFill/>
+        </p:spPr>
+        <p:txBody>
+          <a:bodyPr wrap="square" rtlCol="0">
+            <a:spAutoFit/>
+          </a:bodyPr>
+          <a:lstStyle/>
+          <a:p>
+            <a:r>
+              <a:rPr lang="fr-FR" sz="1200" dirty="0"/>
+              <a:t>5</a:t>
+            </a:r>
+          </a:p>
+        </p:txBody>
+      </p:sp>
+      <p:sp>
+        <p:nvSpPr>
+          <p:cNvPr id="59" name="TextBox 58">
+            <a:extLst>
+              <a:ext uri="{FF2B5EF4-FFF2-40B4-BE49-F238E27FC236}">
+                <a16:creationId xmlns:a16="http://schemas.microsoft.com/office/drawing/2014/main" id="{FC103996-31DF-8D8D-8809-B12AE954BFD5}"/>
+              </a:ext>
+            </a:extLst>
+          </p:cNvPr>
+          <p:cNvSpPr txBox="1"/>
+          <p:nvPr/>
+        </p:nvSpPr>
+        <p:spPr>
+          <a:xfrm>
+            <a:off x="3174053" y="2248319"/>
+            <a:ext cx="341760" cy="276999"/>
+          </a:xfrm>
+          <a:prstGeom prst="rect">
+            <a:avLst/>
+          </a:prstGeom>
+          <a:noFill/>
+        </p:spPr>
+        <p:txBody>
+          <a:bodyPr wrap="none" rtlCol="0">
+            <a:spAutoFit/>
+          </a:bodyPr>
+          <a:lstStyle/>
+          <a:p>
+            <a:r>
+              <a:rPr lang="fr-FR" sz="1200" dirty="0"/>
+              <a:t>51</a:t>
+            </a:r>
+          </a:p>
+        </p:txBody>
+      </p:sp>
+      <p:sp>
+        <p:nvSpPr>
+          <p:cNvPr id="60" name="TextBox 59">
+            <a:extLst>
+              <a:ext uri="{FF2B5EF4-FFF2-40B4-BE49-F238E27FC236}">
+                <a16:creationId xmlns:a16="http://schemas.microsoft.com/office/drawing/2014/main" id="{D99EEC82-DD94-3C8C-5CB0-6F3B85009EF0}"/>
+              </a:ext>
+            </a:extLst>
+          </p:cNvPr>
+          <p:cNvSpPr txBox="1"/>
+          <p:nvPr/>
+        </p:nvSpPr>
+        <p:spPr>
+          <a:xfrm>
+            <a:off x="3174053" y="3342977"/>
+            <a:ext cx="341760" cy="276999"/>
+          </a:xfrm>
+          <a:prstGeom prst="rect">
+            <a:avLst/>
+          </a:prstGeom>
+          <a:noFill/>
+        </p:spPr>
+        <p:txBody>
+          <a:bodyPr wrap="none" rtlCol="0">
+            <a:spAutoFit/>
+          </a:bodyPr>
+          <a:lstStyle/>
+          <a:p>
+            <a:r>
+              <a:rPr lang="fr-FR" sz="1200" dirty="0"/>
+              <a:t>65</a:t>
+            </a:r>
+          </a:p>
+        </p:txBody>
+      </p:sp>
+      <p:sp>
+        <p:nvSpPr>
+          <p:cNvPr id="62" name="TextBox 61">
+            <a:extLst>
+              <a:ext uri="{FF2B5EF4-FFF2-40B4-BE49-F238E27FC236}">
+                <a16:creationId xmlns:a16="http://schemas.microsoft.com/office/drawing/2014/main" id="{2FDE46A0-B170-0F8A-31D9-427CED0E9481}"/>
+              </a:ext>
+            </a:extLst>
+          </p:cNvPr>
+          <p:cNvSpPr txBox="1"/>
+          <p:nvPr/>
+        </p:nvSpPr>
+        <p:spPr>
+          <a:xfrm>
+            <a:off x="3174053" y="4437635"/>
+            <a:ext cx="341760" cy="276999"/>
+          </a:xfrm>
+          <a:prstGeom prst="rect">
+            <a:avLst/>
+          </a:prstGeom>
+          <a:noFill/>
+        </p:spPr>
+        <p:txBody>
+          <a:bodyPr wrap="none" rtlCol="0">
+            <a:spAutoFit/>
+          </a:bodyPr>
+          <a:lstStyle/>
+          <a:p>
+            <a:r>
+              <a:rPr lang="fr-FR" sz="1200" dirty="0"/>
+              <a:t>59</a:t>
+            </a:r>
+          </a:p>
+        </p:txBody>
+      </p:sp>
+      <p:sp>
+        <p:nvSpPr>
+          <p:cNvPr id="63" name="TextBox 62">
+            <a:extLst>
+              <a:ext uri="{FF2B5EF4-FFF2-40B4-BE49-F238E27FC236}">
+                <a16:creationId xmlns:a16="http://schemas.microsoft.com/office/drawing/2014/main" id="{010F7876-5B06-BA24-9A5D-D0E7BEB3AE94}"/>
+              </a:ext>
+            </a:extLst>
+          </p:cNvPr>
+          <p:cNvSpPr txBox="1"/>
+          <p:nvPr/>
+        </p:nvSpPr>
+        <p:spPr>
+          <a:xfrm>
+            <a:off x="3302693" y="5532292"/>
+            <a:ext cx="341760" cy="276999"/>
+          </a:xfrm>
+          <a:prstGeom prst="rect">
+            <a:avLst/>
+          </a:prstGeom>
+          <a:noFill/>
+        </p:spPr>
+        <p:txBody>
+          <a:bodyPr wrap="none" rtlCol="0">
+            <a:spAutoFit/>
+          </a:bodyPr>
+          <a:lstStyle/>
+          <a:p>
+            <a:r>
+              <a:rPr lang="fr-FR" sz="1200" dirty="0"/>
+              <a:t>35</a:t>
+            </a:r>
+          </a:p>
+        </p:txBody>
+      </p:sp>
       <p:pic>
         <p:nvPicPr>
-          <p:cNvPr id="13" name="Picture 12">
-            <a:extLst>
-              <a:ext uri="{FF2B5EF4-FFF2-40B4-BE49-F238E27FC236}">
-                <a16:creationId xmlns:a16="http://schemas.microsoft.com/office/drawing/2014/main" id="{F2E9FED0-8E3F-B393-271F-1A56968A5099}"/>
+          <p:cNvPr id="53" name="Picture 52">
+            <a:extLst>
+              <a:ext uri="{FF2B5EF4-FFF2-40B4-BE49-F238E27FC236}">
+                <a16:creationId xmlns:a16="http://schemas.microsoft.com/office/drawing/2014/main" id="{F6708CBE-7BE1-4C75-F6C2-5B31D45F648A}"/>
               </a:ext>
             </a:extLst>
           </p:cNvPr>
@@ -9825,15 +8094,452 @@
           <p:nvPr/>
         </p:nvPicPr>
         <p:blipFill>
-          <a:blip r:embed="rId11"/>
+          <a:blip r:embed="rId8"/>
           <a:stretch>
             <a:fillRect/>
           </a:stretch>
         </p:blipFill>
         <p:spPr>
           <a:xfrm>
-            <a:off x="5455657" y="4084469"/>
-            <a:ext cx="1774621" cy="876383"/>
+            <a:off x="2833269" y="2474196"/>
+            <a:ext cx="1602950" cy="915971"/>
+          </a:xfrm>
+          <a:prstGeom prst="rect">
+            <a:avLst/>
+          </a:prstGeom>
+        </p:spPr>
+      </p:pic>
+      <p:sp>
+        <p:nvSpPr>
+          <p:cNvPr id="73" name="TextBox 72">
+            <a:extLst>
+              <a:ext uri="{FF2B5EF4-FFF2-40B4-BE49-F238E27FC236}">
+                <a16:creationId xmlns:a16="http://schemas.microsoft.com/office/drawing/2014/main" id="{0163B569-4F9A-2036-69B8-E311C4523644}"/>
+              </a:ext>
+            </a:extLst>
+          </p:cNvPr>
+          <p:cNvSpPr txBox="1"/>
+          <p:nvPr/>
+        </p:nvSpPr>
+        <p:spPr>
+          <a:xfrm>
+            <a:off x="762890" y="3730618"/>
+            <a:ext cx="420308" cy="276999"/>
+          </a:xfrm>
+          <a:prstGeom prst="rect">
+            <a:avLst/>
+          </a:prstGeom>
+          <a:noFill/>
+        </p:spPr>
+        <p:txBody>
+          <a:bodyPr wrap="none" rtlCol="0">
+            <a:spAutoFit/>
+          </a:bodyPr>
+          <a:lstStyle/>
+          <a:p>
+            <a:r>
+              <a:rPr lang="fr-FR" sz="1200"/>
+              <a:t>12</a:t>
+            </a:r>
+            <a:r>
+              <a:rPr lang="fr-FR" sz="1200" dirty="0"/>
+              <a:t>3</a:t>
+            </a:r>
+          </a:p>
+        </p:txBody>
+      </p:sp>
+      <p:pic>
+        <p:nvPicPr>
+          <p:cNvPr id="22" name="Picture 21">
+            <a:extLst>
+              <a:ext uri="{FF2B5EF4-FFF2-40B4-BE49-F238E27FC236}">
+                <a16:creationId xmlns:a16="http://schemas.microsoft.com/office/drawing/2014/main" id="{B6E5A6FF-DC61-F54C-877C-783905F98E14}"/>
+              </a:ext>
+            </a:extLst>
+          </p:cNvPr>
+          <p:cNvPicPr>
+            <a:picLocks noChangeAspect="1"/>
+          </p:cNvPicPr>
+          <p:nvPr/>
+        </p:nvPicPr>
+        <p:blipFill>
+          <a:blip r:embed="rId9"/>
+          <a:stretch>
+            <a:fillRect/>
+          </a:stretch>
+        </p:blipFill>
+        <p:spPr>
+          <a:xfrm>
+            <a:off x="7862737" y="2167348"/>
+            <a:ext cx="1450385" cy="866517"/>
+          </a:xfrm>
+          <a:prstGeom prst="rect">
+            <a:avLst/>
+          </a:prstGeom>
+        </p:spPr>
+      </p:pic>
+    </p:spTree>
+    <p:extLst>
+      <p:ext uri="{BB962C8B-B14F-4D97-AF65-F5344CB8AC3E}">
+        <p14:creationId xmlns:p14="http://schemas.microsoft.com/office/powerpoint/2010/main" val="4071040255"/>
+      </p:ext>
+    </p:extLst>
+  </p:cSld>
+  <p:clrMapOvr>
+    <a:masterClrMapping/>
+  </p:clrMapOvr>
+</p:sld>
+</file>
+
+<file path=ppt/slides/slide7.xml><?xml version="1.0" encoding="utf-8"?>
+<p:sld xmlns:a="http://schemas.openxmlformats.org/drawingml/2006/main" xmlns:r="http://schemas.openxmlformats.org/officeDocument/2006/relationships" xmlns:p="http://schemas.openxmlformats.org/presentationml/2006/main">
+  <p:cSld>
+    <p:spTree>
+      <p:nvGrpSpPr>
+        <p:cNvPr id="1" name=""/>
+        <p:cNvGrpSpPr/>
+        <p:nvPr/>
+      </p:nvGrpSpPr>
+      <p:grpSpPr>
+        <a:xfrm>
+          <a:off x="0" y="0"/>
+          <a:ext cx="0" cy="0"/>
+          <a:chOff x="0" y="0"/>
+          <a:chExt cx="0" cy="0"/>
+        </a:xfrm>
+      </p:grpSpPr>
+      <p:pic>
+        <p:nvPicPr>
+          <p:cNvPr id="38" name="Picture 37">
+            <a:extLst>
+              <a:ext uri="{FF2B5EF4-FFF2-40B4-BE49-F238E27FC236}">
+                <a16:creationId xmlns:a16="http://schemas.microsoft.com/office/drawing/2014/main" id="{66086908-A420-D173-A0BE-3291908A3CB2}"/>
+              </a:ext>
+            </a:extLst>
+          </p:cNvPr>
+          <p:cNvPicPr>
+            <a:picLocks noChangeAspect="1"/>
+          </p:cNvPicPr>
+          <p:nvPr/>
+        </p:nvPicPr>
+        <p:blipFill>
+          <a:blip r:embed="rId2"/>
+          <a:stretch>
+            <a:fillRect/>
+          </a:stretch>
+        </p:blipFill>
+        <p:spPr>
+          <a:xfrm>
+            <a:off x="5428899" y="4022210"/>
+            <a:ext cx="1556713" cy="1000902"/>
+          </a:xfrm>
+          <a:prstGeom prst="rect">
+            <a:avLst/>
+          </a:prstGeom>
+        </p:spPr>
+      </p:pic>
+      <p:pic>
+        <p:nvPicPr>
+          <p:cNvPr id="33" name="Picture 32">
+            <a:extLst>
+              <a:ext uri="{FF2B5EF4-FFF2-40B4-BE49-F238E27FC236}">
+                <a16:creationId xmlns:a16="http://schemas.microsoft.com/office/drawing/2014/main" id="{9677E7EE-ED69-78D2-A835-B97ADF07931D}"/>
+              </a:ext>
+            </a:extLst>
+          </p:cNvPr>
+          <p:cNvPicPr>
+            <a:picLocks noChangeAspect="1"/>
+          </p:cNvPicPr>
+          <p:nvPr/>
+        </p:nvPicPr>
+        <p:blipFill>
+          <a:blip r:embed="rId3"/>
+          <a:stretch>
+            <a:fillRect/>
+          </a:stretch>
+        </p:blipFill>
+        <p:spPr>
+          <a:xfrm>
+            <a:off x="7887792" y="5707479"/>
+            <a:ext cx="1509958" cy="928376"/>
+          </a:xfrm>
+          <a:prstGeom prst="rect">
+            <a:avLst/>
+          </a:prstGeom>
+        </p:spPr>
+      </p:pic>
+      <p:pic>
+        <p:nvPicPr>
+          <p:cNvPr id="31" name="Picture 30">
+            <a:extLst>
+              <a:ext uri="{FF2B5EF4-FFF2-40B4-BE49-F238E27FC236}">
+                <a16:creationId xmlns:a16="http://schemas.microsoft.com/office/drawing/2014/main" id="{241EE166-CDF6-C09F-60E9-242BC8FDDD0D}"/>
+              </a:ext>
+            </a:extLst>
+          </p:cNvPr>
+          <p:cNvPicPr>
+            <a:picLocks noChangeAspect="1"/>
+          </p:cNvPicPr>
+          <p:nvPr/>
+        </p:nvPicPr>
+        <p:blipFill>
+          <a:blip r:embed="rId4"/>
+          <a:stretch>
+            <a:fillRect/>
+          </a:stretch>
+        </p:blipFill>
+        <p:spPr>
+          <a:xfrm>
+            <a:off x="7827652" y="4751937"/>
+            <a:ext cx="1551246" cy="943384"/>
+          </a:xfrm>
+          <a:prstGeom prst="rect">
+            <a:avLst/>
+          </a:prstGeom>
+        </p:spPr>
+      </p:pic>
+      <p:pic>
+        <p:nvPicPr>
+          <p:cNvPr id="14" name="Picture 13">
+            <a:extLst>
+              <a:ext uri="{FF2B5EF4-FFF2-40B4-BE49-F238E27FC236}">
+                <a16:creationId xmlns:a16="http://schemas.microsoft.com/office/drawing/2014/main" id="{F149178F-A204-0004-11D1-F7A17F1CC89D}"/>
+              </a:ext>
+            </a:extLst>
+          </p:cNvPr>
+          <p:cNvPicPr>
+            <a:picLocks noChangeAspect="1"/>
+          </p:cNvPicPr>
+          <p:nvPr/>
+        </p:nvPicPr>
+        <p:blipFill>
+          <a:blip r:embed="rId3"/>
+          <a:stretch>
+            <a:fillRect/>
+          </a:stretch>
+        </p:blipFill>
+        <p:spPr>
+          <a:xfrm>
+            <a:off x="7910761" y="3064502"/>
+            <a:ext cx="1509958" cy="928376"/>
+          </a:xfrm>
+          <a:prstGeom prst="rect">
+            <a:avLst/>
+          </a:prstGeom>
+        </p:spPr>
+      </p:pic>
+      <p:pic>
+        <p:nvPicPr>
+          <p:cNvPr id="71" name="Picture 70">
+            <a:extLst>
+              <a:ext uri="{FF2B5EF4-FFF2-40B4-BE49-F238E27FC236}">
+                <a16:creationId xmlns:a16="http://schemas.microsoft.com/office/drawing/2014/main" id="{E72DF40F-D036-B716-3012-6A399B669515}"/>
+              </a:ext>
+            </a:extLst>
+          </p:cNvPr>
+          <p:cNvPicPr>
+            <a:picLocks noChangeAspect="1"/>
+          </p:cNvPicPr>
+          <p:nvPr/>
+        </p:nvPicPr>
+        <p:blipFill>
+          <a:blip r:embed="rId5"/>
+          <a:stretch>
+            <a:fillRect/>
+          </a:stretch>
+        </p:blipFill>
+        <p:spPr>
+          <a:xfrm>
+            <a:off x="2938277" y="5670792"/>
+            <a:ext cx="1572615" cy="894188"/>
+          </a:xfrm>
+          <a:prstGeom prst="rect">
+            <a:avLst/>
+          </a:prstGeom>
+        </p:spPr>
+      </p:pic>
+      <p:pic>
+        <p:nvPicPr>
+          <p:cNvPr id="28" name="Picture 27">
+            <a:extLst>
+              <a:ext uri="{FF2B5EF4-FFF2-40B4-BE49-F238E27FC236}">
+                <a16:creationId xmlns:a16="http://schemas.microsoft.com/office/drawing/2014/main" id="{46A8FC67-B226-DB86-005F-9E5089F4F095}"/>
+              </a:ext>
+            </a:extLst>
+          </p:cNvPr>
+          <p:cNvPicPr>
+            <a:picLocks noChangeAspect="1"/>
+          </p:cNvPicPr>
+          <p:nvPr/>
+        </p:nvPicPr>
+        <p:blipFill>
+          <a:blip r:embed="rId6"/>
+          <a:stretch>
+            <a:fillRect/>
+          </a:stretch>
+        </p:blipFill>
+        <p:spPr>
+          <a:xfrm>
+            <a:off x="2833269" y="4502398"/>
+            <a:ext cx="1602950" cy="889512"/>
+          </a:xfrm>
+          <a:prstGeom prst="rect">
+            <a:avLst/>
+          </a:prstGeom>
+        </p:spPr>
+      </p:pic>
+      <p:pic>
+        <p:nvPicPr>
+          <p:cNvPr id="35" name="Picture 34">
+            <a:extLst>
+              <a:ext uri="{FF2B5EF4-FFF2-40B4-BE49-F238E27FC236}">
+                <a16:creationId xmlns:a16="http://schemas.microsoft.com/office/drawing/2014/main" id="{7277556C-1F86-412F-855C-C7991908ADB6}"/>
+              </a:ext>
+            </a:extLst>
+          </p:cNvPr>
+          <p:cNvPicPr>
+            <a:picLocks noChangeAspect="1"/>
+          </p:cNvPicPr>
+          <p:nvPr/>
+        </p:nvPicPr>
+        <p:blipFill>
+          <a:blip r:embed="rId7"/>
+          <a:stretch>
+            <a:fillRect/>
+          </a:stretch>
+        </p:blipFill>
+        <p:spPr>
+          <a:xfrm>
+            <a:off x="2815823" y="3481476"/>
+            <a:ext cx="1521075" cy="873576"/>
+          </a:xfrm>
+          <a:prstGeom prst="rect">
+            <a:avLst/>
+          </a:prstGeom>
+        </p:spPr>
+      </p:pic>
+      <p:sp>
+        <p:nvSpPr>
+          <p:cNvPr id="2" name="Title 1">
+            <a:extLst>
+              <a:ext uri="{FF2B5EF4-FFF2-40B4-BE49-F238E27FC236}">
+                <a16:creationId xmlns:a16="http://schemas.microsoft.com/office/drawing/2014/main" id="{FFC86E49-9559-5AAE-BC5C-4F6AD5D9985C}"/>
+              </a:ext>
+            </a:extLst>
+          </p:cNvPr>
+          <p:cNvSpPr>
+            <a:spLocks noGrp="1"/>
+          </p:cNvSpPr>
+          <p:nvPr>
+            <p:ph type="title"/>
+          </p:nvPr>
+        </p:nvSpPr>
+        <p:spPr/>
+        <p:txBody>
+          <a:bodyPr/>
+          <a:lstStyle/>
+          <a:p>
+            <a:r>
+              <a:rPr lang="fr-FR" dirty="0"/>
+              <a:t>Stratégie 1</a:t>
+            </a:r>
+          </a:p>
+        </p:txBody>
+      </p:sp>
+      <p:sp>
+        <p:nvSpPr>
+          <p:cNvPr id="5" name="TextBox 4">
+            <a:extLst>
+              <a:ext uri="{FF2B5EF4-FFF2-40B4-BE49-F238E27FC236}">
+                <a16:creationId xmlns:a16="http://schemas.microsoft.com/office/drawing/2014/main" id="{7E1A9C36-827B-FA33-1E35-8BB23E9549DC}"/>
+              </a:ext>
+            </a:extLst>
+          </p:cNvPr>
+          <p:cNvSpPr txBox="1"/>
+          <p:nvPr/>
+        </p:nvSpPr>
+        <p:spPr>
+          <a:xfrm>
+            <a:off x="836834" y="1451202"/>
+            <a:ext cx="7404015" cy="646331"/>
+          </a:xfrm>
+          <a:prstGeom prst="rect">
+            <a:avLst/>
+          </a:prstGeom>
+          <a:noFill/>
+        </p:spPr>
+        <p:txBody>
+          <a:bodyPr wrap="none" rtlCol="0">
+            <a:spAutoFit/>
+          </a:bodyPr>
+          <a:lstStyle/>
+          <a:p>
+            <a:pPr marL="285750" indent="-285750">
+              <a:buFont typeface="Arial" panose="020B0604020202020204" pitchFamily="34" charset="0"/>
+              <a:buChar char="•"/>
+            </a:pPr>
+            <a:r>
+              <a:rPr lang="fr-FR" dirty="0"/>
+              <a:t>Prioriser l’étape avec un </a:t>
+            </a:r>
+            <a:r>
+              <a:rPr lang="fr-FR" dirty="0" err="1"/>
+              <a:t>loss</a:t>
+            </a:r>
+            <a:r>
+              <a:rPr lang="fr-FR" dirty="0"/>
+              <a:t> le plus faible</a:t>
+            </a:r>
+          </a:p>
+          <a:p>
+            <a:pPr marL="285750" indent="-285750">
+              <a:buFont typeface="Arial" panose="020B0604020202020204" pitchFamily="34" charset="0"/>
+              <a:buChar char="•"/>
+            </a:pPr>
+            <a:r>
+              <a:rPr lang="fr-FR" dirty="0"/>
+              <a:t>Balayer les </a:t>
+            </a:r>
+            <a:r>
+              <a:rPr lang="fr-FR" dirty="0" err="1"/>
+              <a:t>ugas</a:t>
+            </a:r>
+            <a:r>
+              <a:rPr lang="fr-FR" dirty="0"/>
+              <a:t> et lister tous les groupements possibles améliorant le </a:t>
+            </a:r>
+            <a:r>
+              <a:rPr lang="fr-FR" dirty="0" err="1"/>
+              <a:t>loss</a:t>
+            </a:r>
+            <a:endParaRPr lang="fr-FR" dirty="0"/>
+          </a:p>
+        </p:txBody>
+      </p:sp>
+      <p:pic>
+        <p:nvPicPr>
+          <p:cNvPr id="6" name="Picture 5">
+            <a:extLst>
+              <a:ext uri="{FF2B5EF4-FFF2-40B4-BE49-F238E27FC236}">
+                <a16:creationId xmlns:a16="http://schemas.microsoft.com/office/drawing/2014/main" id="{54A0B36F-E3C8-59AE-B5FE-69E4D54B9B43}"/>
+              </a:ext>
+            </a:extLst>
+          </p:cNvPr>
+          <p:cNvPicPr>
+            <a:picLocks noChangeAspect="1"/>
+          </p:cNvPicPr>
+          <p:nvPr/>
+        </p:nvPicPr>
+        <p:blipFill>
+          <a:blip r:embed="rId8"/>
+          <a:stretch>
+            <a:fillRect/>
+          </a:stretch>
+        </p:blipFill>
+        <p:spPr>
+          <a:xfrm>
+            <a:off x="283567" y="3869118"/>
+            <a:ext cx="1743777" cy="977843"/>
           </a:xfrm>
           <a:prstGeom prst="rect">
             <a:avLst/>
@@ -9842,24 +8548,24 @@
       </p:pic>
       <p:cxnSp>
         <p:nvCxnSpPr>
-          <p:cNvPr id="25" name="Straight Arrow Connector 24">
-            <a:extLst>
-              <a:ext uri="{FF2B5EF4-FFF2-40B4-BE49-F238E27FC236}">
-                <a16:creationId xmlns:a16="http://schemas.microsoft.com/office/drawing/2014/main" id="{A3B119A1-4977-1C94-6F52-4AAF0983A9F9}"/>
+          <p:cNvPr id="23" name="Straight Arrow Connector 22">
+            <a:extLst>
+              <a:ext uri="{FF2B5EF4-FFF2-40B4-BE49-F238E27FC236}">
+                <a16:creationId xmlns:a16="http://schemas.microsoft.com/office/drawing/2014/main" id="{05C8681C-B085-D7FB-32EE-3504B56BA3BB}"/>
               </a:ext>
             </a:extLst>
           </p:cNvPr>
           <p:cNvCxnSpPr>
             <a:cxnSpLocks/>
-            <a:stCxn id="4" idx="3"/>
-            <a:endCxn id="13" idx="1"/>
+            <a:stCxn id="6" idx="3"/>
+            <a:endCxn id="28" idx="1"/>
           </p:cNvCxnSpPr>
           <p:nvPr/>
         </p:nvCxnSpPr>
         <p:spPr>
-          <a:xfrm flipV="1">
-            <a:off x="4667438" y="4522661"/>
-            <a:ext cx="788219" cy="577737"/>
+          <a:xfrm>
+            <a:off x="2027344" y="4358040"/>
+            <a:ext cx="805925" cy="589114"/>
           </a:xfrm>
           <a:prstGeom prst="straightConnector1">
             <a:avLst/>
@@ -9883,12 +8589,225 @@
           </a:fontRef>
         </p:style>
       </p:cxnSp>
-      <p:sp>
-        <p:nvSpPr>
-          <p:cNvPr id="40" name="TextBox 39">
-            <a:extLst>
-              <a:ext uri="{FF2B5EF4-FFF2-40B4-BE49-F238E27FC236}">
-                <a16:creationId xmlns:a16="http://schemas.microsoft.com/office/drawing/2014/main" id="{9BE6DF63-6CFD-13F8-35B5-8F9AB35AC47E}"/>
+      <p:cxnSp>
+        <p:nvCxnSpPr>
+          <p:cNvPr id="26" name="Straight Arrow Connector 25">
+            <a:extLst>
+              <a:ext uri="{FF2B5EF4-FFF2-40B4-BE49-F238E27FC236}">
+                <a16:creationId xmlns:a16="http://schemas.microsoft.com/office/drawing/2014/main" id="{14E22498-432A-0BB8-83A7-C937FE1CE4B7}"/>
+              </a:ext>
+            </a:extLst>
+          </p:cNvPr>
+          <p:cNvCxnSpPr>
+            <a:cxnSpLocks/>
+            <a:stCxn id="6" idx="3"/>
+            <a:endCxn id="35" idx="1"/>
+          </p:cNvCxnSpPr>
+          <p:nvPr/>
+        </p:nvCxnSpPr>
+        <p:spPr>
+          <a:xfrm flipV="1">
+            <a:off x="2027344" y="3918264"/>
+            <a:ext cx="788479" cy="439776"/>
+          </a:xfrm>
+          <a:prstGeom prst="straightConnector1">
+            <a:avLst/>
+          </a:prstGeom>
+          <a:ln>
+            <a:tailEnd type="triangle"/>
+          </a:ln>
+        </p:spPr>
+        <p:style>
+          <a:lnRef idx="1">
+            <a:schemeClr val="accent1"/>
+          </a:lnRef>
+          <a:fillRef idx="0">
+            <a:schemeClr val="accent1"/>
+          </a:fillRef>
+          <a:effectRef idx="0">
+            <a:schemeClr val="accent1"/>
+          </a:effectRef>
+          <a:fontRef idx="minor">
+            <a:schemeClr val="tx1"/>
+          </a:fontRef>
+        </p:style>
+      </p:cxnSp>
+      <p:cxnSp>
+        <p:nvCxnSpPr>
+          <p:cNvPr id="29" name="Straight Arrow Connector 28">
+            <a:extLst>
+              <a:ext uri="{FF2B5EF4-FFF2-40B4-BE49-F238E27FC236}">
+                <a16:creationId xmlns:a16="http://schemas.microsoft.com/office/drawing/2014/main" id="{7778A858-735F-D4E5-4B68-5C426C85104D}"/>
+              </a:ext>
+            </a:extLst>
+          </p:cNvPr>
+          <p:cNvCxnSpPr>
+            <a:cxnSpLocks/>
+            <a:stCxn id="6" idx="3"/>
+            <a:endCxn id="53" idx="1"/>
+          </p:cNvCxnSpPr>
+          <p:nvPr/>
+        </p:nvCxnSpPr>
+        <p:spPr>
+          <a:xfrm flipV="1">
+            <a:off x="2027344" y="2932182"/>
+            <a:ext cx="805925" cy="1425858"/>
+          </a:xfrm>
+          <a:prstGeom prst="straightConnector1">
+            <a:avLst/>
+          </a:prstGeom>
+          <a:ln>
+            <a:tailEnd type="triangle"/>
+          </a:ln>
+        </p:spPr>
+        <p:style>
+          <a:lnRef idx="1">
+            <a:schemeClr val="accent1"/>
+          </a:lnRef>
+          <a:fillRef idx="0">
+            <a:schemeClr val="accent1"/>
+          </a:fillRef>
+          <a:effectRef idx="0">
+            <a:schemeClr val="accent1"/>
+          </a:effectRef>
+          <a:fontRef idx="minor">
+            <a:schemeClr val="tx1"/>
+          </a:fontRef>
+        </p:style>
+      </p:cxnSp>
+      <p:cxnSp>
+        <p:nvCxnSpPr>
+          <p:cNvPr id="32" name="Straight Arrow Connector 31">
+            <a:extLst>
+              <a:ext uri="{FF2B5EF4-FFF2-40B4-BE49-F238E27FC236}">
+                <a16:creationId xmlns:a16="http://schemas.microsoft.com/office/drawing/2014/main" id="{EE76674E-3928-BB7A-7D1C-18249692F345}"/>
+              </a:ext>
+            </a:extLst>
+          </p:cNvPr>
+          <p:cNvCxnSpPr>
+            <a:cxnSpLocks/>
+            <a:stCxn id="6" idx="3"/>
+            <a:endCxn id="71" idx="1"/>
+          </p:cNvCxnSpPr>
+          <p:nvPr/>
+        </p:nvCxnSpPr>
+        <p:spPr>
+          <a:xfrm>
+            <a:off x="2027344" y="4358040"/>
+            <a:ext cx="910933" cy="1759846"/>
+          </a:xfrm>
+          <a:prstGeom prst="straightConnector1">
+            <a:avLst/>
+          </a:prstGeom>
+          <a:ln>
+            <a:tailEnd type="triangle"/>
+          </a:ln>
+        </p:spPr>
+        <p:style>
+          <a:lnRef idx="1">
+            <a:schemeClr val="accent1"/>
+          </a:lnRef>
+          <a:fillRef idx="0">
+            <a:schemeClr val="accent1"/>
+          </a:fillRef>
+          <a:effectRef idx="0">
+            <a:schemeClr val="accent1"/>
+          </a:effectRef>
+          <a:fontRef idx="minor">
+            <a:schemeClr val="tx1"/>
+          </a:fontRef>
+        </p:style>
+      </p:cxnSp>
+      <p:cxnSp>
+        <p:nvCxnSpPr>
+          <p:cNvPr id="48" name="Straight Arrow Connector 47">
+            <a:extLst>
+              <a:ext uri="{FF2B5EF4-FFF2-40B4-BE49-F238E27FC236}">
+                <a16:creationId xmlns:a16="http://schemas.microsoft.com/office/drawing/2014/main" id="{395F5A9B-D6E4-40EA-C4CA-B6A571B0783C}"/>
+              </a:ext>
+            </a:extLst>
+          </p:cNvPr>
+          <p:cNvCxnSpPr>
+            <a:cxnSpLocks/>
+            <a:stCxn id="7" idx="3"/>
+          </p:cNvCxnSpPr>
+          <p:nvPr/>
+        </p:nvCxnSpPr>
+        <p:spPr>
+          <a:xfrm>
+            <a:off x="4667438" y="6152896"/>
+            <a:ext cx="3139603" cy="14008"/>
+          </a:xfrm>
+          <a:prstGeom prst="straightConnector1">
+            <a:avLst/>
+          </a:prstGeom>
+          <a:ln>
+            <a:tailEnd type="triangle"/>
+          </a:ln>
+        </p:spPr>
+        <p:style>
+          <a:lnRef idx="1">
+            <a:schemeClr val="accent1"/>
+          </a:lnRef>
+          <a:fillRef idx="0">
+            <a:schemeClr val="accent1"/>
+          </a:fillRef>
+          <a:effectRef idx="0">
+            <a:schemeClr val="accent1"/>
+          </a:effectRef>
+          <a:fontRef idx="minor">
+            <a:schemeClr val="tx1"/>
+          </a:fontRef>
+        </p:style>
+      </p:cxnSp>
+      <p:cxnSp>
+        <p:nvCxnSpPr>
+          <p:cNvPr id="64" name="Straight Arrow Connector 63">
+            <a:extLst>
+              <a:ext uri="{FF2B5EF4-FFF2-40B4-BE49-F238E27FC236}">
+                <a16:creationId xmlns:a16="http://schemas.microsoft.com/office/drawing/2014/main" id="{FC4FB711-BD52-E193-18DA-2E050C777774}"/>
+              </a:ext>
+            </a:extLst>
+          </p:cNvPr>
+          <p:cNvCxnSpPr>
+            <a:cxnSpLocks/>
+            <a:stCxn id="7" idx="3"/>
+          </p:cNvCxnSpPr>
+          <p:nvPr/>
+        </p:nvCxnSpPr>
+        <p:spPr>
+          <a:xfrm flipV="1">
+            <a:off x="4667438" y="5276513"/>
+            <a:ext cx="3147985" cy="876383"/>
+          </a:xfrm>
+          <a:prstGeom prst="straightConnector1">
+            <a:avLst/>
+          </a:prstGeom>
+          <a:ln>
+            <a:tailEnd type="triangle"/>
+          </a:ln>
+        </p:spPr>
+        <p:style>
+          <a:lnRef idx="1">
+            <a:schemeClr val="accent1"/>
+          </a:lnRef>
+          <a:fillRef idx="0">
+            <a:schemeClr val="accent1"/>
+          </a:fillRef>
+          <a:effectRef idx="0">
+            <a:schemeClr val="accent1"/>
+          </a:effectRef>
+          <a:fontRef idx="minor">
+            <a:schemeClr val="tx1"/>
+          </a:fontRef>
+        </p:style>
+      </p:cxnSp>
+      <p:sp>
+        <p:nvSpPr>
+          <p:cNvPr id="3" name="TextBox 2">
+            <a:extLst>
+              <a:ext uri="{FF2B5EF4-FFF2-40B4-BE49-F238E27FC236}">
+                <a16:creationId xmlns:a16="http://schemas.microsoft.com/office/drawing/2014/main" id="{79879AF9-4007-C42B-B9AE-C370DC79F71D}"/>
               </a:ext>
             </a:extLst>
           </p:cNvPr>
@@ -9897,7 +8816,7 @@
         </p:nvSpPr>
         <p:spPr>
           <a:xfrm>
-            <a:off x="6982363" y="4591990"/>
+            <a:off x="4336898" y="2856900"/>
             <a:ext cx="330540" cy="276999"/>
           </a:xfrm>
           <a:prstGeom prst="rect">
@@ -9920,6 +8839,504 @@
       </p:sp>
       <p:sp>
         <p:nvSpPr>
+          <p:cNvPr id="4" name="TextBox 3">
+            <a:extLst>
+              <a:ext uri="{FF2B5EF4-FFF2-40B4-BE49-F238E27FC236}">
+                <a16:creationId xmlns:a16="http://schemas.microsoft.com/office/drawing/2014/main" id="{7012F1A1-E1C8-765A-7614-B7F4B20FE8B4}"/>
+              </a:ext>
+            </a:extLst>
+          </p:cNvPr>
+          <p:cNvSpPr txBox="1"/>
+          <p:nvPr/>
+        </p:nvSpPr>
+        <p:spPr>
+          <a:xfrm>
+            <a:off x="4336898" y="4961898"/>
+            <a:ext cx="330540" cy="276999"/>
+          </a:xfrm>
+          <a:prstGeom prst="rect">
+            <a:avLst/>
+          </a:prstGeom>
+          <a:noFill/>
+        </p:spPr>
+        <p:txBody>
+          <a:bodyPr wrap="none" rtlCol="0">
+            <a:spAutoFit/>
+          </a:bodyPr>
+          <a:lstStyle/>
+          <a:p>
+            <a:r>
+              <a:rPr lang="fr-FR" sz="1200" dirty="0"/>
+              <a:t>x2</a:t>
+            </a:r>
+          </a:p>
+        </p:txBody>
+      </p:sp>
+      <p:sp>
+        <p:nvSpPr>
+          <p:cNvPr id="7" name="TextBox 6">
+            <a:extLst>
+              <a:ext uri="{FF2B5EF4-FFF2-40B4-BE49-F238E27FC236}">
+                <a16:creationId xmlns:a16="http://schemas.microsoft.com/office/drawing/2014/main" id="{97DB0A49-4756-3A04-FDF8-391280A1C7FD}"/>
+              </a:ext>
+            </a:extLst>
+          </p:cNvPr>
+          <p:cNvSpPr txBox="1"/>
+          <p:nvPr/>
+        </p:nvSpPr>
+        <p:spPr>
+          <a:xfrm>
+            <a:off x="4336898" y="6014396"/>
+            <a:ext cx="330540" cy="276999"/>
+          </a:xfrm>
+          <a:prstGeom prst="rect">
+            <a:avLst/>
+          </a:prstGeom>
+          <a:noFill/>
+        </p:spPr>
+        <p:txBody>
+          <a:bodyPr wrap="none" rtlCol="0">
+            <a:spAutoFit/>
+          </a:bodyPr>
+          <a:lstStyle/>
+          <a:p>
+            <a:r>
+              <a:rPr lang="fr-FR" sz="1200" dirty="0"/>
+              <a:t>x2</a:t>
+            </a:r>
+          </a:p>
+        </p:txBody>
+      </p:sp>
+      <p:sp>
+        <p:nvSpPr>
+          <p:cNvPr id="8" name="TextBox 7">
+            <a:extLst>
+              <a:ext uri="{FF2B5EF4-FFF2-40B4-BE49-F238E27FC236}">
+                <a16:creationId xmlns:a16="http://schemas.microsoft.com/office/drawing/2014/main" id="{AAC96648-3E2D-B997-C150-3D5477A0E586}"/>
+              </a:ext>
+            </a:extLst>
+          </p:cNvPr>
+          <p:cNvSpPr txBox="1"/>
+          <p:nvPr/>
+        </p:nvSpPr>
+        <p:spPr>
+          <a:xfrm>
+            <a:off x="4336898" y="3909399"/>
+            <a:ext cx="330540" cy="276999"/>
+          </a:xfrm>
+          <a:prstGeom prst="rect">
+            <a:avLst/>
+          </a:prstGeom>
+          <a:noFill/>
+        </p:spPr>
+        <p:txBody>
+          <a:bodyPr wrap="none" rtlCol="0">
+            <a:spAutoFit/>
+          </a:bodyPr>
+          <a:lstStyle/>
+          <a:p>
+            <a:r>
+              <a:rPr lang="fr-FR" sz="1200" dirty="0"/>
+              <a:t>x2</a:t>
+            </a:r>
+          </a:p>
+        </p:txBody>
+      </p:sp>
+      <p:sp>
+        <p:nvSpPr>
+          <p:cNvPr id="15" name="TextBox 14">
+            <a:extLst>
+              <a:ext uri="{FF2B5EF4-FFF2-40B4-BE49-F238E27FC236}">
+                <a16:creationId xmlns:a16="http://schemas.microsoft.com/office/drawing/2014/main" id="{E7CBC9D7-2CBD-3D2D-4E41-81D9489885B7}"/>
+              </a:ext>
+            </a:extLst>
+          </p:cNvPr>
+          <p:cNvSpPr txBox="1"/>
+          <p:nvPr/>
+        </p:nvSpPr>
+        <p:spPr>
+          <a:xfrm>
+            <a:off x="9420719" y="5276513"/>
+            <a:ext cx="330540" cy="276999"/>
+          </a:xfrm>
+          <a:prstGeom prst="rect">
+            <a:avLst/>
+          </a:prstGeom>
+          <a:noFill/>
+        </p:spPr>
+        <p:txBody>
+          <a:bodyPr wrap="none" rtlCol="0">
+            <a:spAutoFit/>
+          </a:bodyPr>
+          <a:lstStyle/>
+          <a:p>
+            <a:r>
+              <a:rPr lang="fr-FR" sz="1200" dirty="0"/>
+              <a:t>x2</a:t>
+            </a:r>
+          </a:p>
+        </p:txBody>
+      </p:sp>
+      <p:sp>
+        <p:nvSpPr>
+          <p:cNvPr id="16" name="TextBox 15">
+            <a:extLst>
+              <a:ext uri="{FF2B5EF4-FFF2-40B4-BE49-F238E27FC236}">
+                <a16:creationId xmlns:a16="http://schemas.microsoft.com/office/drawing/2014/main" id="{AFB60ADB-0659-F019-F321-7EC8872E9779}"/>
+              </a:ext>
+            </a:extLst>
+          </p:cNvPr>
+          <p:cNvSpPr txBox="1"/>
+          <p:nvPr/>
+        </p:nvSpPr>
+        <p:spPr>
+          <a:xfrm>
+            <a:off x="9420719" y="6235706"/>
+            <a:ext cx="330540" cy="276999"/>
+          </a:xfrm>
+          <a:prstGeom prst="rect">
+            <a:avLst/>
+          </a:prstGeom>
+          <a:noFill/>
+        </p:spPr>
+        <p:txBody>
+          <a:bodyPr wrap="none" rtlCol="0">
+            <a:spAutoFit/>
+          </a:bodyPr>
+          <a:lstStyle/>
+          <a:p>
+            <a:r>
+              <a:rPr lang="fr-FR" sz="1200" dirty="0"/>
+              <a:t>x2</a:t>
+            </a:r>
+          </a:p>
+        </p:txBody>
+      </p:sp>
+      <p:cxnSp>
+        <p:nvCxnSpPr>
+          <p:cNvPr id="17" name="Straight Arrow Connector 16">
+            <a:extLst>
+              <a:ext uri="{FF2B5EF4-FFF2-40B4-BE49-F238E27FC236}">
+                <a16:creationId xmlns:a16="http://schemas.microsoft.com/office/drawing/2014/main" id="{E2B4E2A2-AB83-AE28-4983-CB1F3FC410C6}"/>
+              </a:ext>
+            </a:extLst>
+          </p:cNvPr>
+          <p:cNvCxnSpPr>
+            <a:cxnSpLocks/>
+            <a:stCxn id="3" idx="3"/>
+            <a:endCxn id="14" idx="1"/>
+          </p:cNvCxnSpPr>
+          <p:nvPr/>
+        </p:nvCxnSpPr>
+        <p:spPr>
+          <a:xfrm>
+            <a:off x="4667438" y="2995400"/>
+            <a:ext cx="3243323" cy="533290"/>
+          </a:xfrm>
+          <a:prstGeom prst="straightConnector1">
+            <a:avLst/>
+          </a:prstGeom>
+          <a:ln>
+            <a:tailEnd type="triangle"/>
+          </a:ln>
+        </p:spPr>
+        <p:style>
+          <a:lnRef idx="1">
+            <a:schemeClr val="accent1"/>
+          </a:lnRef>
+          <a:fillRef idx="0">
+            <a:schemeClr val="accent1"/>
+          </a:fillRef>
+          <a:effectRef idx="0">
+            <a:schemeClr val="accent1"/>
+          </a:effectRef>
+          <a:fontRef idx="minor">
+            <a:schemeClr val="tx1"/>
+          </a:fontRef>
+        </p:style>
+      </p:cxnSp>
+      <p:cxnSp>
+        <p:nvCxnSpPr>
+          <p:cNvPr id="24" name="Straight Arrow Connector 23">
+            <a:extLst>
+              <a:ext uri="{FF2B5EF4-FFF2-40B4-BE49-F238E27FC236}">
+                <a16:creationId xmlns:a16="http://schemas.microsoft.com/office/drawing/2014/main" id="{8CF02014-74A0-9F2F-7564-5C187787282B}"/>
+              </a:ext>
+            </a:extLst>
+          </p:cNvPr>
+          <p:cNvCxnSpPr>
+            <a:cxnSpLocks/>
+            <a:stCxn id="3" idx="3"/>
+          </p:cNvCxnSpPr>
+          <p:nvPr/>
+        </p:nvCxnSpPr>
+        <p:spPr>
+          <a:xfrm flipV="1">
+            <a:off x="4667438" y="2540302"/>
+            <a:ext cx="3123454" cy="455098"/>
+          </a:xfrm>
+          <a:prstGeom prst="straightConnector1">
+            <a:avLst/>
+          </a:prstGeom>
+          <a:ln>
+            <a:tailEnd type="triangle"/>
+          </a:ln>
+        </p:spPr>
+        <p:style>
+          <a:lnRef idx="1">
+            <a:schemeClr val="accent1"/>
+          </a:lnRef>
+          <a:fillRef idx="0">
+            <a:schemeClr val="accent1"/>
+          </a:fillRef>
+          <a:effectRef idx="0">
+            <a:schemeClr val="accent1"/>
+          </a:effectRef>
+          <a:fontRef idx="minor">
+            <a:schemeClr val="tx1"/>
+          </a:fontRef>
+        </p:style>
+      </p:cxnSp>
+      <p:grpSp>
+        <p:nvGrpSpPr>
+          <p:cNvPr id="43" name="Group 42">
+            <a:extLst>
+              <a:ext uri="{FF2B5EF4-FFF2-40B4-BE49-F238E27FC236}">
+                <a16:creationId xmlns:a16="http://schemas.microsoft.com/office/drawing/2014/main" id="{4FDC265D-C0EB-D2AC-D067-1A18DA79F7F6}"/>
+              </a:ext>
+            </a:extLst>
+          </p:cNvPr>
+          <p:cNvGrpSpPr/>
+          <p:nvPr/>
+        </p:nvGrpSpPr>
+        <p:grpSpPr>
+          <a:xfrm>
+            <a:off x="8223972" y="1975336"/>
+            <a:ext cx="1502756" cy="1848310"/>
+            <a:chOff x="7554348" y="1930373"/>
+            <a:chExt cx="1502756" cy="1848310"/>
+          </a:xfrm>
+        </p:grpSpPr>
+        <p:sp>
+          <p:nvSpPr>
+            <p:cNvPr id="30" name="TextBox 29">
+              <a:extLst>
+                <a:ext uri="{FF2B5EF4-FFF2-40B4-BE49-F238E27FC236}">
+                  <a16:creationId xmlns:a16="http://schemas.microsoft.com/office/drawing/2014/main" id="{1500DEEC-D273-4E9A-3E15-C1D64A7CE835}"/>
+                </a:ext>
+              </a:extLst>
+            </p:cNvPr>
+            <p:cNvSpPr txBox="1"/>
+            <p:nvPr/>
+          </p:nvSpPr>
+          <p:spPr>
+            <a:xfrm>
+              <a:off x="8726564" y="3501684"/>
+              <a:ext cx="330540" cy="276999"/>
+            </a:xfrm>
+            <a:prstGeom prst="rect">
+              <a:avLst/>
+            </a:prstGeom>
+            <a:noFill/>
+          </p:spPr>
+          <p:txBody>
+            <a:bodyPr wrap="none" rtlCol="0">
+              <a:spAutoFit/>
+            </a:bodyPr>
+            <a:lstStyle/>
+            <a:p>
+              <a:r>
+                <a:rPr lang="fr-FR" sz="1200" dirty="0"/>
+                <a:t>x2</a:t>
+              </a:r>
+            </a:p>
+          </p:txBody>
+        </p:sp>
+        <p:sp>
+          <p:nvSpPr>
+            <p:cNvPr id="36" name="TextBox 35">
+              <a:extLst>
+                <a:ext uri="{FF2B5EF4-FFF2-40B4-BE49-F238E27FC236}">
+                  <a16:creationId xmlns:a16="http://schemas.microsoft.com/office/drawing/2014/main" id="{6583C17F-799E-65C4-DE64-20BA2928A496}"/>
+                </a:ext>
+              </a:extLst>
+            </p:cNvPr>
+            <p:cNvSpPr txBox="1"/>
+            <p:nvPr/>
+          </p:nvSpPr>
+          <p:spPr>
+            <a:xfrm>
+              <a:off x="7554348" y="1930373"/>
+              <a:ext cx="460921" cy="276999"/>
+            </a:xfrm>
+            <a:prstGeom prst="rect">
+              <a:avLst/>
+            </a:prstGeom>
+            <a:noFill/>
+          </p:spPr>
+          <p:txBody>
+            <a:bodyPr wrap="square" rtlCol="0">
+              <a:spAutoFit/>
+            </a:bodyPr>
+            <a:lstStyle/>
+            <a:p>
+              <a:r>
+                <a:rPr lang="fr-FR" sz="1200" dirty="0"/>
+                <a:t>113</a:t>
+              </a:r>
+            </a:p>
+          </p:txBody>
+        </p:sp>
+        <p:sp>
+          <p:nvSpPr>
+            <p:cNvPr id="37" name="TextBox 36">
+              <a:extLst>
+                <a:ext uri="{FF2B5EF4-FFF2-40B4-BE49-F238E27FC236}">
+                  <a16:creationId xmlns:a16="http://schemas.microsoft.com/office/drawing/2014/main" id="{3798E4B9-F90E-EEF0-79E7-73EACFD9C0E2}"/>
+                </a:ext>
+              </a:extLst>
+            </p:cNvPr>
+            <p:cNvSpPr txBox="1"/>
+            <p:nvPr/>
+          </p:nvSpPr>
+          <p:spPr>
+            <a:xfrm>
+              <a:off x="7554349" y="2925682"/>
+              <a:ext cx="341760" cy="276999"/>
+            </a:xfrm>
+            <a:prstGeom prst="rect">
+              <a:avLst/>
+            </a:prstGeom>
+            <a:noFill/>
+          </p:spPr>
+          <p:txBody>
+            <a:bodyPr wrap="square" rtlCol="0">
+              <a:spAutoFit/>
+            </a:bodyPr>
+            <a:lstStyle/>
+            <a:p>
+              <a:r>
+                <a:rPr lang="fr-FR" sz="1200" dirty="0"/>
+                <a:t>5</a:t>
+              </a:r>
+            </a:p>
+          </p:txBody>
+        </p:sp>
+        <p:sp>
+          <p:nvSpPr>
+            <p:cNvPr id="44" name="TextBox 43">
+              <a:extLst>
+                <a:ext uri="{FF2B5EF4-FFF2-40B4-BE49-F238E27FC236}">
+                  <a16:creationId xmlns:a16="http://schemas.microsoft.com/office/drawing/2014/main" id="{D73C23E0-0E3B-7B47-0B88-48C23E894BF6}"/>
+                </a:ext>
+              </a:extLst>
+            </p:cNvPr>
+            <p:cNvSpPr txBox="1"/>
+            <p:nvPr/>
+          </p:nvSpPr>
+          <p:spPr>
+            <a:xfrm>
+              <a:off x="8658359" y="2571072"/>
+              <a:ext cx="330540" cy="276999"/>
+            </a:xfrm>
+            <a:prstGeom prst="rect">
+              <a:avLst/>
+            </a:prstGeom>
+            <a:noFill/>
+          </p:spPr>
+          <p:txBody>
+            <a:bodyPr wrap="none" rtlCol="0">
+              <a:spAutoFit/>
+            </a:bodyPr>
+            <a:lstStyle/>
+            <a:p>
+              <a:r>
+                <a:rPr lang="fr-FR" sz="1200" dirty="0"/>
+                <a:t>x2</a:t>
+              </a:r>
+            </a:p>
+          </p:txBody>
+        </p:sp>
+      </p:grpSp>
+      <p:cxnSp>
+        <p:nvCxnSpPr>
+          <p:cNvPr id="25" name="Straight Arrow Connector 24">
+            <a:extLst>
+              <a:ext uri="{FF2B5EF4-FFF2-40B4-BE49-F238E27FC236}">
+                <a16:creationId xmlns:a16="http://schemas.microsoft.com/office/drawing/2014/main" id="{A3B119A1-4977-1C94-6F52-4AAF0983A9F9}"/>
+              </a:ext>
+            </a:extLst>
+          </p:cNvPr>
+          <p:cNvCxnSpPr>
+            <a:cxnSpLocks/>
+            <a:stCxn id="4" idx="3"/>
+          </p:cNvCxnSpPr>
+          <p:nvPr/>
+        </p:nvCxnSpPr>
+        <p:spPr>
+          <a:xfrm flipV="1">
+            <a:off x="4667438" y="4522661"/>
+            <a:ext cx="788219" cy="577737"/>
+          </a:xfrm>
+          <a:prstGeom prst="straightConnector1">
+            <a:avLst/>
+          </a:prstGeom>
+          <a:ln>
+            <a:tailEnd type="triangle"/>
+          </a:ln>
+        </p:spPr>
+        <p:style>
+          <a:lnRef idx="1">
+            <a:schemeClr val="accent1"/>
+          </a:lnRef>
+          <a:fillRef idx="0">
+            <a:schemeClr val="accent1"/>
+          </a:fillRef>
+          <a:effectRef idx="0">
+            <a:schemeClr val="accent1"/>
+          </a:effectRef>
+          <a:fontRef idx="minor">
+            <a:schemeClr val="tx1"/>
+          </a:fontRef>
+        </p:style>
+      </p:cxnSp>
+      <p:sp>
+        <p:nvSpPr>
+          <p:cNvPr id="40" name="TextBox 39">
+            <a:extLst>
+              <a:ext uri="{FF2B5EF4-FFF2-40B4-BE49-F238E27FC236}">
+                <a16:creationId xmlns:a16="http://schemas.microsoft.com/office/drawing/2014/main" id="{9BE6DF63-6CFD-13F8-35B5-8F9AB35AC47E}"/>
+              </a:ext>
+            </a:extLst>
+          </p:cNvPr>
+          <p:cNvSpPr txBox="1"/>
+          <p:nvPr/>
+        </p:nvSpPr>
+        <p:spPr>
+          <a:xfrm>
+            <a:off x="6982363" y="4591990"/>
+            <a:ext cx="330540" cy="276999"/>
+          </a:xfrm>
+          <a:prstGeom prst="rect">
+            <a:avLst/>
+          </a:prstGeom>
+          <a:noFill/>
+        </p:spPr>
+        <p:txBody>
+          <a:bodyPr wrap="none" rtlCol="0">
+            <a:spAutoFit/>
+          </a:bodyPr>
+          <a:lstStyle/>
+          <a:p>
+            <a:r>
+              <a:rPr lang="fr-FR" sz="1200" dirty="0"/>
+              <a:t>x2</a:t>
+            </a:r>
+          </a:p>
+        </p:txBody>
+      </p:sp>
+      <p:sp>
+        <p:nvSpPr>
           <p:cNvPr id="50" name="TextBox 49">
             <a:extLst>
               <a:ext uri="{FF2B5EF4-FFF2-40B4-BE49-F238E27FC236}">
@@ -10142,7 +9559,7 @@
         </p:nvSpPr>
         <p:spPr>
           <a:xfrm>
-            <a:off x="3174053" y="5532293"/>
+            <a:off x="3302693" y="5532292"/>
             <a:ext cx="341760" cy="276999"/>
           </a:xfrm>
           <a:prstGeom prst="rect">
@@ -10163,10 +9580,109 @@
           </a:p>
         </p:txBody>
       </p:sp>
+      <p:pic>
+        <p:nvPicPr>
+          <p:cNvPr id="53" name="Picture 52">
+            <a:extLst>
+              <a:ext uri="{FF2B5EF4-FFF2-40B4-BE49-F238E27FC236}">
+                <a16:creationId xmlns:a16="http://schemas.microsoft.com/office/drawing/2014/main" id="{F6708CBE-7BE1-4C75-F6C2-5B31D45F648A}"/>
+              </a:ext>
+            </a:extLst>
+          </p:cNvPr>
+          <p:cNvPicPr>
+            <a:picLocks noChangeAspect="1"/>
+          </p:cNvPicPr>
+          <p:nvPr/>
+        </p:nvPicPr>
+        <p:blipFill>
+          <a:blip r:embed="rId9"/>
+          <a:stretch>
+            <a:fillRect/>
+          </a:stretch>
+        </p:blipFill>
+        <p:spPr>
+          <a:xfrm>
+            <a:off x="2833269" y="2474196"/>
+            <a:ext cx="1602950" cy="915971"/>
+          </a:xfrm>
+          <a:prstGeom prst="rect">
+            <a:avLst/>
+          </a:prstGeom>
+        </p:spPr>
+      </p:pic>
+      <p:sp>
+        <p:nvSpPr>
+          <p:cNvPr id="73" name="TextBox 72">
+            <a:extLst>
+              <a:ext uri="{FF2B5EF4-FFF2-40B4-BE49-F238E27FC236}">
+                <a16:creationId xmlns:a16="http://schemas.microsoft.com/office/drawing/2014/main" id="{0163B569-4F9A-2036-69B8-E311C4523644}"/>
+              </a:ext>
+            </a:extLst>
+          </p:cNvPr>
+          <p:cNvSpPr txBox="1"/>
+          <p:nvPr/>
+        </p:nvSpPr>
+        <p:spPr>
+          <a:xfrm>
+            <a:off x="762890" y="3730618"/>
+            <a:ext cx="420308" cy="276999"/>
+          </a:xfrm>
+          <a:prstGeom prst="rect">
+            <a:avLst/>
+          </a:prstGeom>
+          <a:noFill/>
+        </p:spPr>
+        <p:txBody>
+          <a:bodyPr wrap="none" rtlCol="0">
+            <a:spAutoFit/>
+          </a:bodyPr>
+          <a:lstStyle/>
+          <a:p>
+            <a:r>
+              <a:rPr lang="fr-FR" sz="1200"/>
+              <a:t>12</a:t>
+            </a:r>
+            <a:r>
+              <a:rPr lang="fr-FR" sz="1200" dirty="0"/>
+              <a:t>3</a:t>
+            </a:r>
+          </a:p>
+        </p:txBody>
+      </p:sp>
+      <p:pic>
+        <p:nvPicPr>
+          <p:cNvPr id="22" name="Picture 21">
+            <a:extLst>
+              <a:ext uri="{FF2B5EF4-FFF2-40B4-BE49-F238E27FC236}">
+                <a16:creationId xmlns:a16="http://schemas.microsoft.com/office/drawing/2014/main" id="{B6E5A6FF-DC61-F54C-877C-783905F98E14}"/>
+              </a:ext>
+            </a:extLst>
+          </p:cNvPr>
+          <p:cNvPicPr>
+            <a:picLocks noChangeAspect="1"/>
+          </p:cNvPicPr>
+          <p:nvPr/>
+        </p:nvPicPr>
+        <p:blipFill>
+          <a:blip r:embed="rId10"/>
+          <a:stretch>
+            <a:fillRect/>
+          </a:stretch>
+        </p:blipFill>
+        <p:spPr>
+          <a:xfrm>
+            <a:off x="7862737" y="2167348"/>
+            <a:ext cx="1450385" cy="866517"/>
+          </a:xfrm>
+          <a:prstGeom prst="rect">
+            <a:avLst/>
+          </a:prstGeom>
+        </p:spPr>
+      </p:pic>
     </p:spTree>
     <p:extLst>
       <p:ext uri="{BB962C8B-B14F-4D97-AF65-F5344CB8AC3E}">
-        <p14:creationId xmlns:p14="http://schemas.microsoft.com/office/powerpoint/2010/main" val="1390923226"/>
+        <p14:creationId xmlns:p14="http://schemas.microsoft.com/office/powerpoint/2010/main" val="1572945729"/>
       </p:ext>
     </p:extLst>
   </p:cSld>
@@ -10193,6 +9709,178 @@
           <a:chExt cx="0" cy="0"/>
         </a:xfrm>
       </p:grpSpPr>
+      <p:grpSp>
+        <p:nvGrpSpPr>
+          <p:cNvPr id="28" name="Group 27">
+            <a:extLst>
+              <a:ext uri="{FF2B5EF4-FFF2-40B4-BE49-F238E27FC236}">
+                <a16:creationId xmlns:a16="http://schemas.microsoft.com/office/drawing/2014/main" id="{DC60A05F-C3DA-F3D2-B2AD-22E6B1700BB2}"/>
+              </a:ext>
+            </a:extLst>
+          </p:cNvPr>
+          <p:cNvGrpSpPr/>
+          <p:nvPr/>
+        </p:nvGrpSpPr>
+        <p:grpSpPr>
+          <a:xfrm>
+            <a:off x="3865328" y="2162296"/>
+            <a:ext cx="2003486" cy="1440770"/>
+            <a:chOff x="3959370" y="2739783"/>
+            <a:chExt cx="1602950" cy="1141848"/>
+          </a:xfrm>
+        </p:grpSpPr>
+        <p:sp>
+          <p:nvSpPr>
+            <p:cNvPr id="17" name="TextBox 16">
+              <a:extLst>
+                <a:ext uri="{FF2B5EF4-FFF2-40B4-BE49-F238E27FC236}">
+                  <a16:creationId xmlns:a16="http://schemas.microsoft.com/office/drawing/2014/main" id="{F6815467-445D-70AA-3F03-C9EF30E687BB}"/>
+                </a:ext>
+              </a:extLst>
+            </p:cNvPr>
+            <p:cNvSpPr txBox="1"/>
+            <p:nvPr/>
+          </p:nvSpPr>
+          <p:spPr>
+            <a:xfrm>
+              <a:off x="4300154" y="2739783"/>
+              <a:ext cx="341760" cy="276999"/>
+            </a:xfrm>
+            <a:prstGeom prst="rect">
+              <a:avLst/>
+            </a:prstGeom>
+            <a:noFill/>
+          </p:spPr>
+          <p:txBody>
+            <a:bodyPr wrap="none" rtlCol="0">
+              <a:spAutoFit/>
+            </a:bodyPr>
+            <a:lstStyle/>
+            <a:p>
+              <a:r>
+                <a:rPr lang="fr-FR" sz="1200" dirty="0"/>
+                <a:t>51</a:t>
+              </a:r>
+            </a:p>
+          </p:txBody>
+        </p:sp>
+        <p:pic>
+          <p:nvPicPr>
+            <p:cNvPr id="21" name="Picture 20">
+              <a:extLst>
+                <a:ext uri="{FF2B5EF4-FFF2-40B4-BE49-F238E27FC236}">
+                  <a16:creationId xmlns:a16="http://schemas.microsoft.com/office/drawing/2014/main" id="{0772AAB6-9095-EC78-666A-47E3362359C7}"/>
+                </a:ext>
+              </a:extLst>
+            </p:cNvPr>
+            <p:cNvPicPr>
+              <a:picLocks noChangeAspect="1"/>
+            </p:cNvPicPr>
+            <p:nvPr/>
+          </p:nvPicPr>
+          <p:blipFill>
+            <a:blip r:embed="rId2"/>
+            <a:stretch>
+              <a:fillRect/>
+            </a:stretch>
+          </p:blipFill>
+          <p:spPr>
+            <a:xfrm>
+              <a:off x="3959370" y="2965660"/>
+              <a:ext cx="1602950" cy="915971"/>
+            </a:xfrm>
+            <a:prstGeom prst="rect">
+              <a:avLst/>
+            </a:prstGeom>
+          </p:spPr>
+        </p:pic>
+      </p:grpSp>
+      <p:grpSp>
+        <p:nvGrpSpPr>
+          <p:cNvPr id="23" name="Group 22">
+            <a:extLst>
+              <a:ext uri="{FF2B5EF4-FFF2-40B4-BE49-F238E27FC236}">
+                <a16:creationId xmlns:a16="http://schemas.microsoft.com/office/drawing/2014/main" id="{EE2CEE5C-818F-E282-69C6-ADE47949EA49}"/>
+              </a:ext>
+            </a:extLst>
+          </p:cNvPr>
+          <p:cNvGrpSpPr/>
+          <p:nvPr/>
+        </p:nvGrpSpPr>
+        <p:grpSpPr>
+          <a:xfrm>
+            <a:off x="3962303" y="3843534"/>
+            <a:ext cx="1809537" cy="1148443"/>
+            <a:chOff x="3941924" y="3834441"/>
+            <a:chExt cx="1521075" cy="1012075"/>
+          </a:xfrm>
+        </p:grpSpPr>
+        <p:pic>
+          <p:nvPicPr>
+            <p:cNvPr id="15" name="Picture 14">
+              <a:extLst>
+                <a:ext uri="{FF2B5EF4-FFF2-40B4-BE49-F238E27FC236}">
+                  <a16:creationId xmlns:a16="http://schemas.microsoft.com/office/drawing/2014/main" id="{861CB27B-E622-F50D-519A-ECD9DC5077A8}"/>
+                </a:ext>
+              </a:extLst>
+            </p:cNvPr>
+            <p:cNvPicPr>
+              <a:picLocks noChangeAspect="1"/>
+            </p:cNvPicPr>
+            <p:nvPr/>
+          </p:nvPicPr>
+          <p:blipFill>
+            <a:blip r:embed="rId3"/>
+            <a:stretch>
+              <a:fillRect/>
+            </a:stretch>
+          </p:blipFill>
+          <p:spPr>
+            <a:xfrm>
+              <a:off x="3941924" y="3972940"/>
+              <a:ext cx="1521075" cy="873576"/>
+            </a:xfrm>
+            <a:prstGeom prst="rect">
+              <a:avLst/>
+            </a:prstGeom>
+          </p:spPr>
+        </p:pic>
+        <p:sp>
+          <p:nvSpPr>
+            <p:cNvPr id="18" name="TextBox 17">
+              <a:extLst>
+                <a:ext uri="{FF2B5EF4-FFF2-40B4-BE49-F238E27FC236}">
+                  <a16:creationId xmlns:a16="http://schemas.microsoft.com/office/drawing/2014/main" id="{6DEA7B34-7C33-2D47-8F2D-80551D67713B}"/>
+                </a:ext>
+              </a:extLst>
+            </p:cNvPr>
+            <p:cNvSpPr txBox="1"/>
+            <p:nvPr/>
+          </p:nvSpPr>
+          <p:spPr>
+            <a:xfrm>
+              <a:off x="4300154" y="3834441"/>
+              <a:ext cx="341760" cy="276999"/>
+            </a:xfrm>
+            <a:prstGeom prst="rect">
+              <a:avLst/>
+            </a:prstGeom>
+            <a:noFill/>
+          </p:spPr>
+          <p:txBody>
+            <a:bodyPr wrap="none" rtlCol="0">
+              <a:spAutoFit/>
+            </a:bodyPr>
+            <a:lstStyle/>
+            <a:p>
+              <a:r>
+                <a:rPr lang="fr-FR" sz="1200" dirty="0"/>
+                <a:t>65</a:t>
+              </a:r>
+            </a:p>
+          </p:txBody>
+        </p:sp>
+      </p:grpSp>
       <p:sp>
         <p:nvSpPr>
           <p:cNvPr id="2" name="Title 1">
@@ -10227,190 +9915,6 @@
             <a:extLst>
               <a:ext uri="{FF2B5EF4-FFF2-40B4-BE49-F238E27FC236}">
                 <a16:creationId xmlns:a16="http://schemas.microsoft.com/office/drawing/2014/main" id="{381DC43D-E7DD-8A71-3809-AA6B7AF933D3}"/>
-              </a:ext>
-            </a:extLst>
-          </p:cNvPr>
-          <p:cNvPicPr>
-            <a:picLocks noChangeAspect="1"/>
-          </p:cNvPicPr>
-          <p:nvPr/>
-        </p:nvPicPr>
-        <p:blipFill>
-          <a:blip r:embed="rId2"/>
-          <a:stretch>
-            <a:fillRect/>
-          </a:stretch>
-        </p:blipFill>
-        <p:spPr>
-          <a:xfrm>
-            <a:off x="56647" y="3672095"/>
-            <a:ext cx="2163373" cy="1213136"/>
-          </a:xfrm>
-          <a:prstGeom prst="rect">
-            <a:avLst/>
-          </a:prstGeom>
-        </p:spPr>
-      </p:pic>
-      <p:sp>
-        <p:nvSpPr>
-          <p:cNvPr id="8" name="TextBox 7">
-            <a:extLst>
-              <a:ext uri="{FF2B5EF4-FFF2-40B4-BE49-F238E27FC236}">
-                <a16:creationId xmlns:a16="http://schemas.microsoft.com/office/drawing/2014/main" id="{6A29496A-518E-C14B-98E1-EBBF24C99B98}"/>
-              </a:ext>
-            </a:extLst>
-          </p:cNvPr>
-          <p:cNvSpPr txBox="1"/>
-          <p:nvPr/>
-        </p:nvSpPr>
-        <p:spPr>
-          <a:xfrm>
-            <a:off x="836834" y="1451202"/>
-            <a:ext cx="9821663" cy="646331"/>
-          </a:xfrm>
-          <a:prstGeom prst="rect">
-            <a:avLst/>
-          </a:prstGeom>
-          <a:noFill/>
-        </p:spPr>
-        <p:txBody>
-          <a:bodyPr wrap="none" rtlCol="0">
-            <a:spAutoFit/>
-          </a:bodyPr>
-          <a:lstStyle/>
-          <a:p>
-            <a:pPr marL="285750" indent="-285750">
-              <a:buFont typeface="Arial" panose="020B0604020202020204" pitchFamily="34" charset="0"/>
-              <a:buChar char="•"/>
-            </a:pPr>
-            <a:r>
-              <a:rPr lang="fr-FR" dirty="0"/>
-              <a:t>Prioriser l’étape avec un </a:t>
-            </a:r>
-            <a:r>
-              <a:rPr lang="fr-FR" dirty="0" err="1"/>
-              <a:t>loss</a:t>
-            </a:r>
-            <a:r>
-              <a:rPr lang="fr-FR" dirty="0"/>
-              <a:t> le plus faible</a:t>
-            </a:r>
-          </a:p>
-          <a:p>
-            <a:pPr marL="285750" indent="-285750">
-              <a:buFont typeface="Arial" panose="020B0604020202020204" pitchFamily="34" charset="0"/>
-              <a:buChar char="•"/>
-            </a:pPr>
-            <a:r>
-              <a:rPr lang="fr-FR" dirty="0"/>
-              <a:t>Balayer les </a:t>
-            </a:r>
-            <a:r>
-              <a:rPr lang="fr-FR" dirty="0" err="1"/>
-              <a:t>ugas</a:t>
-            </a:r>
-            <a:r>
-              <a:rPr lang="fr-FR" dirty="0"/>
-              <a:t> et grouper avec l’</a:t>
-            </a:r>
-            <a:r>
-              <a:rPr lang="fr-FR" dirty="0" err="1"/>
-              <a:t>uga</a:t>
-            </a:r>
-            <a:r>
-              <a:rPr lang="fr-FR" dirty="0"/>
-              <a:t> voisin qui aura un </a:t>
-            </a:r>
-            <a:r>
-              <a:rPr lang="fr-FR" dirty="0" err="1"/>
-              <a:t>nbcall</a:t>
-            </a:r>
-            <a:r>
-              <a:rPr lang="fr-FR" dirty="0"/>
-              <a:t> groupé le plus proche de l’objectif fixé</a:t>
-            </a:r>
-          </a:p>
-        </p:txBody>
-      </p:sp>
-      <p:cxnSp>
-        <p:nvCxnSpPr>
-          <p:cNvPr id="10" name="Straight Arrow Connector 9">
-            <a:extLst>
-              <a:ext uri="{FF2B5EF4-FFF2-40B4-BE49-F238E27FC236}">
-                <a16:creationId xmlns:a16="http://schemas.microsoft.com/office/drawing/2014/main" id="{285B2E8B-66A0-588F-7690-40FF2E69C5E3}"/>
-              </a:ext>
-            </a:extLst>
-          </p:cNvPr>
-          <p:cNvCxnSpPr>
-            <a:cxnSpLocks/>
-            <a:stCxn id="7" idx="3"/>
-            <a:endCxn id="12" idx="1"/>
-          </p:cNvCxnSpPr>
-          <p:nvPr/>
-        </p:nvCxnSpPr>
-        <p:spPr>
-          <a:xfrm flipV="1">
-            <a:off x="2220020" y="3130220"/>
-            <a:ext cx="1719534" cy="1148443"/>
-          </a:xfrm>
-          <a:prstGeom prst="straightConnector1">
-            <a:avLst/>
-          </a:prstGeom>
-          <a:ln>
-            <a:tailEnd type="triangle"/>
-          </a:ln>
-        </p:spPr>
-        <p:style>
-          <a:lnRef idx="1">
-            <a:schemeClr val="accent1"/>
-          </a:lnRef>
-          <a:fillRef idx="0">
-            <a:schemeClr val="accent1"/>
-          </a:fillRef>
-          <a:effectRef idx="0">
-            <a:schemeClr val="accent1"/>
-          </a:effectRef>
-          <a:fontRef idx="minor">
-            <a:schemeClr val="tx1"/>
-          </a:fontRef>
-        </p:style>
-      </p:cxnSp>
-      <p:pic>
-        <p:nvPicPr>
-          <p:cNvPr id="12" name="Picture 11">
-            <a:extLst>
-              <a:ext uri="{FF2B5EF4-FFF2-40B4-BE49-F238E27FC236}">
-                <a16:creationId xmlns:a16="http://schemas.microsoft.com/office/drawing/2014/main" id="{CF9C14FB-7918-C730-F736-DAC661F343DD}"/>
-              </a:ext>
-            </a:extLst>
-          </p:cNvPr>
-          <p:cNvPicPr>
-            <a:picLocks noChangeAspect="1"/>
-          </p:cNvPicPr>
-          <p:nvPr/>
-        </p:nvPicPr>
-        <p:blipFill>
-          <a:blip r:embed="rId3"/>
-          <a:stretch>
-            <a:fillRect/>
-          </a:stretch>
-        </p:blipFill>
-        <p:spPr>
-          <a:xfrm>
-            <a:off x="3939554" y="2672224"/>
-            <a:ext cx="1732842" cy="915992"/>
-          </a:xfrm>
-          <a:prstGeom prst="rect">
-            <a:avLst/>
-          </a:prstGeom>
-        </p:spPr>
-      </p:pic>
-      <p:pic>
-        <p:nvPicPr>
-          <p:cNvPr id="18" name="Picture 17">
-            <a:extLst>
-              <a:ext uri="{FF2B5EF4-FFF2-40B4-BE49-F238E27FC236}">
-                <a16:creationId xmlns:a16="http://schemas.microsoft.com/office/drawing/2014/main" id="{7FE5C3E0-2629-31D9-EB5C-6BFBE01A6C54}"/>
               </a:ext>
             </a:extLst>
           </p:cNvPr>
@@ -10427,38 +9931,8 @@
         </p:blipFill>
         <p:spPr>
           <a:xfrm>
-            <a:off x="3866308" y="4430323"/>
-            <a:ext cx="1849506" cy="1026251"/>
-          </a:xfrm>
-          <a:prstGeom prst="rect">
-            <a:avLst/>
-          </a:prstGeom>
-        </p:spPr>
-      </p:pic>
-      <p:pic>
-        <p:nvPicPr>
-          <p:cNvPr id="20" name="Picture 19">
-            <a:extLst>
-              <a:ext uri="{FF2B5EF4-FFF2-40B4-BE49-F238E27FC236}">
-                <a16:creationId xmlns:a16="http://schemas.microsoft.com/office/drawing/2014/main" id="{7AA59553-47E8-C41A-2221-53CC9F5B90D7}"/>
-              </a:ext>
-            </a:extLst>
-          </p:cNvPr>
-          <p:cNvPicPr>
-            <a:picLocks noChangeAspect="1"/>
-          </p:cNvPicPr>
-          <p:nvPr/>
-        </p:nvPicPr>
-        <p:blipFill>
-          <a:blip r:embed="rId5"/>
-          <a:stretch>
-            <a:fillRect/>
-          </a:stretch>
-        </p:blipFill>
-        <p:spPr>
-          <a:xfrm>
-            <a:off x="3939554" y="5367059"/>
-            <a:ext cx="1849506" cy="993500"/>
+            <a:off x="56647" y="3672095"/>
+            <a:ext cx="2163373" cy="1213136"/>
           </a:xfrm>
           <a:prstGeom prst="rect">
             <a:avLst/>
@@ -10467,24 +9941,24 @@
       </p:pic>
       <p:cxnSp>
         <p:nvCxnSpPr>
-          <p:cNvPr id="25" name="Straight Arrow Connector 24">
-            <a:extLst>
-              <a:ext uri="{FF2B5EF4-FFF2-40B4-BE49-F238E27FC236}">
-                <a16:creationId xmlns:a16="http://schemas.microsoft.com/office/drawing/2014/main" id="{D1176A85-D4D6-68C9-6233-74FA23B29F14}"/>
+          <p:cNvPr id="10" name="Straight Arrow Connector 9">
+            <a:extLst>
+              <a:ext uri="{FF2B5EF4-FFF2-40B4-BE49-F238E27FC236}">
+                <a16:creationId xmlns:a16="http://schemas.microsoft.com/office/drawing/2014/main" id="{285B2E8B-66A0-588F-7690-40FF2E69C5E3}"/>
               </a:ext>
             </a:extLst>
           </p:cNvPr>
           <p:cNvCxnSpPr>
             <a:cxnSpLocks/>
             <a:stCxn id="7" idx="3"/>
-            <a:endCxn id="16" idx="1"/>
+            <a:endCxn id="21" idx="1"/>
           </p:cNvCxnSpPr>
           <p:nvPr/>
         </p:nvCxnSpPr>
         <p:spPr>
           <a:xfrm flipV="1">
-            <a:off x="2220020" y="4009270"/>
-            <a:ext cx="1660540" cy="269393"/>
+            <a:off x="2220020" y="3025186"/>
+            <a:ext cx="1645308" cy="1253477"/>
           </a:xfrm>
           <a:prstGeom prst="straightConnector1">
             <a:avLst/>
@@ -10510,24 +9984,24 @@
       </p:cxnSp>
       <p:cxnSp>
         <p:nvCxnSpPr>
-          <p:cNvPr id="28" name="Straight Arrow Connector 27">
-            <a:extLst>
-              <a:ext uri="{FF2B5EF4-FFF2-40B4-BE49-F238E27FC236}">
-                <a16:creationId xmlns:a16="http://schemas.microsoft.com/office/drawing/2014/main" id="{77FF67D4-822B-F269-EC6F-1765CC9D89B5}"/>
+          <p:cNvPr id="25" name="Straight Arrow Connector 24">
+            <a:extLst>
+              <a:ext uri="{FF2B5EF4-FFF2-40B4-BE49-F238E27FC236}">
+                <a16:creationId xmlns:a16="http://schemas.microsoft.com/office/drawing/2014/main" id="{D1176A85-D4D6-68C9-6233-74FA23B29F14}"/>
               </a:ext>
             </a:extLst>
           </p:cNvPr>
           <p:cNvCxnSpPr>
             <a:cxnSpLocks/>
             <a:stCxn id="7" idx="3"/>
-            <a:endCxn id="18" idx="1"/>
+            <a:endCxn id="15" idx="1"/>
           </p:cNvCxnSpPr>
           <p:nvPr/>
         </p:nvCxnSpPr>
         <p:spPr>
           <a:xfrm>
             <a:off x="2220020" y="4278663"/>
-            <a:ext cx="1646288" cy="664786"/>
+            <a:ext cx="1742283" cy="217673"/>
           </a:xfrm>
           <a:prstGeom prst="straightConnector1">
             <a:avLst/>
@@ -10563,14 +10037,14 @@
           <p:cNvCxnSpPr>
             <a:cxnSpLocks/>
             <a:stCxn id="7" idx="3"/>
-            <a:endCxn id="20" idx="1"/>
+            <a:endCxn id="14" idx="1"/>
           </p:cNvCxnSpPr>
           <p:nvPr/>
         </p:nvCxnSpPr>
         <p:spPr>
           <a:xfrm>
             <a:off x="2220020" y="4278663"/>
-            <a:ext cx="1719534" cy="1585146"/>
+            <a:ext cx="1760640" cy="1510435"/>
           </a:xfrm>
           <a:prstGeom prst="straightConnector1">
             <a:avLst/>
@@ -10594,56 +10068,634 @@
           </a:fontRef>
         </p:style>
       </p:cxnSp>
-      <p:sp>
-        <p:nvSpPr>
-          <p:cNvPr id="52" name="Right Brace 51">
-            <a:extLst>
-              <a:ext uri="{FF2B5EF4-FFF2-40B4-BE49-F238E27FC236}">
-                <a16:creationId xmlns:a16="http://schemas.microsoft.com/office/drawing/2014/main" id="{38D82A41-2804-5D4B-6772-264C4A0D9E40}"/>
-              </a:ext>
-            </a:extLst>
-          </p:cNvPr>
-          <p:cNvSpPr/>
-          <p:nvPr/>
-        </p:nvSpPr>
-        <p:spPr>
-          <a:xfrm>
-            <a:off x="5608594" y="3629052"/>
-            <a:ext cx="278145" cy="1696053"/>
-          </a:xfrm>
-          <a:prstGeom prst="rightBrace">
-            <a:avLst/>
-          </a:prstGeom>
+      <p:cxnSp>
+        <p:nvCxnSpPr>
+          <p:cNvPr id="44" name="Straight Arrow Connector 43">
+            <a:extLst>
+              <a:ext uri="{FF2B5EF4-FFF2-40B4-BE49-F238E27FC236}">
+                <a16:creationId xmlns:a16="http://schemas.microsoft.com/office/drawing/2014/main" id="{B09310E0-C61D-212C-84ED-DF7098E79295}"/>
+              </a:ext>
+            </a:extLst>
+          </p:cNvPr>
+          <p:cNvCxnSpPr>
+            <a:cxnSpLocks/>
+            <a:stCxn id="21" idx="3"/>
+          </p:cNvCxnSpPr>
+          <p:nvPr/>
+        </p:nvCxnSpPr>
+        <p:spPr>
+          <a:xfrm flipV="1">
+            <a:off x="5868814" y="2674215"/>
+            <a:ext cx="1271700" cy="350971"/>
+          </a:xfrm>
+          <a:prstGeom prst="straightConnector1">
+            <a:avLst/>
+          </a:prstGeom>
+          <a:ln>
+            <a:tailEnd type="triangle"/>
+          </a:ln>
         </p:spPr>
         <p:style>
           <a:lnRef idx="1">
-            <a:schemeClr val="dk1"/>
+            <a:schemeClr val="accent1"/>
           </a:lnRef>
           <a:fillRef idx="0">
-            <a:schemeClr val="dk1"/>
+            <a:schemeClr val="accent1"/>
           </a:fillRef>
           <a:effectRef idx="0">
-            <a:schemeClr val="dk1"/>
+            <a:schemeClr val="accent1"/>
           </a:effectRef>
           <a:fontRef idx="minor">
             <a:schemeClr val="tx1"/>
           </a:fontRef>
         </p:style>
-        <p:txBody>
-          <a:bodyPr rtlCol="0" anchor="ctr"/>
-          <a:lstStyle/>
-          <a:p>
-            <a:pPr algn="ctr"/>
-            <a:endParaRPr lang="fr-FR"/>
-          </a:p>
-        </p:txBody>
-      </p:sp>
+      </p:cxnSp>
+      <p:cxnSp>
+        <p:nvCxnSpPr>
+          <p:cNvPr id="70" name="Straight Arrow Connector 69">
+            <a:extLst>
+              <a:ext uri="{FF2B5EF4-FFF2-40B4-BE49-F238E27FC236}">
+                <a16:creationId xmlns:a16="http://schemas.microsoft.com/office/drawing/2014/main" id="{6FCF1BDE-AA9D-5920-A526-738FD55FCAD0}"/>
+              </a:ext>
+            </a:extLst>
+          </p:cNvPr>
+          <p:cNvCxnSpPr>
+            <a:cxnSpLocks/>
+            <a:stCxn id="14" idx="3"/>
+          </p:cNvCxnSpPr>
+          <p:nvPr/>
+        </p:nvCxnSpPr>
+        <p:spPr>
+          <a:xfrm flipV="1">
+            <a:off x="5753482" y="5115625"/>
+            <a:ext cx="1380508" cy="673473"/>
+          </a:xfrm>
+          <a:prstGeom prst="straightConnector1">
+            <a:avLst/>
+          </a:prstGeom>
+          <a:ln>
+            <a:tailEnd type="triangle"/>
+          </a:ln>
+        </p:spPr>
+        <p:style>
+          <a:lnRef idx="1">
+            <a:schemeClr val="accent1"/>
+          </a:lnRef>
+          <a:fillRef idx="0">
+            <a:schemeClr val="accent1"/>
+          </a:fillRef>
+          <a:effectRef idx="0">
+            <a:schemeClr val="accent1"/>
+          </a:effectRef>
+          <a:fontRef idx="minor">
+            <a:schemeClr val="tx1"/>
+          </a:fontRef>
+        </p:style>
+      </p:cxnSp>
+      <p:cxnSp>
+        <p:nvCxnSpPr>
+          <p:cNvPr id="80" name="Straight Arrow Connector 79">
+            <a:extLst>
+              <a:ext uri="{FF2B5EF4-FFF2-40B4-BE49-F238E27FC236}">
+                <a16:creationId xmlns:a16="http://schemas.microsoft.com/office/drawing/2014/main" id="{4D97B21D-A33A-DF1A-4462-76718EE1E21B}"/>
+              </a:ext>
+            </a:extLst>
+          </p:cNvPr>
+          <p:cNvCxnSpPr>
+            <a:cxnSpLocks/>
+            <a:stCxn id="14" idx="3"/>
+          </p:cNvCxnSpPr>
+          <p:nvPr/>
+        </p:nvCxnSpPr>
+        <p:spPr>
+          <a:xfrm>
+            <a:off x="5753482" y="5789098"/>
+            <a:ext cx="1453754" cy="470482"/>
+          </a:xfrm>
+          <a:prstGeom prst="straightConnector1">
+            <a:avLst/>
+          </a:prstGeom>
+          <a:ln>
+            <a:tailEnd type="triangle"/>
+          </a:ln>
+        </p:spPr>
+        <p:style>
+          <a:lnRef idx="1">
+            <a:schemeClr val="accent1"/>
+          </a:lnRef>
+          <a:fillRef idx="0">
+            <a:schemeClr val="accent1"/>
+          </a:fillRef>
+          <a:effectRef idx="0">
+            <a:schemeClr val="accent1"/>
+          </a:effectRef>
+          <a:fontRef idx="minor">
+            <a:schemeClr val="tx1"/>
+          </a:fontRef>
+        </p:style>
+      </p:cxnSp>
+      <p:sp>
+        <p:nvSpPr>
+          <p:cNvPr id="87" name="TextBox 86">
+            <a:extLst>
+              <a:ext uri="{FF2B5EF4-FFF2-40B4-BE49-F238E27FC236}">
+                <a16:creationId xmlns:a16="http://schemas.microsoft.com/office/drawing/2014/main" id="{434855C8-719F-7532-0CCC-E206241DF471}"/>
+              </a:ext>
+            </a:extLst>
+          </p:cNvPr>
+          <p:cNvSpPr txBox="1"/>
+          <p:nvPr/>
+        </p:nvSpPr>
+        <p:spPr>
+          <a:xfrm>
+            <a:off x="2311174" y="3672095"/>
+            <a:ext cx="301686" cy="369332"/>
+          </a:xfrm>
+          <a:prstGeom prst="rect">
+            <a:avLst/>
+          </a:prstGeom>
+          <a:noFill/>
+        </p:spPr>
+        <p:txBody>
+          <a:bodyPr wrap="none" rtlCol="0">
+            <a:spAutoFit/>
+          </a:bodyPr>
+          <a:lstStyle/>
+          <a:p>
+            <a:r>
+              <a:rPr lang="fr-FR" dirty="0"/>
+              <a:t>1</a:t>
+            </a:r>
+          </a:p>
+        </p:txBody>
+      </p:sp>
+      <p:sp>
+        <p:nvSpPr>
+          <p:cNvPr id="88" name="TextBox 87">
+            <a:extLst>
+              <a:ext uri="{FF2B5EF4-FFF2-40B4-BE49-F238E27FC236}">
+                <a16:creationId xmlns:a16="http://schemas.microsoft.com/office/drawing/2014/main" id="{D56AB6F2-BF5F-D35D-5961-9D05D4DD954B}"/>
+              </a:ext>
+            </a:extLst>
+          </p:cNvPr>
+          <p:cNvSpPr txBox="1"/>
+          <p:nvPr/>
+        </p:nvSpPr>
+        <p:spPr>
+          <a:xfrm>
+            <a:off x="5751461" y="2518821"/>
+            <a:ext cx="301686" cy="369332"/>
+          </a:xfrm>
+          <a:prstGeom prst="rect">
+            <a:avLst/>
+          </a:prstGeom>
+          <a:noFill/>
+        </p:spPr>
+        <p:txBody>
+          <a:bodyPr wrap="none" rtlCol="0">
+            <a:spAutoFit/>
+          </a:bodyPr>
+          <a:lstStyle/>
+          <a:p>
+            <a:r>
+              <a:rPr lang="fr-FR" dirty="0"/>
+              <a:t>2</a:t>
+            </a:r>
+          </a:p>
+        </p:txBody>
+      </p:sp>
+      <p:sp>
+        <p:nvSpPr>
+          <p:cNvPr id="89" name="TextBox 88">
+            <a:extLst>
+              <a:ext uri="{FF2B5EF4-FFF2-40B4-BE49-F238E27FC236}">
+                <a16:creationId xmlns:a16="http://schemas.microsoft.com/office/drawing/2014/main" id="{0F40D329-B8F2-D1FF-125C-77B17B520018}"/>
+              </a:ext>
+            </a:extLst>
+          </p:cNvPr>
+          <p:cNvSpPr txBox="1"/>
+          <p:nvPr/>
+        </p:nvSpPr>
+        <p:spPr>
+          <a:xfrm>
+            <a:off x="5773585" y="5326388"/>
+            <a:ext cx="301686" cy="369332"/>
+          </a:xfrm>
+          <a:prstGeom prst="rect">
+            <a:avLst/>
+          </a:prstGeom>
+          <a:noFill/>
+        </p:spPr>
+        <p:txBody>
+          <a:bodyPr wrap="none" rtlCol="0">
+            <a:spAutoFit/>
+          </a:bodyPr>
+          <a:lstStyle/>
+          <a:p>
+            <a:r>
+              <a:rPr lang="fr-FR" dirty="0"/>
+              <a:t>3</a:t>
+            </a:r>
+          </a:p>
+        </p:txBody>
+      </p:sp>
+      <p:cxnSp>
+        <p:nvCxnSpPr>
+          <p:cNvPr id="4" name="Straight Arrow Connector 3">
+            <a:extLst>
+              <a:ext uri="{FF2B5EF4-FFF2-40B4-BE49-F238E27FC236}">
+                <a16:creationId xmlns:a16="http://schemas.microsoft.com/office/drawing/2014/main" id="{8C498763-44BF-B24B-A6AE-1A4A6F0EE441}"/>
+              </a:ext>
+            </a:extLst>
+          </p:cNvPr>
+          <p:cNvCxnSpPr>
+            <a:cxnSpLocks/>
+            <a:stCxn id="15" idx="3"/>
+          </p:cNvCxnSpPr>
+          <p:nvPr/>
+        </p:nvCxnSpPr>
+        <p:spPr>
+          <a:xfrm flipV="1">
+            <a:off x="5771840" y="2674215"/>
+            <a:ext cx="1368674" cy="1822121"/>
+          </a:xfrm>
+          <a:prstGeom prst="straightConnector1">
+            <a:avLst/>
+          </a:prstGeom>
+          <a:ln>
+            <a:tailEnd type="triangle"/>
+          </a:ln>
+        </p:spPr>
+        <p:style>
+          <a:lnRef idx="1">
+            <a:schemeClr val="accent1"/>
+          </a:lnRef>
+          <a:fillRef idx="0">
+            <a:schemeClr val="accent1"/>
+          </a:fillRef>
+          <a:effectRef idx="0">
+            <a:schemeClr val="accent1"/>
+          </a:effectRef>
+          <a:fontRef idx="minor">
+            <a:schemeClr val="tx1"/>
+          </a:fontRef>
+        </p:style>
+      </p:cxnSp>
+      <p:sp>
+        <p:nvSpPr>
+          <p:cNvPr id="5" name="TextBox 4">
+            <a:extLst>
+              <a:ext uri="{FF2B5EF4-FFF2-40B4-BE49-F238E27FC236}">
+                <a16:creationId xmlns:a16="http://schemas.microsoft.com/office/drawing/2014/main" id="{2DEF5826-5B95-6DBA-0204-B6A161E014F5}"/>
+              </a:ext>
+            </a:extLst>
+          </p:cNvPr>
+          <p:cNvSpPr txBox="1"/>
+          <p:nvPr/>
+        </p:nvSpPr>
+        <p:spPr>
+          <a:xfrm>
+            <a:off x="5562320" y="4772296"/>
+            <a:ext cx="306494" cy="246221"/>
+          </a:xfrm>
+          <a:prstGeom prst="rect">
+            <a:avLst/>
+          </a:prstGeom>
+          <a:noFill/>
+        </p:spPr>
+        <p:txBody>
+          <a:bodyPr wrap="none" rtlCol="0">
+            <a:spAutoFit/>
+          </a:bodyPr>
+          <a:lstStyle/>
+          <a:p>
+            <a:r>
+              <a:rPr lang="fr-FR" sz="1000" dirty="0"/>
+              <a:t>x2</a:t>
+            </a:r>
+          </a:p>
+        </p:txBody>
+      </p:sp>
+      <p:cxnSp>
+        <p:nvCxnSpPr>
+          <p:cNvPr id="13" name="Straight Arrow Connector 12">
+            <a:extLst>
+              <a:ext uri="{FF2B5EF4-FFF2-40B4-BE49-F238E27FC236}">
+                <a16:creationId xmlns:a16="http://schemas.microsoft.com/office/drawing/2014/main" id="{7AF51646-06C9-CDFA-4710-1CA084128B29}"/>
+              </a:ext>
+            </a:extLst>
+          </p:cNvPr>
+          <p:cNvCxnSpPr>
+            <a:cxnSpLocks/>
+            <a:stCxn id="15" idx="3"/>
+          </p:cNvCxnSpPr>
+          <p:nvPr/>
+        </p:nvCxnSpPr>
+        <p:spPr>
+          <a:xfrm>
+            <a:off x="5771840" y="4496336"/>
+            <a:ext cx="1362150" cy="619289"/>
+          </a:xfrm>
+          <a:prstGeom prst="straightConnector1">
+            <a:avLst/>
+          </a:prstGeom>
+          <a:ln>
+            <a:tailEnd type="triangle"/>
+          </a:ln>
+        </p:spPr>
+        <p:style>
+          <a:lnRef idx="1">
+            <a:schemeClr val="accent1"/>
+          </a:lnRef>
+          <a:fillRef idx="0">
+            <a:schemeClr val="accent1"/>
+          </a:fillRef>
+          <a:effectRef idx="0">
+            <a:schemeClr val="accent1"/>
+          </a:effectRef>
+          <a:fontRef idx="minor">
+            <a:schemeClr val="tx1"/>
+          </a:fontRef>
+        </p:style>
+      </p:cxnSp>
+      <p:sp>
+        <p:nvSpPr>
+          <p:cNvPr id="26" name="TextBox 25">
+            <a:extLst>
+              <a:ext uri="{FF2B5EF4-FFF2-40B4-BE49-F238E27FC236}">
+                <a16:creationId xmlns:a16="http://schemas.microsoft.com/office/drawing/2014/main" id="{025800BC-2D46-6CBE-5356-C51F38DE7BAD}"/>
+              </a:ext>
+            </a:extLst>
+          </p:cNvPr>
+          <p:cNvSpPr txBox="1"/>
+          <p:nvPr/>
+        </p:nvSpPr>
+        <p:spPr>
+          <a:xfrm>
+            <a:off x="5751461" y="3774760"/>
+            <a:ext cx="301686" cy="369332"/>
+          </a:xfrm>
+          <a:prstGeom prst="rect">
+            <a:avLst/>
+          </a:prstGeom>
+          <a:noFill/>
+        </p:spPr>
+        <p:txBody>
+          <a:bodyPr wrap="none" rtlCol="0">
+            <a:spAutoFit/>
+          </a:bodyPr>
+          <a:lstStyle/>
+          <a:p>
+            <a:r>
+              <a:rPr lang="fr-FR" dirty="0"/>
+              <a:t>4</a:t>
+            </a:r>
+          </a:p>
+        </p:txBody>
+      </p:sp>
+      <p:sp>
+        <p:nvSpPr>
+          <p:cNvPr id="27" name="TextBox 26">
+            <a:extLst>
+              <a:ext uri="{FF2B5EF4-FFF2-40B4-BE49-F238E27FC236}">
+                <a16:creationId xmlns:a16="http://schemas.microsoft.com/office/drawing/2014/main" id="{E6AC738F-6750-35BF-61A2-4B67612DD457}"/>
+              </a:ext>
+            </a:extLst>
+          </p:cNvPr>
+          <p:cNvSpPr txBox="1"/>
+          <p:nvPr/>
+        </p:nvSpPr>
+        <p:spPr>
+          <a:xfrm>
+            <a:off x="9022340" y="5232446"/>
+            <a:ext cx="306494" cy="246221"/>
+          </a:xfrm>
+          <a:prstGeom prst="rect">
+            <a:avLst/>
+          </a:prstGeom>
+          <a:noFill/>
+        </p:spPr>
+        <p:txBody>
+          <a:bodyPr wrap="none" rtlCol="0">
+            <a:spAutoFit/>
+          </a:bodyPr>
+          <a:lstStyle/>
+          <a:p>
+            <a:r>
+              <a:rPr lang="fr-FR" sz="1000" dirty="0"/>
+              <a:t>x2</a:t>
+            </a:r>
+          </a:p>
+        </p:txBody>
+      </p:sp>
+      <p:sp>
+        <p:nvSpPr>
+          <p:cNvPr id="29" name="TextBox 28">
+            <a:extLst>
+              <a:ext uri="{FF2B5EF4-FFF2-40B4-BE49-F238E27FC236}">
+                <a16:creationId xmlns:a16="http://schemas.microsoft.com/office/drawing/2014/main" id="{0480E227-30B8-3ADB-9998-6C1EE9BEABFD}"/>
+              </a:ext>
+            </a:extLst>
+          </p:cNvPr>
+          <p:cNvSpPr txBox="1"/>
+          <p:nvPr/>
+        </p:nvSpPr>
+        <p:spPr>
+          <a:xfrm>
+            <a:off x="8941048" y="2739783"/>
+            <a:ext cx="306494" cy="246221"/>
+          </a:xfrm>
+          <a:prstGeom prst="rect">
+            <a:avLst/>
+          </a:prstGeom>
+          <a:noFill/>
+        </p:spPr>
+        <p:txBody>
+          <a:bodyPr wrap="none" rtlCol="0">
+            <a:spAutoFit/>
+          </a:bodyPr>
+          <a:lstStyle/>
+          <a:p>
+            <a:r>
+              <a:rPr lang="fr-FR" sz="1000" dirty="0"/>
+              <a:t>x2</a:t>
+            </a:r>
+          </a:p>
+        </p:txBody>
+      </p:sp>
+      <p:sp>
+        <p:nvSpPr>
+          <p:cNvPr id="32" name="TextBox 31">
+            <a:extLst>
+              <a:ext uri="{FF2B5EF4-FFF2-40B4-BE49-F238E27FC236}">
+                <a16:creationId xmlns:a16="http://schemas.microsoft.com/office/drawing/2014/main" id="{BB4BCEAF-6543-70CB-E867-2312C42332FC}"/>
+              </a:ext>
+            </a:extLst>
+          </p:cNvPr>
+          <p:cNvSpPr txBox="1"/>
+          <p:nvPr/>
+        </p:nvSpPr>
+        <p:spPr>
+          <a:xfrm>
+            <a:off x="836834" y="1451202"/>
+            <a:ext cx="9821663" cy="646331"/>
+          </a:xfrm>
+          <a:prstGeom prst="rect">
+            <a:avLst/>
+          </a:prstGeom>
+          <a:noFill/>
+        </p:spPr>
+        <p:txBody>
+          <a:bodyPr wrap="none" rtlCol="0">
+            <a:spAutoFit/>
+          </a:bodyPr>
+          <a:lstStyle/>
+          <a:p>
+            <a:pPr marL="285750" indent="-285750">
+              <a:buFont typeface="Arial" panose="020B0604020202020204" pitchFamily="34" charset="0"/>
+              <a:buChar char="•"/>
+            </a:pPr>
+            <a:r>
+              <a:rPr lang="fr-FR" dirty="0"/>
+              <a:t>Prioriser l’étape avec un </a:t>
+            </a:r>
+            <a:r>
+              <a:rPr lang="fr-FR" dirty="0" err="1"/>
+              <a:t>loss</a:t>
+            </a:r>
+            <a:r>
+              <a:rPr lang="fr-FR" dirty="0"/>
+              <a:t> le plus faible</a:t>
+            </a:r>
+          </a:p>
+          <a:p>
+            <a:pPr marL="285750" indent="-285750">
+              <a:buFont typeface="Arial" panose="020B0604020202020204" pitchFamily="34" charset="0"/>
+              <a:buChar char="•"/>
+            </a:pPr>
+            <a:r>
+              <a:rPr lang="fr-FR" dirty="0"/>
+              <a:t>Balayer les </a:t>
+            </a:r>
+            <a:r>
+              <a:rPr lang="fr-FR" dirty="0" err="1"/>
+              <a:t>ugas</a:t>
+            </a:r>
+            <a:r>
+              <a:rPr lang="fr-FR" dirty="0"/>
+              <a:t> et grouper avec l’</a:t>
+            </a:r>
+            <a:r>
+              <a:rPr lang="fr-FR" dirty="0" err="1"/>
+              <a:t>uga</a:t>
+            </a:r>
+            <a:r>
+              <a:rPr lang="fr-FR" dirty="0"/>
+              <a:t> voisin qui aura un </a:t>
+            </a:r>
+            <a:r>
+              <a:rPr lang="fr-FR" dirty="0" err="1"/>
+              <a:t>nbcall</a:t>
+            </a:r>
+            <a:r>
+              <a:rPr lang="fr-FR" dirty="0"/>
+              <a:t> groupé le plus proche de l’objectif fixé</a:t>
+            </a:r>
+          </a:p>
+        </p:txBody>
+      </p:sp>
+      <p:grpSp>
+        <p:nvGrpSpPr>
+          <p:cNvPr id="22" name="Group 21">
+            <a:extLst>
+              <a:ext uri="{FF2B5EF4-FFF2-40B4-BE49-F238E27FC236}">
+                <a16:creationId xmlns:a16="http://schemas.microsoft.com/office/drawing/2014/main" id="{5ED2AE78-2AD7-1751-F900-75F427EDF49B}"/>
+              </a:ext>
+            </a:extLst>
+          </p:cNvPr>
+          <p:cNvGrpSpPr/>
+          <p:nvPr/>
+        </p:nvGrpSpPr>
+        <p:grpSpPr>
+          <a:xfrm>
+            <a:off x="3980660" y="5232446"/>
+            <a:ext cx="1772822" cy="1048541"/>
+            <a:chOff x="3959370" y="5222902"/>
+            <a:chExt cx="1772822" cy="1048541"/>
+          </a:xfrm>
+        </p:grpSpPr>
+        <p:pic>
+          <p:nvPicPr>
+            <p:cNvPr id="14" name="Picture 13">
+              <a:extLst>
+                <a:ext uri="{FF2B5EF4-FFF2-40B4-BE49-F238E27FC236}">
+                  <a16:creationId xmlns:a16="http://schemas.microsoft.com/office/drawing/2014/main" id="{0B9AC5AF-3928-DA24-998C-7565B153A9B5}"/>
+                </a:ext>
+              </a:extLst>
+            </p:cNvPr>
+            <p:cNvPicPr>
+              <a:picLocks noChangeAspect="1"/>
+            </p:cNvPicPr>
+            <p:nvPr/>
+          </p:nvPicPr>
+          <p:blipFill>
+            <a:blip r:embed="rId5"/>
+            <a:stretch>
+              <a:fillRect/>
+            </a:stretch>
+          </p:blipFill>
+          <p:spPr>
+            <a:xfrm>
+              <a:off x="3959370" y="5287665"/>
+              <a:ext cx="1772822" cy="983778"/>
+            </a:xfrm>
+            <a:prstGeom prst="rect">
+              <a:avLst/>
+            </a:prstGeom>
+          </p:spPr>
+        </p:pic>
+        <p:sp>
+          <p:nvSpPr>
+            <p:cNvPr id="19" name="TextBox 18">
+              <a:extLst>
+                <a:ext uri="{FF2B5EF4-FFF2-40B4-BE49-F238E27FC236}">
+                  <a16:creationId xmlns:a16="http://schemas.microsoft.com/office/drawing/2014/main" id="{5448FBB9-88A8-B0D6-83D4-B9E84C2DF776}"/>
+                </a:ext>
+              </a:extLst>
+            </p:cNvPr>
+            <p:cNvSpPr txBox="1"/>
+            <p:nvPr/>
+          </p:nvSpPr>
+          <p:spPr>
+            <a:xfrm>
+              <a:off x="4300154" y="5222902"/>
+              <a:ext cx="377978" cy="276999"/>
+            </a:xfrm>
+            <a:prstGeom prst="rect">
+              <a:avLst/>
+            </a:prstGeom>
+            <a:noFill/>
+          </p:spPr>
+          <p:txBody>
+            <a:bodyPr wrap="square" rtlCol="0">
+              <a:spAutoFit/>
+            </a:bodyPr>
+            <a:lstStyle/>
+            <a:p>
+              <a:r>
+                <a:rPr lang="fr-FR" sz="1200" dirty="0"/>
+                <a:t>59</a:t>
+              </a:r>
+            </a:p>
+          </p:txBody>
+        </p:sp>
+      </p:grpSp>
       <p:pic>
         <p:nvPicPr>
-          <p:cNvPr id="16" name="Picture 15">
-            <a:extLst>
-              <a:ext uri="{FF2B5EF4-FFF2-40B4-BE49-F238E27FC236}">
-                <a16:creationId xmlns:a16="http://schemas.microsoft.com/office/drawing/2014/main" id="{A40FB0C3-6424-1DE0-6AC8-7CE71FEF0879}"/>
+          <p:cNvPr id="3" name="Picture 2">
+            <a:extLst>
+              <a:ext uri="{FF2B5EF4-FFF2-40B4-BE49-F238E27FC236}">
+                <a16:creationId xmlns:a16="http://schemas.microsoft.com/office/drawing/2014/main" id="{3657749F-82C1-229B-341E-D80C57B2553C}"/>
               </a:ext>
             </a:extLst>
           </p:cNvPr>
@@ -10660,20 +10712,80 @@
         </p:blipFill>
         <p:spPr>
           <a:xfrm>
-            <a:off x="3880560" y="3551274"/>
-            <a:ext cx="1821001" cy="915992"/>
+            <a:off x="7196615" y="4557981"/>
+            <a:ext cx="1699108" cy="1092456"/>
           </a:xfrm>
           <a:prstGeom prst="rect">
             <a:avLst/>
           </a:prstGeom>
         </p:spPr>
       </p:pic>
-      <p:sp>
-        <p:nvSpPr>
-          <p:cNvPr id="87" name="TextBox 86">
-            <a:extLst>
-              <a:ext uri="{FF2B5EF4-FFF2-40B4-BE49-F238E27FC236}">
-                <a16:creationId xmlns:a16="http://schemas.microsoft.com/office/drawing/2014/main" id="{434855C8-719F-7532-0CCC-E206241DF471}"/>
+      <p:pic>
+        <p:nvPicPr>
+          <p:cNvPr id="8" name="Picture 7">
+            <a:extLst>
+              <a:ext uri="{FF2B5EF4-FFF2-40B4-BE49-F238E27FC236}">
+                <a16:creationId xmlns:a16="http://schemas.microsoft.com/office/drawing/2014/main" id="{AD32F619-7313-0174-3414-68337128526A}"/>
+              </a:ext>
+            </a:extLst>
+          </p:cNvPr>
+          <p:cNvPicPr>
+            <a:picLocks noChangeAspect="1"/>
+          </p:cNvPicPr>
+          <p:nvPr/>
+        </p:nvPicPr>
+        <p:blipFill>
+          <a:blip r:embed="rId7"/>
+          <a:stretch>
+            <a:fillRect/>
+          </a:stretch>
+        </p:blipFill>
+        <p:spPr>
+          <a:xfrm>
+            <a:off x="7304058" y="5695720"/>
+            <a:ext cx="1655323" cy="1006678"/>
+          </a:xfrm>
+          <a:prstGeom prst="rect">
+            <a:avLst/>
+          </a:prstGeom>
+        </p:spPr>
+      </p:pic>
+      <p:pic>
+        <p:nvPicPr>
+          <p:cNvPr id="9" name="Picture 8">
+            <a:extLst>
+              <a:ext uri="{FF2B5EF4-FFF2-40B4-BE49-F238E27FC236}">
+                <a16:creationId xmlns:a16="http://schemas.microsoft.com/office/drawing/2014/main" id="{B0F0F927-CDB9-8C41-06E8-61D28AB72497}"/>
+              </a:ext>
+            </a:extLst>
+          </p:cNvPr>
+          <p:cNvPicPr>
+            <a:picLocks noChangeAspect="1"/>
+          </p:cNvPicPr>
+          <p:nvPr/>
+        </p:nvPicPr>
+        <p:blipFill>
+          <a:blip r:embed="rId8"/>
+          <a:stretch>
+            <a:fillRect/>
+          </a:stretch>
+        </p:blipFill>
+        <p:spPr>
+          <a:xfrm>
+            <a:off x="7299159" y="2173678"/>
+            <a:ext cx="1509958" cy="928376"/>
+          </a:xfrm>
+          <a:prstGeom prst="rect">
+            <a:avLst/>
+          </a:prstGeom>
+        </p:spPr>
+      </p:pic>
+      <p:sp>
+        <p:nvSpPr>
+          <p:cNvPr id="16" name="TextBox 15">
+            <a:extLst>
+              <a:ext uri="{FF2B5EF4-FFF2-40B4-BE49-F238E27FC236}">
+                <a16:creationId xmlns:a16="http://schemas.microsoft.com/office/drawing/2014/main" id="{CD5B310F-BBDA-6687-67E6-6F1579BE8B09}"/>
               </a:ext>
             </a:extLst>
           </p:cNvPr>
@@ -10682,8 +10794,8 @@
         </p:nvSpPr>
         <p:spPr>
           <a:xfrm>
-            <a:off x="2927756" y="2475484"/>
-            <a:ext cx="301686" cy="369332"/>
+            <a:off x="7704409" y="2141652"/>
+            <a:ext cx="341760" cy="276999"/>
           </a:xfrm>
           <a:prstGeom prst="rect">
             <a:avLst/>
@@ -10691,14 +10803,84 @@
           <a:noFill/>
         </p:spPr>
         <p:txBody>
-          <a:bodyPr wrap="none" rtlCol="0">
+          <a:bodyPr wrap="square" rtlCol="0">
             <a:spAutoFit/>
           </a:bodyPr>
           <a:lstStyle/>
           <a:p>
             <a:r>
-              <a:rPr lang="fr-FR" dirty="0"/>
+              <a:rPr lang="fr-FR" sz="1200" dirty="0"/>
+              <a:t>5</a:t>
+            </a:r>
+          </a:p>
+        </p:txBody>
+      </p:sp>
+      <p:sp>
+        <p:nvSpPr>
+          <p:cNvPr id="20" name="TextBox 19">
+            <a:extLst>
+              <a:ext uri="{FF2B5EF4-FFF2-40B4-BE49-F238E27FC236}">
+                <a16:creationId xmlns:a16="http://schemas.microsoft.com/office/drawing/2014/main" id="{4E74A4D1-42E0-8145-D627-A46DA6F80B85}"/>
+              </a:ext>
+            </a:extLst>
+          </p:cNvPr>
+          <p:cNvSpPr txBox="1"/>
+          <p:nvPr/>
+        </p:nvSpPr>
+        <p:spPr>
+          <a:xfrm>
+            <a:off x="7581377" y="4460989"/>
+            <a:ext cx="341760" cy="276999"/>
+          </a:xfrm>
+          <a:prstGeom prst="rect">
+            <a:avLst/>
+          </a:prstGeom>
+          <a:noFill/>
+        </p:spPr>
+        <p:txBody>
+          <a:bodyPr wrap="square" rtlCol="0">
+            <a:spAutoFit/>
+          </a:bodyPr>
+          <a:lstStyle/>
+          <a:p>
+            <a:r>
+              <a:rPr lang="fr-FR" sz="1200" dirty="0"/>
               <a:t>1</a:t>
+            </a:r>
+          </a:p>
+        </p:txBody>
+      </p:sp>
+      <p:sp>
+        <p:nvSpPr>
+          <p:cNvPr id="24" name="TextBox 23">
+            <a:extLst>
+              <a:ext uri="{FF2B5EF4-FFF2-40B4-BE49-F238E27FC236}">
+                <a16:creationId xmlns:a16="http://schemas.microsoft.com/office/drawing/2014/main" id="{803ED6A4-CBFB-D3D8-BFF8-8FC00FF9BBA6}"/>
+              </a:ext>
+            </a:extLst>
+          </p:cNvPr>
+          <p:cNvSpPr txBox="1"/>
+          <p:nvPr/>
+        </p:nvSpPr>
+        <p:spPr>
+          <a:xfrm>
+            <a:off x="7663132" y="5562502"/>
+            <a:ext cx="341760" cy="276999"/>
+          </a:xfrm>
+          <a:prstGeom prst="rect">
+            <a:avLst/>
+          </a:prstGeom>
+          <a:noFill/>
+        </p:spPr>
+        <p:txBody>
+          <a:bodyPr wrap="square" rtlCol="0">
+            <a:spAutoFit/>
+          </a:bodyPr>
+          <a:lstStyle/>
+          <a:p>
+            <a:r>
+              <a:rPr lang="fr-FR" sz="1200" dirty="0"/>
+              <a:t>25</a:t>
             </a:r>
           </a:p>
         </p:txBody>
@@ -10706,7 +10888,7 @@
     </p:spTree>
     <p:extLst>
       <p:ext uri="{BB962C8B-B14F-4D97-AF65-F5344CB8AC3E}">
-        <p14:creationId xmlns:p14="http://schemas.microsoft.com/office/powerpoint/2010/main" val="3702270704"/>
+        <p14:creationId xmlns:p14="http://schemas.microsoft.com/office/powerpoint/2010/main" val="865158714"/>
       </p:ext>
     </p:extLst>
   </p:cSld>
@@ -10733,12 +10915,40 @@
           <a:chExt cx="0" cy="0"/>
         </a:xfrm>
       </p:grpSpPr>
+      <p:sp>
+        <p:nvSpPr>
+          <p:cNvPr id="2" name="Title 1">
+            <a:extLst>
+              <a:ext uri="{FF2B5EF4-FFF2-40B4-BE49-F238E27FC236}">
+                <a16:creationId xmlns:a16="http://schemas.microsoft.com/office/drawing/2014/main" id="{FFC86E49-9559-5AAE-BC5C-4F6AD5D9985C}"/>
+              </a:ext>
+            </a:extLst>
+          </p:cNvPr>
+          <p:cNvSpPr>
+            <a:spLocks noGrp="1"/>
+          </p:cNvSpPr>
+          <p:nvPr>
+            <p:ph type="title"/>
+          </p:nvPr>
+        </p:nvSpPr>
+        <p:spPr/>
+        <p:txBody>
+          <a:bodyPr/>
+          <a:lstStyle/>
+          <a:p>
+            <a:r>
+              <a:rPr lang="fr-FR" dirty="0"/>
+              <a:t>Stratégie 1 vs 2</a:t>
+            </a:r>
+          </a:p>
+        </p:txBody>
+      </p:sp>
       <p:pic>
         <p:nvPicPr>
-          <p:cNvPr id="76" name="Picture 75">
-            <a:extLst>
-              <a:ext uri="{FF2B5EF4-FFF2-40B4-BE49-F238E27FC236}">
-                <a16:creationId xmlns:a16="http://schemas.microsoft.com/office/drawing/2014/main" id="{3B054C17-D2FF-D088-2ACA-035EE0CB7040}"/>
+          <p:cNvPr id="11" name="Picture 10">
+            <a:extLst>
+              <a:ext uri="{FF2B5EF4-FFF2-40B4-BE49-F238E27FC236}">
+                <a16:creationId xmlns:a16="http://schemas.microsoft.com/office/drawing/2014/main" id="{846DEDC8-5447-34CA-6E05-0E5E43F46380}"/>
               </a:ext>
             </a:extLst>
           </p:cNvPr>
@@ -10755,48 +10965,20 @@
         </p:blipFill>
         <p:spPr>
           <a:xfrm>
-            <a:off x="7207236" y="5713504"/>
-            <a:ext cx="2162991" cy="1092151"/>
+            <a:off x="6224158" y="1310950"/>
+            <a:ext cx="5129642" cy="3215011"/>
           </a:xfrm>
           <a:prstGeom prst="rect">
             <a:avLst/>
           </a:prstGeom>
         </p:spPr>
       </p:pic>
-      <p:sp>
-        <p:nvSpPr>
-          <p:cNvPr id="2" name="Title 1">
-            <a:extLst>
-              <a:ext uri="{FF2B5EF4-FFF2-40B4-BE49-F238E27FC236}">
-                <a16:creationId xmlns:a16="http://schemas.microsoft.com/office/drawing/2014/main" id="{FFC86E49-9559-5AAE-BC5C-4F6AD5D9985C}"/>
-              </a:ext>
-            </a:extLst>
-          </p:cNvPr>
-          <p:cNvSpPr>
-            <a:spLocks noGrp="1"/>
-          </p:cNvSpPr>
-          <p:nvPr>
-            <p:ph type="title"/>
-          </p:nvPr>
-        </p:nvSpPr>
-        <p:spPr/>
-        <p:txBody>
-          <a:bodyPr/>
-          <a:lstStyle/>
-          <a:p>
-            <a:r>
-              <a:rPr lang="fr-FR" dirty="0"/>
-              <a:t>Stratégie 2</a:t>
-            </a:r>
-          </a:p>
-        </p:txBody>
-      </p:sp>
       <p:pic>
         <p:nvPicPr>
-          <p:cNvPr id="7" name="Picture 6">
-            <a:extLst>
-              <a:ext uri="{FF2B5EF4-FFF2-40B4-BE49-F238E27FC236}">
-                <a16:creationId xmlns:a16="http://schemas.microsoft.com/office/drawing/2014/main" id="{381DC43D-E7DD-8A71-3809-AA6B7AF933D3}"/>
+          <p:cNvPr id="15" name="Picture 14">
+            <a:extLst>
+              <a:ext uri="{FF2B5EF4-FFF2-40B4-BE49-F238E27FC236}">
+                <a16:creationId xmlns:a16="http://schemas.microsoft.com/office/drawing/2014/main" id="{8AC7B6B2-E8CF-15EA-7AAF-46D2CA70D457}"/>
               </a:ext>
             </a:extLst>
           </p:cNvPr>
@@ -10813,63 +10995,20 @@
         </p:blipFill>
         <p:spPr>
           <a:xfrm>
-            <a:off x="56647" y="3672095"/>
-            <a:ext cx="2163373" cy="1213136"/>
+            <a:off x="682803" y="1310949"/>
+            <a:ext cx="5285040" cy="3215012"/>
           </a:xfrm>
           <a:prstGeom prst="rect">
             <a:avLst/>
           </a:prstGeom>
         </p:spPr>
       </p:pic>
-      <p:cxnSp>
-        <p:nvCxnSpPr>
-          <p:cNvPr id="10" name="Straight Arrow Connector 9">
-            <a:extLst>
-              <a:ext uri="{FF2B5EF4-FFF2-40B4-BE49-F238E27FC236}">
-                <a16:creationId xmlns:a16="http://schemas.microsoft.com/office/drawing/2014/main" id="{285B2E8B-66A0-588F-7690-40FF2E69C5E3}"/>
-              </a:ext>
-            </a:extLst>
-          </p:cNvPr>
-          <p:cNvCxnSpPr>
-            <a:cxnSpLocks/>
-            <a:stCxn id="7" idx="3"/>
-            <a:endCxn id="12" idx="1"/>
-          </p:cNvCxnSpPr>
-          <p:nvPr/>
-        </p:nvCxnSpPr>
-        <p:spPr>
-          <a:xfrm flipV="1">
-            <a:off x="2220020" y="3130220"/>
-            <a:ext cx="1719534" cy="1148443"/>
-          </a:xfrm>
-          <a:prstGeom prst="straightConnector1">
-            <a:avLst/>
-          </a:prstGeom>
-          <a:ln>
-            <a:tailEnd type="triangle"/>
-          </a:ln>
-        </p:spPr>
-        <p:style>
-          <a:lnRef idx="1">
-            <a:schemeClr val="accent1"/>
-          </a:lnRef>
-          <a:fillRef idx="0">
-            <a:schemeClr val="accent1"/>
-          </a:fillRef>
-          <a:effectRef idx="0">
-            <a:schemeClr val="accent1"/>
-          </a:effectRef>
-          <a:fontRef idx="minor">
-            <a:schemeClr val="tx1"/>
-          </a:fontRef>
-        </p:style>
-      </p:cxnSp>
       <p:pic>
         <p:nvPicPr>
-          <p:cNvPr id="12" name="Picture 11">
-            <a:extLst>
-              <a:ext uri="{FF2B5EF4-FFF2-40B4-BE49-F238E27FC236}">
-                <a16:creationId xmlns:a16="http://schemas.microsoft.com/office/drawing/2014/main" id="{CF9C14FB-7918-C730-F736-DAC661F343DD}"/>
+          <p:cNvPr id="6" name="Picture 5">
+            <a:extLst>
+              <a:ext uri="{FF2B5EF4-FFF2-40B4-BE49-F238E27FC236}">
+                <a16:creationId xmlns:a16="http://schemas.microsoft.com/office/drawing/2014/main" id="{C34294D3-ED77-7F29-A5A1-F8B898555B55}"/>
               </a:ext>
             </a:extLst>
           </p:cNvPr>
@@ -10886,837 +11025,18 @@
         </p:blipFill>
         <p:spPr>
           <a:xfrm>
-            <a:off x="3939554" y="2672224"/>
-            <a:ext cx="1732842" cy="915992"/>
+            <a:off x="3699442" y="4408963"/>
+            <a:ext cx="4793117" cy="2125643"/>
           </a:xfrm>
           <a:prstGeom prst="rect">
             <a:avLst/>
           </a:prstGeom>
         </p:spPr>
       </p:pic>
-      <p:pic>
-        <p:nvPicPr>
-          <p:cNvPr id="20" name="Picture 19">
-            <a:extLst>
-              <a:ext uri="{FF2B5EF4-FFF2-40B4-BE49-F238E27FC236}">
-                <a16:creationId xmlns:a16="http://schemas.microsoft.com/office/drawing/2014/main" id="{7AA59553-47E8-C41A-2221-53CC9F5B90D7}"/>
-              </a:ext>
-            </a:extLst>
-          </p:cNvPr>
-          <p:cNvPicPr>
-            <a:picLocks noChangeAspect="1"/>
-          </p:cNvPicPr>
-          <p:nvPr/>
-        </p:nvPicPr>
-        <p:blipFill>
-          <a:blip r:embed="rId5"/>
-          <a:stretch>
-            <a:fillRect/>
-          </a:stretch>
-        </p:blipFill>
-        <p:spPr>
-          <a:xfrm>
-            <a:off x="3939554" y="5344960"/>
-            <a:ext cx="1849506" cy="993500"/>
-          </a:xfrm>
-          <a:prstGeom prst="rect">
-            <a:avLst/>
-          </a:prstGeom>
-        </p:spPr>
-      </p:pic>
-      <p:cxnSp>
-        <p:nvCxnSpPr>
-          <p:cNvPr id="25" name="Straight Arrow Connector 24">
-            <a:extLst>
-              <a:ext uri="{FF2B5EF4-FFF2-40B4-BE49-F238E27FC236}">
-                <a16:creationId xmlns:a16="http://schemas.microsoft.com/office/drawing/2014/main" id="{D1176A85-D4D6-68C9-6233-74FA23B29F14}"/>
-              </a:ext>
-            </a:extLst>
-          </p:cNvPr>
-          <p:cNvCxnSpPr>
-            <a:cxnSpLocks/>
-            <a:stCxn id="7" idx="3"/>
-            <a:endCxn id="16" idx="1"/>
-          </p:cNvCxnSpPr>
-          <p:nvPr/>
-        </p:nvCxnSpPr>
-        <p:spPr>
-          <a:xfrm>
-            <a:off x="2220020" y="4278663"/>
-            <a:ext cx="1675455" cy="150305"/>
-          </a:xfrm>
-          <a:prstGeom prst="straightConnector1">
-            <a:avLst/>
-          </a:prstGeom>
-          <a:ln>
-            <a:tailEnd type="triangle"/>
-          </a:ln>
-        </p:spPr>
-        <p:style>
-          <a:lnRef idx="1">
-            <a:schemeClr val="accent1"/>
-          </a:lnRef>
-          <a:fillRef idx="0">
-            <a:schemeClr val="accent1"/>
-          </a:fillRef>
-          <a:effectRef idx="0">
-            <a:schemeClr val="accent1"/>
-          </a:effectRef>
-          <a:fontRef idx="minor">
-            <a:schemeClr val="tx1"/>
-          </a:fontRef>
-        </p:style>
-      </p:cxnSp>
-      <p:cxnSp>
-        <p:nvCxnSpPr>
-          <p:cNvPr id="30" name="Straight Arrow Connector 29">
-            <a:extLst>
-              <a:ext uri="{FF2B5EF4-FFF2-40B4-BE49-F238E27FC236}">
-                <a16:creationId xmlns:a16="http://schemas.microsoft.com/office/drawing/2014/main" id="{1FD094CC-E9EB-3018-CC8D-214456E131AB}"/>
-              </a:ext>
-            </a:extLst>
-          </p:cNvPr>
-          <p:cNvCxnSpPr>
-            <a:cxnSpLocks/>
-            <a:stCxn id="7" idx="3"/>
-            <a:endCxn id="20" idx="1"/>
-          </p:cNvCxnSpPr>
-          <p:nvPr/>
-        </p:nvCxnSpPr>
-        <p:spPr>
-          <a:xfrm>
-            <a:off x="2220020" y="4278663"/>
-            <a:ext cx="1719534" cy="1563047"/>
-          </a:xfrm>
-          <a:prstGeom prst="straightConnector1">
-            <a:avLst/>
-          </a:prstGeom>
-          <a:ln>
-            <a:tailEnd type="triangle"/>
-          </a:ln>
-        </p:spPr>
-        <p:style>
-          <a:lnRef idx="1">
-            <a:schemeClr val="accent1"/>
-          </a:lnRef>
-          <a:fillRef idx="0">
-            <a:schemeClr val="accent1"/>
-          </a:fillRef>
-          <a:effectRef idx="0">
-            <a:schemeClr val="accent1"/>
-          </a:effectRef>
-          <a:fontRef idx="minor">
-            <a:schemeClr val="tx1"/>
-          </a:fontRef>
-        </p:style>
-      </p:cxnSp>
-      <p:cxnSp>
-        <p:nvCxnSpPr>
-          <p:cNvPr id="44" name="Straight Arrow Connector 43">
-            <a:extLst>
-              <a:ext uri="{FF2B5EF4-FFF2-40B4-BE49-F238E27FC236}">
-                <a16:creationId xmlns:a16="http://schemas.microsoft.com/office/drawing/2014/main" id="{B09310E0-C61D-212C-84ED-DF7098E79295}"/>
-              </a:ext>
-            </a:extLst>
-          </p:cNvPr>
-          <p:cNvCxnSpPr>
-            <a:cxnSpLocks/>
-            <a:stCxn id="12" idx="3"/>
-          </p:cNvCxnSpPr>
-          <p:nvPr/>
-        </p:nvCxnSpPr>
-        <p:spPr>
-          <a:xfrm flipV="1">
-            <a:off x="5672396" y="2559412"/>
-            <a:ext cx="1395916" cy="570808"/>
-          </a:xfrm>
-          <a:prstGeom prst="straightConnector1">
-            <a:avLst/>
-          </a:prstGeom>
-          <a:ln>
-            <a:tailEnd type="triangle"/>
-          </a:ln>
-        </p:spPr>
-        <p:style>
-          <a:lnRef idx="1">
-            <a:schemeClr val="accent1"/>
-          </a:lnRef>
-          <a:fillRef idx="0">
-            <a:schemeClr val="accent1"/>
-          </a:fillRef>
-          <a:effectRef idx="0">
-            <a:schemeClr val="accent1"/>
-          </a:effectRef>
-          <a:fontRef idx="minor">
-            <a:schemeClr val="tx1"/>
-          </a:fontRef>
-        </p:style>
-      </p:cxnSp>
-      <p:pic>
-        <p:nvPicPr>
-          <p:cNvPr id="50" name="Picture 49">
-            <a:extLst>
-              <a:ext uri="{FF2B5EF4-FFF2-40B4-BE49-F238E27FC236}">
-                <a16:creationId xmlns:a16="http://schemas.microsoft.com/office/drawing/2014/main" id="{5713EDD6-C4C3-04A9-4701-B968C20426AF}"/>
-              </a:ext>
-            </a:extLst>
-          </p:cNvPr>
-          <p:cNvPicPr>
-            <a:picLocks noChangeAspect="1"/>
-          </p:cNvPicPr>
-          <p:nvPr/>
-        </p:nvPicPr>
-        <p:blipFill>
-          <a:blip r:embed="rId6"/>
-          <a:stretch>
-            <a:fillRect/>
-          </a:stretch>
-        </p:blipFill>
-        <p:spPr>
-          <a:xfrm>
-            <a:off x="7140514" y="2130794"/>
-            <a:ext cx="2003486" cy="1086842"/>
-          </a:xfrm>
-          <a:prstGeom prst="rect">
-            <a:avLst/>
-          </a:prstGeom>
-        </p:spPr>
-      </p:pic>
-      <p:pic>
-        <p:nvPicPr>
-          <p:cNvPr id="16" name="Picture 15">
-            <a:extLst>
-              <a:ext uri="{FF2B5EF4-FFF2-40B4-BE49-F238E27FC236}">
-                <a16:creationId xmlns:a16="http://schemas.microsoft.com/office/drawing/2014/main" id="{A40FB0C3-6424-1DE0-6AC8-7CE71FEF0879}"/>
-              </a:ext>
-            </a:extLst>
-          </p:cNvPr>
-          <p:cNvPicPr>
-            <a:picLocks noChangeAspect="1"/>
-          </p:cNvPicPr>
-          <p:nvPr/>
-        </p:nvPicPr>
-        <p:blipFill>
-          <a:blip r:embed="rId7"/>
-          <a:stretch>
-            <a:fillRect/>
-          </a:stretch>
-        </p:blipFill>
-        <p:spPr>
-          <a:xfrm>
-            <a:off x="3895475" y="3970972"/>
-            <a:ext cx="1821001" cy="915992"/>
-          </a:xfrm>
-          <a:prstGeom prst="rect">
-            <a:avLst/>
-          </a:prstGeom>
-        </p:spPr>
-      </p:pic>
-      <p:pic>
-        <p:nvPicPr>
-          <p:cNvPr id="57" name="Picture 56">
-            <a:extLst>
-              <a:ext uri="{FF2B5EF4-FFF2-40B4-BE49-F238E27FC236}">
-                <a16:creationId xmlns:a16="http://schemas.microsoft.com/office/drawing/2014/main" id="{71BB2BBD-E729-C45A-60A8-A15C2E57F0F0}"/>
-              </a:ext>
-            </a:extLst>
-          </p:cNvPr>
-          <p:cNvPicPr>
-            <a:picLocks noChangeAspect="1"/>
-          </p:cNvPicPr>
-          <p:nvPr/>
-        </p:nvPicPr>
-        <p:blipFill>
-          <a:blip r:embed="rId8"/>
-          <a:stretch>
-            <a:fillRect/>
-          </a:stretch>
-        </p:blipFill>
-        <p:spPr>
-          <a:xfrm>
-            <a:off x="7103297" y="3112759"/>
-            <a:ext cx="2003486" cy="1006678"/>
-          </a:xfrm>
-          <a:prstGeom prst="rect">
-            <a:avLst/>
-          </a:prstGeom>
-        </p:spPr>
-      </p:pic>
-      <p:cxnSp>
-        <p:nvCxnSpPr>
-          <p:cNvPr id="58" name="Straight Arrow Connector 57">
-            <a:extLst>
-              <a:ext uri="{FF2B5EF4-FFF2-40B4-BE49-F238E27FC236}">
-                <a16:creationId xmlns:a16="http://schemas.microsoft.com/office/drawing/2014/main" id="{CB98FF66-6D42-9006-8C36-DF63B4C8E5D4}"/>
-              </a:ext>
-            </a:extLst>
-          </p:cNvPr>
-          <p:cNvCxnSpPr>
-            <a:cxnSpLocks/>
-            <a:stCxn id="12" idx="3"/>
-            <a:endCxn id="57" idx="1"/>
-          </p:cNvCxnSpPr>
-          <p:nvPr/>
-        </p:nvCxnSpPr>
-        <p:spPr>
-          <a:xfrm>
-            <a:off x="5672396" y="3130220"/>
-            <a:ext cx="1430901" cy="485878"/>
-          </a:xfrm>
-          <a:prstGeom prst="straightConnector1">
-            <a:avLst/>
-          </a:prstGeom>
-          <a:ln>
-            <a:tailEnd type="triangle"/>
-          </a:ln>
-        </p:spPr>
-        <p:style>
-          <a:lnRef idx="1">
-            <a:schemeClr val="accent1"/>
-          </a:lnRef>
-          <a:fillRef idx="0">
-            <a:schemeClr val="accent1"/>
-          </a:fillRef>
-          <a:effectRef idx="0">
-            <a:schemeClr val="accent1"/>
-          </a:effectRef>
-          <a:fontRef idx="minor">
-            <a:schemeClr val="tx1"/>
-          </a:fontRef>
-        </p:style>
-      </p:cxnSp>
-      <p:cxnSp>
-        <p:nvCxnSpPr>
-          <p:cNvPr id="70" name="Straight Arrow Connector 69">
-            <a:extLst>
-              <a:ext uri="{FF2B5EF4-FFF2-40B4-BE49-F238E27FC236}">
-                <a16:creationId xmlns:a16="http://schemas.microsoft.com/office/drawing/2014/main" id="{6FCF1BDE-AA9D-5920-A526-738FD55FCAD0}"/>
-              </a:ext>
-            </a:extLst>
-          </p:cNvPr>
-          <p:cNvCxnSpPr>
-            <a:cxnSpLocks/>
-            <a:stCxn id="20" idx="3"/>
-            <a:endCxn id="74" idx="1"/>
-          </p:cNvCxnSpPr>
-          <p:nvPr/>
-        </p:nvCxnSpPr>
-        <p:spPr>
-          <a:xfrm flipV="1">
-            <a:off x="5789060" y="5115625"/>
-            <a:ext cx="1344930" cy="726085"/>
-          </a:xfrm>
-          <a:prstGeom prst="straightConnector1">
-            <a:avLst/>
-          </a:prstGeom>
-          <a:ln>
-            <a:tailEnd type="triangle"/>
-          </a:ln>
-        </p:spPr>
-        <p:style>
-          <a:lnRef idx="1">
-            <a:schemeClr val="accent1"/>
-          </a:lnRef>
-          <a:fillRef idx="0">
-            <a:schemeClr val="accent1"/>
-          </a:fillRef>
-          <a:effectRef idx="0">
-            <a:schemeClr val="accent1"/>
-          </a:effectRef>
-          <a:fontRef idx="minor">
-            <a:schemeClr val="tx1"/>
-          </a:fontRef>
-        </p:style>
-      </p:cxnSp>
-      <p:pic>
-        <p:nvPicPr>
-          <p:cNvPr id="74" name="Picture 73">
-            <a:extLst>
-              <a:ext uri="{FF2B5EF4-FFF2-40B4-BE49-F238E27FC236}">
-                <a16:creationId xmlns:a16="http://schemas.microsoft.com/office/drawing/2014/main" id="{B83E077B-4222-0C18-CCA4-B836838C2966}"/>
-              </a:ext>
-            </a:extLst>
-          </p:cNvPr>
-          <p:cNvPicPr>
-            <a:picLocks noChangeAspect="1"/>
-          </p:cNvPicPr>
-          <p:nvPr/>
-        </p:nvPicPr>
-        <p:blipFill>
-          <a:blip r:embed="rId9"/>
-          <a:stretch>
-            <a:fillRect/>
-          </a:stretch>
-        </p:blipFill>
-        <p:spPr>
-          <a:xfrm>
-            <a:off x="7133990" y="4517746"/>
-            <a:ext cx="2194844" cy="1195758"/>
-          </a:xfrm>
-          <a:prstGeom prst="rect">
-            <a:avLst/>
-          </a:prstGeom>
-        </p:spPr>
-      </p:pic>
-      <p:cxnSp>
-        <p:nvCxnSpPr>
-          <p:cNvPr id="80" name="Straight Arrow Connector 79">
-            <a:extLst>
-              <a:ext uri="{FF2B5EF4-FFF2-40B4-BE49-F238E27FC236}">
-                <a16:creationId xmlns:a16="http://schemas.microsoft.com/office/drawing/2014/main" id="{4D97B21D-A33A-DF1A-4462-76718EE1E21B}"/>
-              </a:ext>
-            </a:extLst>
-          </p:cNvPr>
-          <p:cNvCxnSpPr>
-            <a:cxnSpLocks/>
-            <a:stCxn id="20" idx="3"/>
-            <a:endCxn id="76" idx="1"/>
-          </p:cNvCxnSpPr>
-          <p:nvPr/>
-        </p:nvCxnSpPr>
-        <p:spPr>
-          <a:xfrm>
-            <a:off x="5789060" y="5841710"/>
-            <a:ext cx="1418176" cy="417870"/>
-          </a:xfrm>
-          <a:prstGeom prst="straightConnector1">
-            <a:avLst/>
-          </a:prstGeom>
-          <a:ln>
-            <a:tailEnd type="triangle"/>
-          </a:ln>
-        </p:spPr>
-        <p:style>
-          <a:lnRef idx="1">
-            <a:schemeClr val="accent1"/>
-          </a:lnRef>
-          <a:fillRef idx="0">
-            <a:schemeClr val="accent1"/>
-          </a:fillRef>
-          <a:effectRef idx="0">
-            <a:schemeClr val="accent1"/>
-          </a:effectRef>
-          <a:fontRef idx="minor">
-            <a:schemeClr val="tx1"/>
-          </a:fontRef>
-        </p:style>
-      </p:cxnSp>
-      <p:sp>
-        <p:nvSpPr>
-          <p:cNvPr id="87" name="TextBox 86">
-            <a:extLst>
-              <a:ext uri="{FF2B5EF4-FFF2-40B4-BE49-F238E27FC236}">
-                <a16:creationId xmlns:a16="http://schemas.microsoft.com/office/drawing/2014/main" id="{434855C8-719F-7532-0CCC-E206241DF471}"/>
-              </a:ext>
-            </a:extLst>
-          </p:cNvPr>
-          <p:cNvSpPr txBox="1"/>
-          <p:nvPr/>
-        </p:nvSpPr>
-        <p:spPr>
-          <a:xfrm>
-            <a:off x="2311174" y="3672095"/>
-            <a:ext cx="301686" cy="369332"/>
-          </a:xfrm>
-          <a:prstGeom prst="rect">
-            <a:avLst/>
-          </a:prstGeom>
-          <a:noFill/>
-        </p:spPr>
-        <p:txBody>
-          <a:bodyPr wrap="none" rtlCol="0">
-            <a:spAutoFit/>
-          </a:bodyPr>
-          <a:lstStyle/>
-          <a:p>
-            <a:r>
-              <a:rPr lang="fr-FR" dirty="0"/>
-              <a:t>1</a:t>
-            </a:r>
-          </a:p>
-        </p:txBody>
-      </p:sp>
-      <p:sp>
-        <p:nvSpPr>
-          <p:cNvPr id="88" name="TextBox 87">
-            <a:extLst>
-              <a:ext uri="{FF2B5EF4-FFF2-40B4-BE49-F238E27FC236}">
-                <a16:creationId xmlns:a16="http://schemas.microsoft.com/office/drawing/2014/main" id="{D56AB6F2-BF5F-D35D-5961-9D05D4DD954B}"/>
-              </a:ext>
-            </a:extLst>
-          </p:cNvPr>
-          <p:cNvSpPr txBox="1"/>
-          <p:nvPr/>
-        </p:nvSpPr>
-        <p:spPr>
-          <a:xfrm>
-            <a:off x="5751461" y="2518821"/>
-            <a:ext cx="301686" cy="369332"/>
-          </a:xfrm>
-          <a:prstGeom prst="rect">
-            <a:avLst/>
-          </a:prstGeom>
-          <a:noFill/>
-        </p:spPr>
-        <p:txBody>
-          <a:bodyPr wrap="none" rtlCol="0">
-            <a:spAutoFit/>
-          </a:bodyPr>
-          <a:lstStyle/>
-          <a:p>
-            <a:r>
-              <a:rPr lang="fr-FR" dirty="0"/>
-              <a:t>2</a:t>
-            </a:r>
-          </a:p>
-        </p:txBody>
-      </p:sp>
-      <p:sp>
-        <p:nvSpPr>
-          <p:cNvPr id="89" name="TextBox 88">
-            <a:extLst>
-              <a:ext uri="{FF2B5EF4-FFF2-40B4-BE49-F238E27FC236}">
-                <a16:creationId xmlns:a16="http://schemas.microsoft.com/office/drawing/2014/main" id="{0F40D329-B8F2-D1FF-125C-77B17B520018}"/>
-              </a:ext>
-            </a:extLst>
-          </p:cNvPr>
-          <p:cNvSpPr txBox="1"/>
-          <p:nvPr/>
-        </p:nvSpPr>
-        <p:spPr>
-          <a:xfrm>
-            <a:off x="5773585" y="5326388"/>
-            <a:ext cx="301686" cy="369332"/>
-          </a:xfrm>
-          <a:prstGeom prst="rect">
-            <a:avLst/>
-          </a:prstGeom>
-          <a:noFill/>
-        </p:spPr>
-        <p:txBody>
-          <a:bodyPr wrap="none" rtlCol="0">
-            <a:spAutoFit/>
-          </a:bodyPr>
-          <a:lstStyle/>
-          <a:p>
-            <a:r>
-              <a:rPr lang="fr-FR" dirty="0"/>
-              <a:t>3</a:t>
-            </a:r>
-          </a:p>
-        </p:txBody>
-      </p:sp>
-      <p:cxnSp>
-        <p:nvCxnSpPr>
-          <p:cNvPr id="4" name="Straight Arrow Connector 3">
-            <a:extLst>
-              <a:ext uri="{FF2B5EF4-FFF2-40B4-BE49-F238E27FC236}">
-                <a16:creationId xmlns:a16="http://schemas.microsoft.com/office/drawing/2014/main" id="{8C498763-44BF-B24B-A6AE-1A4A6F0EE441}"/>
-              </a:ext>
-            </a:extLst>
-          </p:cNvPr>
-          <p:cNvCxnSpPr>
-            <a:cxnSpLocks/>
-            <a:stCxn id="16" idx="3"/>
-            <a:endCxn id="50" idx="1"/>
-          </p:cNvCxnSpPr>
-          <p:nvPr/>
-        </p:nvCxnSpPr>
-        <p:spPr>
-          <a:xfrm flipV="1">
-            <a:off x="5716476" y="2674215"/>
-            <a:ext cx="1424038" cy="1754753"/>
-          </a:xfrm>
-          <a:prstGeom prst="straightConnector1">
-            <a:avLst/>
-          </a:prstGeom>
-          <a:ln>
-            <a:tailEnd type="triangle"/>
-          </a:ln>
-        </p:spPr>
-        <p:style>
-          <a:lnRef idx="1">
-            <a:schemeClr val="accent1"/>
-          </a:lnRef>
-          <a:fillRef idx="0">
-            <a:schemeClr val="accent1"/>
-          </a:fillRef>
-          <a:effectRef idx="0">
-            <a:schemeClr val="accent1"/>
-          </a:effectRef>
-          <a:fontRef idx="minor">
-            <a:schemeClr val="tx1"/>
-          </a:fontRef>
-        </p:style>
-      </p:cxnSp>
-      <p:sp>
-        <p:nvSpPr>
-          <p:cNvPr id="5" name="TextBox 4">
-            <a:extLst>
-              <a:ext uri="{FF2B5EF4-FFF2-40B4-BE49-F238E27FC236}">
-                <a16:creationId xmlns:a16="http://schemas.microsoft.com/office/drawing/2014/main" id="{2DEF5826-5B95-6DBA-0204-B6A161E014F5}"/>
-              </a:ext>
-            </a:extLst>
-          </p:cNvPr>
-          <p:cNvSpPr txBox="1"/>
-          <p:nvPr/>
-        </p:nvSpPr>
-        <p:spPr>
-          <a:xfrm>
-            <a:off x="5385718" y="4626385"/>
-            <a:ext cx="306494" cy="246221"/>
-          </a:xfrm>
-          <a:prstGeom prst="rect">
-            <a:avLst/>
-          </a:prstGeom>
-          <a:noFill/>
-        </p:spPr>
-        <p:txBody>
-          <a:bodyPr wrap="none" rtlCol="0">
-            <a:spAutoFit/>
-          </a:bodyPr>
-          <a:lstStyle/>
-          <a:p>
-            <a:r>
-              <a:rPr lang="fr-FR" sz="1000" dirty="0"/>
-              <a:t>x2</a:t>
-            </a:r>
-          </a:p>
-        </p:txBody>
-      </p:sp>
-      <p:cxnSp>
-        <p:nvCxnSpPr>
-          <p:cNvPr id="13" name="Straight Arrow Connector 12">
-            <a:extLst>
-              <a:ext uri="{FF2B5EF4-FFF2-40B4-BE49-F238E27FC236}">
-                <a16:creationId xmlns:a16="http://schemas.microsoft.com/office/drawing/2014/main" id="{7AF51646-06C9-CDFA-4710-1CA084128B29}"/>
-              </a:ext>
-            </a:extLst>
-          </p:cNvPr>
-          <p:cNvCxnSpPr>
-            <a:cxnSpLocks/>
-            <a:stCxn id="16" idx="3"/>
-            <a:endCxn id="74" idx="1"/>
-          </p:cNvCxnSpPr>
-          <p:nvPr/>
-        </p:nvCxnSpPr>
-        <p:spPr>
-          <a:xfrm>
-            <a:off x="5716476" y="4428968"/>
-            <a:ext cx="1417514" cy="686657"/>
-          </a:xfrm>
-          <a:prstGeom prst="straightConnector1">
-            <a:avLst/>
-          </a:prstGeom>
-          <a:ln>
-            <a:tailEnd type="triangle"/>
-          </a:ln>
-        </p:spPr>
-        <p:style>
-          <a:lnRef idx="1">
-            <a:schemeClr val="accent1"/>
-          </a:lnRef>
-          <a:fillRef idx="0">
-            <a:schemeClr val="accent1"/>
-          </a:fillRef>
-          <a:effectRef idx="0">
-            <a:schemeClr val="accent1"/>
-          </a:effectRef>
-          <a:fontRef idx="minor">
-            <a:schemeClr val="tx1"/>
-          </a:fontRef>
-        </p:style>
-      </p:cxnSp>
-      <p:sp>
-        <p:nvSpPr>
-          <p:cNvPr id="26" name="TextBox 25">
-            <a:extLst>
-              <a:ext uri="{FF2B5EF4-FFF2-40B4-BE49-F238E27FC236}">
-                <a16:creationId xmlns:a16="http://schemas.microsoft.com/office/drawing/2014/main" id="{025800BC-2D46-6CBE-5356-C51F38DE7BAD}"/>
-              </a:ext>
-            </a:extLst>
-          </p:cNvPr>
-          <p:cNvSpPr txBox="1"/>
-          <p:nvPr/>
-        </p:nvSpPr>
-        <p:spPr>
-          <a:xfrm>
-            <a:off x="5751461" y="3774760"/>
-            <a:ext cx="301686" cy="369332"/>
-          </a:xfrm>
-          <a:prstGeom prst="rect">
-            <a:avLst/>
-          </a:prstGeom>
-          <a:noFill/>
-        </p:spPr>
-        <p:txBody>
-          <a:bodyPr wrap="none" rtlCol="0">
-            <a:spAutoFit/>
-          </a:bodyPr>
-          <a:lstStyle/>
-          <a:p>
-            <a:r>
-              <a:rPr lang="fr-FR" dirty="0"/>
-              <a:t>4</a:t>
-            </a:r>
-          </a:p>
-        </p:txBody>
-      </p:sp>
-      <p:sp>
-        <p:nvSpPr>
-          <p:cNvPr id="27" name="TextBox 26">
-            <a:extLst>
-              <a:ext uri="{FF2B5EF4-FFF2-40B4-BE49-F238E27FC236}">
-                <a16:creationId xmlns:a16="http://schemas.microsoft.com/office/drawing/2014/main" id="{E6AC738F-6750-35BF-61A2-4B67612DD457}"/>
-              </a:ext>
-            </a:extLst>
-          </p:cNvPr>
-          <p:cNvSpPr txBox="1"/>
-          <p:nvPr/>
-        </p:nvSpPr>
-        <p:spPr>
-          <a:xfrm>
-            <a:off x="9022340" y="5232446"/>
-            <a:ext cx="306494" cy="246221"/>
-          </a:xfrm>
-          <a:prstGeom prst="rect">
-            <a:avLst/>
-          </a:prstGeom>
-          <a:noFill/>
-        </p:spPr>
-        <p:txBody>
-          <a:bodyPr wrap="none" rtlCol="0">
-            <a:spAutoFit/>
-          </a:bodyPr>
-          <a:lstStyle/>
-          <a:p>
-            <a:r>
-              <a:rPr lang="fr-FR" sz="1000" dirty="0"/>
-              <a:t>x2</a:t>
-            </a:r>
-          </a:p>
-        </p:txBody>
-      </p:sp>
-      <p:sp>
-        <p:nvSpPr>
-          <p:cNvPr id="29" name="TextBox 28">
-            <a:extLst>
-              <a:ext uri="{FF2B5EF4-FFF2-40B4-BE49-F238E27FC236}">
-                <a16:creationId xmlns:a16="http://schemas.microsoft.com/office/drawing/2014/main" id="{0480E227-30B8-3ADB-9998-6C1EE9BEABFD}"/>
-              </a:ext>
-            </a:extLst>
-          </p:cNvPr>
-          <p:cNvSpPr txBox="1"/>
-          <p:nvPr/>
-        </p:nvSpPr>
-        <p:spPr>
-          <a:xfrm>
-            <a:off x="8941048" y="2739783"/>
-            <a:ext cx="306494" cy="246221"/>
-          </a:xfrm>
-          <a:prstGeom prst="rect">
-            <a:avLst/>
-          </a:prstGeom>
-          <a:noFill/>
-        </p:spPr>
-        <p:txBody>
-          <a:bodyPr wrap="none" rtlCol="0">
-            <a:spAutoFit/>
-          </a:bodyPr>
-          <a:lstStyle/>
-          <a:p>
-            <a:r>
-              <a:rPr lang="fr-FR" sz="1000" dirty="0"/>
-              <a:t>x2</a:t>
-            </a:r>
-          </a:p>
-        </p:txBody>
-      </p:sp>
-      <p:sp>
-        <p:nvSpPr>
-          <p:cNvPr id="32" name="TextBox 31">
-            <a:extLst>
-              <a:ext uri="{FF2B5EF4-FFF2-40B4-BE49-F238E27FC236}">
-                <a16:creationId xmlns:a16="http://schemas.microsoft.com/office/drawing/2014/main" id="{BB4BCEAF-6543-70CB-E867-2312C42332FC}"/>
-              </a:ext>
-            </a:extLst>
-          </p:cNvPr>
-          <p:cNvSpPr txBox="1"/>
-          <p:nvPr/>
-        </p:nvSpPr>
-        <p:spPr>
-          <a:xfrm>
-            <a:off x="836834" y="1451202"/>
-            <a:ext cx="9821663" cy="646331"/>
-          </a:xfrm>
-          <a:prstGeom prst="rect">
-            <a:avLst/>
-          </a:prstGeom>
-          <a:noFill/>
-        </p:spPr>
-        <p:txBody>
-          <a:bodyPr wrap="none" rtlCol="0">
-            <a:spAutoFit/>
-          </a:bodyPr>
-          <a:lstStyle/>
-          <a:p>
-            <a:pPr marL="285750" indent="-285750">
-              <a:buFont typeface="Arial" panose="020B0604020202020204" pitchFamily="34" charset="0"/>
-              <a:buChar char="•"/>
-            </a:pPr>
-            <a:r>
-              <a:rPr lang="fr-FR" dirty="0"/>
-              <a:t>Prioriser l’étape avec un </a:t>
-            </a:r>
-            <a:r>
-              <a:rPr lang="fr-FR" dirty="0" err="1"/>
-              <a:t>loss</a:t>
-            </a:r>
-            <a:r>
-              <a:rPr lang="fr-FR" dirty="0"/>
-              <a:t> le plus faible</a:t>
-            </a:r>
-          </a:p>
-          <a:p>
-            <a:pPr marL="285750" indent="-285750">
-              <a:buFont typeface="Arial" panose="020B0604020202020204" pitchFamily="34" charset="0"/>
-              <a:buChar char="•"/>
-            </a:pPr>
-            <a:r>
-              <a:rPr lang="fr-FR" dirty="0"/>
-              <a:t>Balayer les </a:t>
-            </a:r>
-            <a:r>
-              <a:rPr lang="fr-FR" dirty="0" err="1"/>
-              <a:t>ugas</a:t>
-            </a:r>
-            <a:r>
-              <a:rPr lang="fr-FR" dirty="0"/>
-              <a:t> et grouper avec l’</a:t>
-            </a:r>
-            <a:r>
-              <a:rPr lang="fr-FR" dirty="0" err="1"/>
-              <a:t>uga</a:t>
-            </a:r>
-            <a:r>
-              <a:rPr lang="fr-FR" dirty="0"/>
-              <a:t> voisin qui aura un </a:t>
-            </a:r>
-            <a:r>
-              <a:rPr lang="fr-FR" dirty="0" err="1"/>
-              <a:t>nbcall</a:t>
-            </a:r>
-            <a:r>
-              <a:rPr lang="fr-FR" dirty="0"/>
-              <a:t> groupé le plus proche de l’objectif fixé</a:t>
-            </a:r>
-          </a:p>
-        </p:txBody>
-      </p:sp>
     </p:spTree>
     <p:extLst>
       <p:ext uri="{BB962C8B-B14F-4D97-AF65-F5344CB8AC3E}">
-        <p14:creationId xmlns:p14="http://schemas.microsoft.com/office/powerpoint/2010/main" val="865158714"/>
+        <p14:creationId xmlns:p14="http://schemas.microsoft.com/office/powerpoint/2010/main" val="255853770"/>
       </p:ext>
     </p:extLst>
   </p:cSld>
